--- a/docs/deployment_guide/images/cisco-firewall-architecture-diagram-0322.pptx
+++ b/docs/deployment_guide/images/cisco-firewall-architecture-diagram-0322.pptx
@@ -7,6 +7,7 @@
   <p:sldIdLst>
     <p:sldId id="264" r:id="rId2"/>
     <p:sldId id="274" r:id="rId3"/>
+    <p:sldId id="275" r:id="rId4"/>
   </p:sldIdLst>
   <p:sldSz cx="18288000" cy="10972800"/>
   <p:notesSz cx="6858000" cy="9144000"/>
@@ -9723,7 +9724,7 @@
                 <a:latin typeface="Arial" panose="020B0604020202020204" pitchFamily="34" charset="0"/>
                 <a:cs typeface="Arial" panose="020B0604020202020204" pitchFamily="34" charset="0"/>
               </a:rPr>
-              <a:t>Inside subnet</a:t>
+              <a:t>Private subnet</a:t>
             </a:r>
           </a:p>
         </p:txBody>
@@ -11776,7 +11777,7 @@
                 <a:latin typeface="Arial" panose="020B0604020202020204" pitchFamily="34" charset="0"/>
                 <a:cs typeface="Arial" panose="020B0604020202020204" pitchFamily="34" charset="0"/>
               </a:rPr>
-              <a:t>Inside subnet</a:t>
+              <a:t>Private subnet</a:t>
             </a:r>
           </a:p>
         </p:txBody>
@@ -15251,6 +15252,6274 @@
     <p:extLst>
       <p:ext uri="{BB962C8B-B14F-4D97-AF65-F5344CB8AC3E}">
         <p14:creationId xmlns:p14="http://schemas.microsoft.com/office/powerpoint/2010/main" val="740649594"/>
+      </p:ext>
+    </p:extLst>
+  </p:cSld>
+  <p:clrMapOvr>
+    <a:masterClrMapping/>
+  </p:clrMapOvr>
+</p:sld>
+</file>
+
+<file path=ppt/slides/slide3.xml><?xml version="1.0" encoding="utf-8"?>
+<p:sld xmlns:a="http://schemas.openxmlformats.org/drawingml/2006/main" xmlns:r="http://schemas.openxmlformats.org/officeDocument/2006/relationships" xmlns:p="http://schemas.openxmlformats.org/presentationml/2006/main">
+  <p:cSld>
+    <p:spTree>
+      <p:nvGrpSpPr>
+        <p:cNvPr id="1" name=""/>
+        <p:cNvGrpSpPr/>
+        <p:nvPr/>
+      </p:nvGrpSpPr>
+      <p:grpSpPr>
+        <a:xfrm>
+          <a:off x="0" y="0"/>
+          <a:ext cx="0" cy="0"/>
+          <a:chOff x="0" y="0"/>
+          <a:chExt cx="0" cy="0"/>
+        </a:xfrm>
+      </p:grpSpPr>
+      <p:sp>
+        <p:nvSpPr>
+          <p:cNvPr id="30" name="Rectangle 29">
+            <a:extLst>
+              <a:ext uri="{FF2B5EF4-FFF2-40B4-BE49-F238E27FC236}">
+                <a16:creationId xmlns:a16="http://schemas.microsoft.com/office/drawing/2014/main" id="{82B837A0-A7A6-46CD-87E4-3995F5A8909E}"/>
+              </a:ext>
+            </a:extLst>
+          </p:cNvPr>
+          <p:cNvSpPr/>
+          <p:nvPr/>
+        </p:nvSpPr>
+        <p:spPr>
+          <a:xfrm>
+            <a:off x="5284501" y="4056956"/>
+            <a:ext cx="6837648" cy="4425662"/>
+          </a:xfrm>
+          <a:prstGeom prst="rect">
+            <a:avLst/>
+          </a:prstGeom>
+          <a:noFill/>
+          <a:ln w="12700">
+            <a:solidFill>
+              <a:srgbClr val="D86613"/>
+            </a:solidFill>
+            <a:prstDash val="dash"/>
+          </a:ln>
+        </p:spPr>
+        <p:style>
+          <a:lnRef idx="2">
+            <a:schemeClr val="accent1">
+              <a:shade val="50000"/>
+            </a:schemeClr>
+          </a:lnRef>
+          <a:fillRef idx="1">
+            <a:schemeClr val="accent1"/>
+          </a:fillRef>
+          <a:effectRef idx="0">
+            <a:schemeClr val="accent1"/>
+          </a:effectRef>
+          <a:fontRef idx="minor">
+            <a:schemeClr val="lt1"/>
+          </a:fontRef>
+        </p:style>
+        <p:txBody>
+          <a:bodyPr tIns="91440"/>
+          <a:lstStyle/>
+          <a:p>
+            <a:pPr algn="ctr" eaLnBrk="1" fontAlgn="auto" hangingPunct="1">
+              <a:spcBef>
+                <a:spcPts val="0"/>
+              </a:spcBef>
+              <a:spcAft>
+                <a:spcPts val="0"/>
+              </a:spcAft>
+              <a:defRPr/>
+            </a:pPr>
+            <a:endParaRPr lang="en-US" sz="1200" dirty="0">
+              <a:solidFill>
+                <a:srgbClr val="D86613"/>
+              </a:solidFill>
+              <a:latin typeface="Arial" panose="020B0604020202020204" pitchFamily="34" charset="0"/>
+              <a:cs typeface="Arial" panose="020B0604020202020204" pitchFamily="34" charset="0"/>
+            </a:endParaRPr>
+          </a:p>
+          <a:p>
+            <a:pPr algn="ctr" eaLnBrk="1" fontAlgn="auto" hangingPunct="1">
+              <a:spcBef>
+                <a:spcPts val="0"/>
+              </a:spcBef>
+              <a:spcAft>
+                <a:spcPts val="0"/>
+              </a:spcAft>
+              <a:defRPr/>
+            </a:pPr>
+            <a:endParaRPr lang="en-US" sz="1200" dirty="0">
+              <a:solidFill>
+                <a:srgbClr val="D86613"/>
+              </a:solidFill>
+              <a:latin typeface="Arial" panose="020B0604020202020204" pitchFamily="34" charset="0"/>
+              <a:cs typeface="Arial" panose="020B0604020202020204" pitchFamily="34" charset="0"/>
+            </a:endParaRPr>
+          </a:p>
+          <a:p>
+            <a:pPr algn="ctr" eaLnBrk="1" fontAlgn="auto" hangingPunct="1">
+              <a:spcBef>
+                <a:spcPts val="0"/>
+              </a:spcBef>
+              <a:spcAft>
+                <a:spcPts val="0"/>
+              </a:spcAft>
+              <a:defRPr/>
+            </a:pPr>
+            <a:r>
+              <a:rPr lang="en-US" sz="1200" dirty="0">
+                <a:solidFill>
+                  <a:srgbClr val="D86613"/>
+                </a:solidFill>
+                <a:latin typeface="Arial" panose="020B0604020202020204" pitchFamily="34" charset="0"/>
+                <a:cs typeface="Arial" panose="020B0604020202020204" pitchFamily="34" charset="0"/>
+              </a:rPr>
+              <a:t>Auto Scaling group</a:t>
+            </a:r>
+          </a:p>
+        </p:txBody>
+      </p:sp>
+      <p:sp>
+        <p:nvSpPr>
+          <p:cNvPr id="4" name="Rectangle 3">
+            <a:extLst>
+              <a:ext uri="{FF2B5EF4-FFF2-40B4-BE49-F238E27FC236}">
+                <a16:creationId xmlns:a16="http://schemas.microsoft.com/office/drawing/2014/main" id="{07230542-91FA-4894-B144-B21AD9A8E009}"/>
+              </a:ext>
+            </a:extLst>
+          </p:cNvPr>
+          <p:cNvSpPr/>
+          <p:nvPr/>
+        </p:nvSpPr>
+        <p:spPr>
+          <a:xfrm>
+            <a:off x="2487508" y="1190693"/>
+            <a:ext cx="10287778" cy="7759669"/>
+          </a:xfrm>
+          <a:prstGeom prst="rect">
+            <a:avLst/>
+          </a:prstGeom>
+          <a:noFill/>
+          <a:ln w="12700">
+            <a:solidFill>
+              <a:schemeClr val="tx1"/>
+            </a:solidFill>
+          </a:ln>
+        </p:spPr>
+        <p:style>
+          <a:lnRef idx="2">
+            <a:schemeClr val="accent1">
+              <a:shade val="50000"/>
+            </a:schemeClr>
+          </a:lnRef>
+          <a:fillRef idx="1">
+            <a:schemeClr val="accent1"/>
+          </a:fillRef>
+          <a:effectRef idx="0">
+            <a:schemeClr val="accent1"/>
+          </a:effectRef>
+          <a:fontRef idx="minor">
+            <a:schemeClr val="lt1"/>
+          </a:fontRef>
+        </p:style>
+        <p:txBody>
+          <a:bodyPr lIns="502920" tIns="91440"/>
+          <a:lstStyle/>
+          <a:p>
+            <a:pPr eaLnBrk="1" fontAlgn="auto" hangingPunct="1">
+              <a:spcBef>
+                <a:spcPts val="0"/>
+              </a:spcBef>
+              <a:spcAft>
+                <a:spcPts val="0"/>
+              </a:spcAft>
+              <a:defRPr/>
+            </a:pPr>
+            <a:r>
+              <a:rPr lang="en-US" sz="1200" dirty="0">
+                <a:solidFill>
+                  <a:sysClr val="windowText" lastClr="000000"/>
+                </a:solidFill>
+                <a:latin typeface="Arial" panose="020B0604020202020204" pitchFamily="34" charset="0"/>
+                <a:cs typeface="Arial" panose="020B0604020202020204" pitchFamily="34" charset="0"/>
+              </a:rPr>
+              <a:t>AWS Cloud</a:t>
+            </a:r>
+          </a:p>
+        </p:txBody>
+      </p:sp>
+      <p:pic>
+        <p:nvPicPr>
+          <p:cNvPr id="5" name="Graphic 4">
+            <a:extLst>
+              <a:ext uri="{FF2B5EF4-FFF2-40B4-BE49-F238E27FC236}">
+                <a16:creationId xmlns:a16="http://schemas.microsoft.com/office/drawing/2014/main" id="{E055B972-7929-43D4-BC7F-1BB81948F363}"/>
+              </a:ext>
+            </a:extLst>
+          </p:cNvPr>
+          <p:cNvPicPr>
+            <a:picLocks noChangeAspect="1"/>
+          </p:cNvPicPr>
+          <p:nvPr/>
+        </p:nvPicPr>
+        <p:blipFill>
+          <a:blip r:embed="rId2">
+            <a:extLst>
+              <a:ext uri="{96DAC541-7B7A-43D3-8B79-37D633B846F1}">
+                <asvg:svgBlip xmlns:asvg="http://schemas.microsoft.com/office/drawing/2016/SVG/main" r:embed="rId3"/>
+              </a:ext>
+            </a:extLst>
+          </a:blip>
+          <a:srcRect/>
+          <a:stretch/>
+        </p:blipFill>
+        <p:spPr>
+          <a:xfrm>
+            <a:off x="2487168" y="1190694"/>
+            <a:ext cx="381000" cy="381000"/>
+          </a:xfrm>
+          <a:prstGeom prst="rect">
+            <a:avLst/>
+          </a:prstGeom>
+        </p:spPr>
+      </p:pic>
+      <p:sp>
+        <p:nvSpPr>
+          <p:cNvPr id="6" name="Rectangle 5">
+            <a:extLst>
+              <a:ext uri="{FF2B5EF4-FFF2-40B4-BE49-F238E27FC236}">
+                <a16:creationId xmlns:a16="http://schemas.microsoft.com/office/drawing/2014/main" id="{42CE0236-3D9D-4794-B91C-8E88EC47FE98}"/>
+              </a:ext>
+            </a:extLst>
+          </p:cNvPr>
+          <p:cNvSpPr/>
+          <p:nvPr/>
+        </p:nvSpPr>
+        <p:spPr>
+          <a:xfrm>
+            <a:off x="3862284" y="1829767"/>
+            <a:ext cx="8603818" cy="6842916"/>
+          </a:xfrm>
+          <a:prstGeom prst="rect">
+            <a:avLst/>
+          </a:prstGeom>
+          <a:noFill/>
+          <a:ln w="12700">
+            <a:solidFill>
+              <a:srgbClr val="1E8900"/>
+            </a:solidFill>
+          </a:ln>
+        </p:spPr>
+        <p:style>
+          <a:lnRef idx="2">
+            <a:schemeClr val="accent1">
+              <a:shade val="50000"/>
+            </a:schemeClr>
+          </a:lnRef>
+          <a:fillRef idx="1">
+            <a:schemeClr val="accent1"/>
+          </a:fillRef>
+          <a:effectRef idx="0">
+            <a:schemeClr val="accent1"/>
+          </a:effectRef>
+          <a:fontRef idx="minor">
+            <a:schemeClr val="lt1"/>
+          </a:fontRef>
+        </p:style>
+        <p:txBody>
+          <a:bodyPr lIns="502920" tIns="91440"/>
+          <a:lstStyle/>
+          <a:p>
+            <a:pPr eaLnBrk="1" fontAlgn="auto" hangingPunct="1">
+              <a:spcBef>
+                <a:spcPts val="0"/>
+              </a:spcBef>
+              <a:spcAft>
+                <a:spcPts val="0"/>
+              </a:spcAft>
+              <a:defRPr/>
+            </a:pPr>
+            <a:r>
+              <a:rPr lang="en-US" sz="1200" dirty="0">
+                <a:ln w="0"/>
+                <a:solidFill>
+                  <a:srgbClr val="1E8900"/>
+                </a:solidFill>
+                <a:latin typeface="Arial" panose="020B0604020202020204" pitchFamily="34" charset="0"/>
+                <a:cs typeface="Arial" panose="020B0604020202020204" pitchFamily="34" charset="0"/>
+              </a:rPr>
+              <a:t>VPC</a:t>
+            </a:r>
+          </a:p>
+        </p:txBody>
+      </p:sp>
+      <p:sp>
+        <p:nvSpPr>
+          <p:cNvPr id="7" name="Rectangle 6">
+            <a:extLst>
+              <a:ext uri="{FF2B5EF4-FFF2-40B4-BE49-F238E27FC236}">
+                <a16:creationId xmlns:a16="http://schemas.microsoft.com/office/drawing/2014/main" id="{DC1A8589-35B8-4421-B458-72A29F631871}"/>
+              </a:ext>
+            </a:extLst>
+          </p:cNvPr>
+          <p:cNvSpPr/>
+          <p:nvPr/>
+        </p:nvSpPr>
+        <p:spPr>
+          <a:xfrm>
+            <a:off x="5424116" y="1458372"/>
+            <a:ext cx="2605492" cy="7350124"/>
+          </a:xfrm>
+          <a:prstGeom prst="rect">
+            <a:avLst/>
+          </a:prstGeom>
+          <a:noFill/>
+          <a:ln w="12700">
+            <a:solidFill>
+              <a:srgbClr val="5B9CD5"/>
+            </a:solidFill>
+            <a:prstDash val="dash"/>
+          </a:ln>
+        </p:spPr>
+        <p:style>
+          <a:lnRef idx="2">
+            <a:schemeClr val="accent1">
+              <a:shade val="50000"/>
+            </a:schemeClr>
+          </a:lnRef>
+          <a:fillRef idx="1">
+            <a:schemeClr val="accent1"/>
+          </a:fillRef>
+          <a:effectRef idx="0">
+            <a:schemeClr val="accent1"/>
+          </a:effectRef>
+          <a:fontRef idx="minor">
+            <a:schemeClr val="lt1"/>
+          </a:fontRef>
+        </p:style>
+        <p:txBody>
+          <a:bodyPr tIns="91440"/>
+          <a:lstStyle/>
+          <a:p>
+            <a:pPr algn="ctr" eaLnBrk="1" fontAlgn="auto" hangingPunct="1">
+              <a:spcBef>
+                <a:spcPts val="0"/>
+              </a:spcBef>
+              <a:spcAft>
+                <a:spcPts val="0"/>
+              </a:spcAft>
+              <a:defRPr/>
+            </a:pPr>
+            <a:r>
+              <a:rPr lang="en-US" sz="1200" dirty="0">
+                <a:solidFill>
+                  <a:srgbClr val="5B9CD5"/>
+                </a:solidFill>
+                <a:latin typeface="Arial" panose="020B0604020202020204" pitchFamily="34" charset="0"/>
+                <a:cs typeface="Arial" panose="020B0604020202020204" pitchFamily="34" charset="0"/>
+              </a:rPr>
+              <a:t>Availability Zone 1</a:t>
+            </a:r>
+          </a:p>
+        </p:txBody>
+      </p:sp>
+      <p:sp>
+        <p:nvSpPr>
+          <p:cNvPr id="8" name="Rectangle 7">
+            <a:extLst>
+              <a:ext uri="{FF2B5EF4-FFF2-40B4-BE49-F238E27FC236}">
+                <a16:creationId xmlns:a16="http://schemas.microsoft.com/office/drawing/2014/main" id="{3D5C17E5-29A6-42DC-8365-F492648785AB}"/>
+              </a:ext>
+            </a:extLst>
+          </p:cNvPr>
+          <p:cNvSpPr/>
+          <p:nvPr/>
+        </p:nvSpPr>
+        <p:spPr>
+          <a:xfrm>
+            <a:off x="5483932" y="1938034"/>
+            <a:ext cx="2403731" cy="3030045"/>
+          </a:xfrm>
+          <a:prstGeom prst="rect">
+            <a:avLst/>
+          </a:prstGeom>
+          <a:solidFill>
+            <a:srgbClr val="1D8900">
+              <a:alpha val="9804"/>
+            </a:srgbClr>
+          </a:solidFill>
+          <a:ln w="12700">
+            <a:noFill/>
+            <a:prstDash val="dash"/>
+          </a:ln>
+        </p:spPr>
+        <p:style>
+          <a:lnRef idx="2">
+            <a:schemeClr val="accent1">
+              <a:shade val="50000"/>
+            </a:schemeClr>
+          </a:lnRef>
+          <a:fillRef idx="1">
+            <a:schemeClr val="accent1"/>
+          </a:fillRef>
+          <a:effectRef idx="0">
+            <a:schemeClr val="accent1"/>
+          </a:effectRef>
+          <a:fontRef idx="minor">
+            <a:schemeClr val="lt1"/>
+          </a:fontRef>
+        </p:style>
+        <p:txBody>
+          <a:bodyPr lIns="502920"/>
+          <a:lstStyle/>
+          <a:p>
+            <a:pPr eaLnBrk="1" fontAlgn="auto" hangingPunct="1">
+              <a:spcBef>
+                <a:spcPts val="0"/>
+              </a:spcBef>
+              <a:spcAft>
+                <a:spcPts val="0"/>
+              </a:spcAft>
+              <a:defRPr/>
+            </a:pPr>
+            <a:r>
+              <a:rPr lang="en-US" sz="1200" dirty="0">
+                <a:solidFill>
+                  <a:srgbClr val="1E8900"/>
+                </a:solidFill>
+                <a:latin typeface="Arial" panose="020B0604020202020204" pitchFamily="34" charset="0"/>
+                <a:cs typeface="Arial" panose="020B0604020202020204" pitchFamily="34" charset="0"/>
+              </a:rPr>
+              <a:t>Public subnet</a:t>
+            </a:r>
+          </a:p>
+        </p:txBody>
+      </p:sp>
+      <p:pic>
+        <p:nvPicPr>
+          <p:cNvPr id="9" name="Graphic 8">
+            <a:extLst>
+              <a:ext uri="{FF2B5EF4-FFF2-40B4-BE49-F238E27FC236}">
+                <a16:creationId xmlns:a16="http://schemas.microsoft.com/office/drawing/2014/main" id="{30A4E250-CE68-407E-9F0F-EF5F1D1F9333}"/>
+              </a:ext>
+            </a:extLst>
+          </p:cNvPr>
+          <p:cNvPicPr>
+            <a:picLocks noChangeAspect="1"/>
+          </p:cNvPicPr>
+          <p:nvPr/>
+        </p:nvPicPr>
+        <p:blipFill>
+          <a:blip r:embed="rId4">
+            <a:extLst>
+              <a:ext uri="{96DAC541-7B7A-43D3-8B79-37D633B846F1}">
+                <asvg:svgBlip xmlns:asvg="http://schemas.microsoft.com/office/drawing/2016/SVG/main" r:embed="rId5"/>
+              </a:ext>
+            </a:extLst>
+          </a:blip>
+          <a:stretch>
+            <a:fillRect/>
+          </a:stretch>
+        </p:blipFill>
+        <p:spPr>
+          <a:xfrm>
+            <a:off x="3862284" y="1828244"/>
+            <a:ext cx="381000" cy="381000"/>
+          </a:xfrm>
+          <a:prstGeom prst="rect">
+            <a:avLst/>
+          </a:prstGeom>
+        </p:spPr>
+      </p:pic>
+      <p:pic>
+        <p:nvPicPr>
+          <p:cNvPr id="10" name="Graphic 9">
+            <a:extLst>
+              <a:ext uri="{FF2B5EF4-FFF2-40B4-BE49-F238E27FC236}">
+                <a16:creationId xmlns:a16="http://schemas.microsoft.com/office/drawing/2014/main" id="{D5289AFE-7F9E-47D2-8EB3-1162AB454D2B}"/>
+              </a:ext>
+            </a:extLst>
+          </p:cNvPr>
+          <p:cNvPicPr>
+            <a:picLocks noChangeAspect="1"/>
+          </p:cNvPicPr>
+          <p:nvPr/>
+        </p:nvPicPr>
+        <p:blipFill>
+          <a:blip r:embed="rId6">
+            <a:extLst>
+              <a:ext uri="{96DAC541-7B7A-43D3-8B79-37D633B846F1}">
+                <asvg:svgBlip xmlns:asvg="http://schemas.microsoft.com/office/drawing/2016/SVG/main" r:embed="rId7"/>
+              </a:ext>
+            </a:extLst>
+          </a:blip>
+          <a:stretch>
+            <a:fillRect/>
+          </a:stretch>
+        </p:blipFill>
+        <p:spPr>
+          <a:xfrm>
+            <a:off x="5522976" y="1941542"/>
+            <a:ext cx="381000" cy="381000"/>
+          </a:xfrm>
+          <a:prstGeom prst="rect">
+            <a:avLst/>
+          </a:prstGeom>
+        </p:spPr>
+      </p:pic>
+      <p:sp>
+        <p:nvSpPr>
+          <p:cNvPr id="20" name="Rectangle 19">
+            <a:extLst>
+              <a:ext uri="{FF2B5EF4-FFF2-40B4-BE49-F238E27FC236}">
+                <a16:creationId xmlns:a16="http://schemas.microsoft.com/office/drawing/2014/main" id="{F51FC781-985F-4E55-B1D5-7502386A39AB}"/>
+              </a:ext>
+            </a:extLst>
+          </p:cNvPr>
+          <p:cNvSpPr/>
+          <p:nvPr/>
+        </p:nvSpPr>
+        <p:spPr>
+          <a:xfrm>
+            <a:off x="5504949" y="7441357"/>
+            <a:ext cx="2432817" cy="1112367"/>
+          </a:xfrm>
+          <a:prstGeom prst="rect">
+            <a:avLst/>
+          </a:prstGeom>
+          <a:solidFill>
+            <a:srgbClr val="007CBC">
+              <a:alpha val="9804"/>
+            </a:srgbClr>
+          </a:solidFill>
+          <a:ln w="12700">
+            <a:noFill/>
+            <a:prstDash val="dash"/>
+          </a:ln>
+        </p:spPr>
+        <p:style>
+          <a:lnRef idx="2">
+            <a:schemeClr val="accent1">
+              <a:shade val="50000"/>
+            </a:schemeClr>
+          </a:lnRef>
+          <a:fillRef idx="1">
+            <a:schemeClr val="accent1"/>
+          </a:fillRef>
+          <a:effectRef idx="0">
+            <a:schemeClr val="accent1"/>
+          </a:effectRef>
+          <a:fontRef idx="minor">
+            <a:schemeClr val="lt1"/>
+          </a:fontRef>
+        </p:style>
+        <p:txBody>
+          <a:bodyPr lIns="502920"/>
+          <a:lstStyle/>
+          <a:p>
+            <a:pPr eaLnBrk="1" fontAlgn="auto" hangingPunct="1">
+              <a:spcBef>
+                <a:spcPts val="0"/>
+              </a:spcBef>
+              <a:spcAft>
+                <a:spcPts val="0"/>
+              </a:spcAft>
+              <a:defRPr/>
+            </a:pPr>
+            <a:r>
+              <a:rPr lang="en-US" sz="1200" dirty="0">
+                <a:solidFill>
+                  <a:srgbClr val="1E8900"/>
+                </a:solidFill>
+                <a:latin typeface="Arial" panose="020B0604020202020204" pitchFamily="34" charset="0"/>
+                <a:cs typeface="Arial" panose="020B0604020202020204" pitchFamily="34" charset="0"/>
+              </a:rPr>
+              <a:t>Private subnet</a:t>
+            </a:r>
+          </a:p>
+        </p:txBody>
+      </p:sp>
+      <p:grpSp>
+        <p:nvGrpSpPr>
+          <p:cNvPr id="27" name="Group 26">
+            <a:extLst>
+              <a:ext uri="{FF2B5EF4-FFF2-40B4-BE49-F238E27FC236}">
+                <a16:creationId xmlns:a16="http://schemas.microsoft.com/office/drawing/2014/main" id="{E8BBB9C4-8C6B-4D85-83EB-360099EB804E}"/>
+              </a:ext>
+            </a:extLst>
+          </p:cNvPr>
+          <p:cNvGrpSpPr/>
+          <p:nvPr/>
+        </p:nvGrpSpPr>
+        <p:grpSpPr>
+          <a:xfrm>
+            <a:off x="6049931" y="4159608"/>
+            <a:ext cx="1342852" cy="734993"/>
+            <a:chOff x="6176476" y="4464538"/>
+            <a:chExt cx="1342852" cy="734993"/>
+          </a:xfrm>
+        </p:grpSpPr>
+        <p:sp>
+          <p:nvSpPr>
+            <p:cNvPr id="28" name="TextBox 18">
+              <a:extLst>
+                <a:ext uri="{FF2B5EF4-FFF2-40B4-BE49-F238E27FC236}">
+                  <a16:creationId xmlns:a16="http://schemas.microsoft.com/office/drawing/2014/main" id="{6FF69882-D917-4D53-8B1A-B55918475999}"/>
+                </a:ext>
+              </a:extLst>
+            </p:cNvPr>
+            <p:cNvSpPr txBox="1">
+              <a:spLocks noChangeArrowheads="1"/>
+            </p:cNvSpPr>
+            <p:nvPr/>
+          </p:nvSpPr>
+          <p:spPr bwMode="auto">
+            <a:xfrm>
+              <a:off x="6176476" y="4922532"/>
+              <a:ext cx="1342852" cy="276999"/>
+            </a:xfrm>
+            <a:prstGeom prst="rect">
+              <a:avLst/>
+            </a:prstGeom>
+            <a:noFill/>
+            <a:ln>
+              <a:noFill/>
+            </a:ln>
+            <a:extLst>
+              <a:ext uri="{909E8E84-426E-40DD-AFC4-6F175D3DCCD1}">
+                <a14:hiddenFill xmlns:a14="http://schemas.microsoft.com/office/drawing/2010/main">
+                  <a:solidFill>
+                    <a:srgbClr val="FFFFFF"/>
+                  </a:solidFill>
+                </a14:hiddenFill>
+              </a:ext>
+              <a:ext uri="{91240B29-F687-4F45-9708-019B960494DF}">
+                <a14:hiddenLine xmlns:a14="http://schemas.microsoft.com/office/drawing/2010/main" w="9525">
+                  <a:solidFill>
+                    <a:srgbClr val="000000"/>
+                  </a:solidFill>
+                  <a:miter lim="800000"/>
+                  <a:headEnd/>
+                  <a:tailEnd/>
+                </a14:hiddenLine>
+              </a:ext>
+            </a:extLst>
+          </p:spPr>
+          <p:txBody>
+            <a:bodyPr wrap="square">
+              <a:spAutoFit/>
+            </a:bodyPr>
+            <a:lstStyle>
+              <a:lvl1pPr>
+                <a:defRPr>
+                  <a:solidFill>
+                    <a:schemeClr val="tx1"/>
+                  </a:solidFill>
+                  <a:latin typeface="Calibri" panose="020F0502020204030204" pitchFamily="34" charset="0"/>
+                </a:defRPr>
+              </a:lvl1pPr>
+              <a:lvl2pPr marL="742950" indent="-285750">
+                <a:defRPr>
+                  <a:solidFill>
+                    <a:schemeClr val="tx1"/>
+                  </a:solidFill>
+                  <a:latin typeface="Calibri" panose="020F0502020204030204" pitchFamily="34" charset="0"/>
+                </a:defRPr>
+              </a:lvl2pPr>
+              <a:lvl3pPr marL="1143000" indent="-228600">
+                <a:defRPr>
+                  <a:solidFill>
+                    <a:schemeClr val="tx1"/>
+                  </a:solidFill>
+                  <a:latin typeface="Calibri" panose="020F0502020204030204" pitchFamily="34" charset="0"/>
+                </a:defRPr>
+              </a:lvl3pPr>
+              <a:lvl4pPr marL="1600200" indent="-228600">
+                <a:defRPr>
+                  <a:solidFill>
+                    <a:schemeClr val="tx1"/>
+                  </a:solidFill>
+                  <a:latin typeface="Calibri" panose="020F0502020204030204" pitchFamily="34" charset="0"/>
+                </a:defRPr>
+              </a:lvl4pPr>
+              <a:lvl5pPr marL="2057400" indent="-228600">
+                <a:defRPr>
+                  <a:solidFill>
+                    <a:schemeClr val="tx1"/>
+                  </a:solidFill>
+                  <a:latin typeface="Calibri" panose="020F0502020204030204" pitchFamily="34" charset="0"/>
+                </a:defRPr>
+              </a:lvl5pPr>
+              <a:lvl6pPr marL="2514600" indent="-228600" eaLnBrk="0" fontAlgn="base" hangingPunct="0">
+                <a:spcBef>
+                  <a:spcPct val="0"/>
+                </a:spcBef>
+                <a:spcAft>
+                  <a:spcPct val="0"/>
+                </a:spcAft>
+                <a:defRPr>
+                  <a:solidFill>
+                    <a:schemeClr val="tx1"/>
+                  </a:solidFill>
+                  <a:latin typeface="Calibri" panose="020F0502020204030204" pitchFamily="34" charset="0"/>
+                </a:defRPr>
+              </a:lvl6pPr>
+              <a:lvl7pPr marL="2971800" indent="-228600" eaLnBrk="0" fontAlgn="base" hangingPunct="0">
+                <a:spcBef>
+                  <a:spcPct val="0"/>
+                </a:spcBef>
+                <a:spcAft>
+                  <a:spcPct val="0"/>
+                </a:spcAft>
+                <a:defRPr>
+                  <a:solidFill>
+                    <a:schemeClr val="tx1"/>
+                  </a:solidFill>
+                  <a:latin typeface="Calibri" panose="020F0502020204030204" pitchFamily="34" charset="0"/>
+                </a:defRPr>
+              </a:lvl7pPr>
+              <a:lvl8pPr marL="3429000" indent="-228600" eaLnBrk="0" fontAlgn="base" hangingPunct="0">
+                <a:spcBef>
+                  <a:spcPct val="0"/>
+                </a:spcBef>
+                <a:spcAft>
+                  <a:spcPct val="0"/>
+                </a:spcAft>
+                <a:defRPr>
+                  <a:solidFill>
+                    <a:schemeClr val="tx1"/>
+                  </a:solidFill>
+                  <a:latin typeface="Calibri" panose="020F0502020204030204" pitchFamily="34" charset="0"/>
+                </a:defRPr>
+              </a:lvl8pPr>
+              <a:lvl9pPr marL="3886200" indent="-228600" eaLnBrk="0" fontAlgn="base" hangingPunct="0">
+                <a:spcBef>
+                  <a:spcPct val="0"/>
+                </a:spcBef>
+                <a:spcAft>
+                  <a:spcPct val="0"/>
+                </a:spcAft>
+                <a:defRPr>
+                  <a:solidFill>
+                    <a:schemeClr val="tx1"/>
+                  </a:solidFill>
+                  <a:latin typeface="Calibri" panose="020F0502020204030204" pitchFamily="34" charset="0"/>
+                </a:defRPr>
+              </a:lvl9pPr>
+            </a:lstStyle>
+            <a:p>
+              <a:pPr algn="ctr" eaLnBrk="1" hangingPunct="1"/>
+              <a:r>
+                <a:rPr lang="en-US" altLang="en-US" sz="1200" dirty="0">
+                  <a:latin typeface="Arial" panose="020B0604020202020204" pitchFamily="34" charset="0"/>
+                  <a:ea typeface="Amazon Ember" panose="020B0603020204020204" pitchFamily="34" charset="0"/>
+                  <a:cs typeface="Arial" panose="020B0604020202020204" pitchFamily="34" charset="0"/>
+                </a:rPr>
+                <a:t>CNFW ENI</a:t>
+              </a:r>
+            </a:p>
+          </p:txBody>
+        </p:sp>
+        <p:pic>
+          <p:nvPicPr>
+            <p:cNvPr id="29" name="Graphic 37">
+              <a:extLst>
+                <a:ext uri="{FF2B5EF4-FFF2-40B4-BE49-F238E27FC236}">
+                  <a16:creationId xmlns:a16="http://schemas.microsoft.com/office/drawing/2014/main" id="{19CDAE43-A7F7-4406-9286-FCA721E11642}"/>
+                </a:ext>
+              </a:extLst>
+            </p:cNvPr>
+            <p:cNvPicPr>
+              <a:picLocks noChangeAspect="1" noChangeArrowheads="1"/>
+            </p:cNvPicPr>
+            <p:nvPr/>
+          </p:nvPicPr>
+          <p:blipFill>
+            <a:blip r:embed="rId8">
+              <a:extLst>
+                <a:ext uri="{28A0092B-C50C-407E-A947-70E740481C1C}">
+                  <a14:useLocalDpi xmlns:a14="http://schemas.microsoft.com/office/drawing/2010/main" val="0"/>
+                </a:ext>
+              </a:extLst>
+            </a:blip>
+            <a:srcRect/>
+            <a:stretch>
+              <a:fillRect/>
+            </a:stretch>
+          </p:blipFill>
+          <p:spPr bwMode="auto">
+            <a:xfrm>
+              <a:off x="6619302" y="4464538"/>
+              <a:ext cx="457200" cy="457200"/>
+            </a:xfrm>
+            <a:prstGeom prst="rect">
+              <a:avLst/>
+            </a:prstGeom>
+            <a:noFill/>
+            <a:ln>
+              <a:noFill/>
+            </a:ln>
+            <a:extLst>
+              <a:ext uri="{909E8E84-426E-40DD-AFC4-6F175D3DCCD1}">
+                <a14:hiddenFill xmlns:a14="http://schemas.microsoft.com/office/drawing/2010/main">
+                  <a:solidFill>
+                    <a:srgbClr val="FFFFFF"/>
+                  </a:solidFill>
+                </a14:hiddenFill>
+              </a:ext>
+              <a:ext uri="{91240B29-F687-4F45-9708-019B960494DF}">
+                <a14:hiddenLine xmlns:a14="http://schemas.microsoft.com/office/drawing/2010/main" w="9525">
+                  <a:solidFill>
+                    <a:srgbClr val="000000"/>
+                  </a:solidFill>
+                  <a:miter lim="800000"/>
+                  <a:headEnd/>
+                  <a:tailEnd/>
+                </a14:hiddenLine>
+              </a:ext>
+            </a:extLst>
+          </p:spPr>
+        </p:pic>
+      </p:grpSp>
+      <p:pic>
+        <p:nvPicPr>
+          <p:cNvPr id="31" name="Graphic 30">
+            <a:extLst>
+              <a:ext uri="{FF2B5EF4-FFF2-40B4-BE49-F238E27FC236}">
+                <a16:creationId xmlns:a16="http://schemas.microsoft.com/office/drawing/2014/main" id="{00A1ADC3-207F-4E08-B920-C7CAC1ACEB0F}"/>
+              </a:ext>
+            </a:extLst>
+          </p:cNvPr>
+          <p:cNvPicPr>
+            <a:picLocks noChangeAspect="1"/>
+          </p:cNvPicPr>
+          <p:nvPr/>
+        </p:nvPicPr>
+        <p:blipFill>
+          <a:blip r:embed="rId9">
+            <a:extLst>
+              <a:ext uri="{96DAC541-7B7A-43D3-8B79-37D633B846F1}">
+                <asvg:svgBlip xmlns:asvg="http://schemas.microsoft.com/office/drawing/2016/SVG/main" r:embed="rId10"/>
+              </a:ext>
+            </a:extLst>
+          </a:blip>
+          <a:stretch>
+            <a:fillRect/>
+          </a:stretch>
+        </p:blipFill>
+        <p:spPr>
+          <a:xfrm>
+            <a:off x="8520864" y="4053525"/>
+            <a:ext cx="381000" cy="381000"/>
+          </a:xfrm>
+          <a:prstGeom prst="rect">
+            <a:avLst/>
+          </a:prstGeom>
+        </p:spPr>
+      </p:pic>
+      <p:sp>
+        <p:nvSpPr>
+          <p:cNvPr id="45" name="TextBox 18">
+            <a:extLst>
+              <a:ext uri="{FF2B5EF4-FFF2-40B4-BE49-F238E27FC236}">
+                <a16:creationId xmlns:a16="http://schemas.microsoft.com/office/drawing/2014/main" id="{2D24115F-4E7B-4D15-8627-91117AA82CE1}"/>
+              </a:ext>
+            </a:extLst>
+          </p:cNvPr>
+          <p:cNvSpPr txBox="1">
+            <a:spLocks noChangeArrowheads="1"/>
+          </p:cNvSpPr>
+          <p:nvPr/>
+        </p:nvSpPr>
+        <p:spPr bwMode="auto">
+          <a:xfrm>
+            <a:off x="6049931" y="8214074"/>
+            <a:ext cx="1342852" cy="276999"/>
+          </a:xfrm>
+          <a:prstGeom prst="rect">
+            <a:avLst/>
+          </a:prstGeom>
+          <a:noFill/>
+          <a:ln>
+            <a:noFill/>
+          </a:ln>
+          <a:extLst>
+            <a:ext uri="{909E8E84-426E-40DD-AFC4-6F175D3DCCD1}">
+              <a14:hiddenFill xmlns:a14="http://schemas.microsoft.com/office/drawing/2010/main">
+                <a:solidFill>
+                  <a:srgbClr val="FFFFFF"/>
+                </a:solidFill>
+              </a14:hiddenFill>
+            </a:ext>
+            <a:ext uri="{91240B29-F687-4F45-9708-019B960494DF}">
+              <a14:hiddenLine xmlns:a14="http://schemas.microsoft.com/office/drawing/2010/main" w="9525">
+                <a:solidFill>
+                  <a:srgbClr val="000000"/>
+                </a:solidFill>
+                <a:miter lim="800000"/>
+                <a:headEnd/>
+                <a:tailEnd/>
+              </a14:hiddenLine>
+            </a:ext>
+          </a:extLst>
+        </p:spPr>
+        <p:txBody>
+          <a:bodyPr wrap="square">
+            <a:spAutoFit/>
+          </a:bodyPr>
+          <a:lstStyle>
+            <a:lvl1pPr>
+              <a:defRPr>
+                <a:solidFill>
+                  <a:schemeClr val="tx1"/>
+                </a:solidFill>
+                <a:latin typeface="Calibri" panose="020F0502020204030204" pitchFamily="34" charset="0"/>
+              </a:defRPr>
+            </a:lvl1pPr>
+            <a:lvl2pPr marL="742950" indent="-285750">
+              <a:defRPr>
+                <a:solidFill>
+                  <a:schemeClr val="tx1"/>
+                </a:solidFill>
+                <a:latin typeface="Calibri" panose="020F0502020204030204" pitchFamily="34" charset="0"/>
+              </a:defRPr>
+            </a:lvl2pPr>
+            <a:lvl3pPr marL="1143000" indent="-228600">
+              <a:defRPr>
+                <a:solidFill>
+                  <a:schemeClr val="tx1"/>
+                </a:solidFill>
+                <a:latin typeface="Calibri" panose="020F0502020204030204" pitchFamily="34" charset="0"/>
+              </a:defRPr>
+            </a:lvl3pPr>
+            <a:lvl4pPr marL="1600200" indent="-228600">
+              <a:defRPr>
+                <a:solidFill>
+                  <a:schemeClr val="tx1"/>
+                </a:solidFill>
+                <a:latin typeface="Calibri" panose="020F0502020204030204" pitchFamily="34" charset="0"/>
+              </a:defRPr>
+            </a:lvl4pPr>
+            <a:lvl5pPr marL="2057400" indent="-228600">
+              <a:defRPr>
+                <a:solidFill>
+                  <a:schemeClr val="tx1"/>
+                </a:solidFill>
+                <a:latin typeface="Calibri" panose="020F0502020204030204" pitchFamily="34" charset="0"/>
+              </a:defRPr>
+            </a:lvl5pPr>
+            <a:lvl6pPr marL="2514600" indent="-228600" eaLnBrk="0" fontAlgn="base" hangingPunct="0">
+              <a:spcBef>
+                <a:spcPct val="0"/>
+              </a:spcBef>
+              <a:spcAft>
+                <a:spcPct val="0"/>
+              </a:spcAft>
+              <a:defRPr>
+                <a:solidFill>
+                  <a:schemeClr val="tx1"/>
+                </a:solidFill>
+                <a:latin typeface="Calibri" panose="020F0502020204030204" pitchFamily="34" charset="0"/>
+              </a:defRPr>
+            </a:lvl6pPr>
+            <a:lvl7pPr marL="2971800" indent="-228600" eaLnBrk="0" fontAlgn="base" hangingPunct="0">
+              <a:spcBef>
+                <a:spcPct val="0"/>
+              </a:spcBef>
+              <a:spcAft>
+                <a:spcPct val="0"/>
+              </a:spcAft>
+              <a:defRPr>
+                <a:solidFill>
+                  <a:schemeClr val="tx1"/>
+                </a:solidFill>
+                <a:latin typeface="Calibri" panose="020F0502020204030204" pitchFamily="34" charset="0"/>
+              </a:defRPr>
+            </a:lvl7pPr>
+            <a:lvl8pPr marL="3429000" indent="-228600" eaLnBrk="0" fontAlgn="base" hangingPunct="0">
+              <a:spcBef>
+                <a:spcPct val="0"/>
+              </a:spcBef>
+              <a:spcAft>
+                <a:spcPct val="0"/>
+              </a:spcAft>
+              <a:defRPr>
+                <a:solidFill>
+                  <a:schemeClr val="tx1"/>
+                </a:solidFill>
+                <a:latin typeface="Calibri" panose="020F0502020204030204" pitchFamily="34" charset="0"/>
+              </a:defRPr>
+            </a:lvl8pPr>
+            <a:lvl9pPr marL="3886200" indent="-228600" eaLnBrk="0" fontAlgn="base" hangingPunct="0">
+              <a:spcBef>
+                <a:spcPct val="0"/>
+              </a:spcBef>
+              <a:spcAft>
+                <a:spcPct val="0"/>
+              </a:spcAft>
+              <a:defRPr>
+                <a:solidFill>
+                  <a:schemeClr val="tx1"/>
+                </a:solidFill>
+                <a:latin typeface="Calibri" panose="020F0502020204030204" pitchFamily="34" charset="0"/>
+              </a:defRPr>
+            </a:lvl9pPr>
+          </a:lstStyle>
+          <a:p>
+            <a:pPr algn="ctr" eaLnBrk="1" hangingPunct="1"/>
+            <a:r>
+              <a:rPr lang="en-US" altLang="en-US" sz="1200" dirty="0">
+                <a:latin typeface="Arial" panose="020B0604020202020204" pitchFamily="34" charset="0"/>
+                <a:ea typeface="Amazon Ember" panose="020B0603020204020204" pitchFamily="34" charset="0"/>
+                <a:cs typeface="Arial" panose="020B0604020202020204" pitchFamily="34" charset="0"/>
+              </a:rPr>
+              <a:t>CNFW ENI</a:t>
+            </a:r>
+          </a:p>
+        </p:txBody>
+      </p:sp>
+      <p:pic>
+        <p:nvPicPr>
+          <p:cNvPr id="46" name="Graphic 37">
+            <a:extLst>
+              <a:ext uri="{FF2B5EF4-FFF2-40B4-BE49-F238E27FC236}">
+                <a16:creationId xmlns:a16="http://schemas.microsoft.com/office/drawing/2014/main" id="{996039A8-35A8-4A04-9618-0EDE0B5F2370}"/>
+              </a:ext>
+            </a:extLst>
+          </p:cNvPr>
+          <p:cNvPicPr>
+            <a:picLocks noChangeAspect="1" noChangeArrowheads="1"/>
+          </p:cNvPicPr>
+          <p:nvPr/>
+        </p:nvPicPr>
+        <p:blipFill>
+          <a:blip r:embed="rId8">
+            <a:extLst>
+              <a:ext uri="{28A0092B-C50C-407E-A947-70E740481C1C}">
+                <a14:useLocalDpi xmlns:a14="http://schemas.microsoft.com/office/drawing/2010/main" val="0"/>
+              </a:ext>
+            </a:extLst>
+          </a:blip>
+          <a:srcRect/>
+          <a:stretch>
+            <a:fillRect/>
+          </a:stretch>
+        </p:blipFill>
+        <p:spPr bwMode="auto">
+          <a:xfrm>
+            <a:off x="6492757" y="7766094"/>
+            <a:ext cx="457200" cy="457200"/>
+          </a:xfrm>
+          <a:prstGeom prst="rect">
+            <a:avLst/>
+          </a:prstGeom>
+          <a:noFill/>
+          <a:ln>
+            <a:noFill/>
+          </a:ln>
+          <a:extLst>
+            <a:ext uri="{909E8E84-426E-40DD-AFC4-6F175D3DCCD1}">
+              <a14:hiddenFill xmlns:a14="http://schemas.microsoft.com/office/drawing/2010/main">
+                <a:solidFill>
+                  <a:srgbClr val="FFFFFF"/>
+                </a:solidFill>
+              </a14:hiddenFill>
+            </a:ext>
+            <a:ext uri="{91240B29-F687-4F45-9708-019B960494DF}">
+              <a14:hiddenLine xmlns:a14="http://schemas.microsoft.com/office/drawing/2010/main" w="9525">
+                <a:solidFill>
+                  <a:srgbClr val="000000"/>
+                </a:solidFill>
+                <a:miter lim="800000"/>
+                <a:headEnd/>
+                <a:tailEnd/>
+              </a14:hiddenLine>
+            </a:ext>
+          </a:extLst>
+        </p:spPr>
+      </p:pic>
+      <p:sp>
+        <p:nvSpPr>
+          <p:cNvPr id="59" name="Rectangle 58">
+            <a:extLst>
+              <a:ext uri="{FF2B5EF4-FFF2-40B4-BE49-F238E27FC236}">
+                <a16:creationId xmlns:a16="http://schemas.microsoft.com/office/drawing/2014/main" id="{D834D6D7-609F-4243-B61C-61D545DA4097}"/>
+              </a:ext>
+            </a:extLst>
+          </p:cNvPr>
+          <p:cNvSpPr/>
+          <p:nvPr/>
+        </p:nvSpPr>
+        <p:spPr>
+          <a:xfrm>
+            <a:off x="5504949" y="6246121"/>
+            <a:ext cx="2432817" cy="1112367"/>
+          </a:xfrm>
+          <a:prstGeom prst="rect">
+            <a:avLst/>
+          </a:prstGeom>
+          <a:solidFill>
+            <a:srgbClr val="1D8900">
+              <a:alpha val="9804"/>
+            </a:srgbClr>
+          </a:solidFill>
+          <a:ln w="12700">
+            <a:noFill/>
+            <a:prstDash val="dash"/>
+          </a:ln>
+        </p:spPr>
+        <p:style>
+          <a:lnRef idx="2">
+            <a:schemeClr val="accent1">
+              <a:shade val="50000"/>
+            </a:schemeClr>
+          </a:lnRef>
+          <a:fillRef idx="1">
+            <a:schemeClr val="accent1"/>
+          </a:fillRef>
+          <a:effectRef idx="0">
+            <a:schemeClr val="accent1"/>
+          </a:effectRef>
+          <a:fontRef idx="minor">
+            <a:schemeClr val="lt1"/>
+          </a:fontRef>
+        </p:style>
+        <p:txBody>
+          <a:bodyPr lIns="502920"/>
+          <a:lstStyle/>
+          <a:p>
+            <a:pPr eaLnBrk="1" fontAlgn="auto" hangingPunct="1">
+              <a:spcBef>
+                <a:spcPts val="0"/>
+              </a:spcBef>
+              <a:spcAft>
+                <a:spcPts val="0"/>
+              </a:spcAft>
+              <a:defRPr/>
+            </a:pPr>
+            <a:r>
+              <a:rPr lang="en-US" sz="1200" dirty="0">
+                <a:solidFill>
+                  <a:srgbClr val="1E8900"/>
+                </a:solidFill>
+                <a:latin typeface="Arial" panose="020B0604020202020204" pitchFamily="34" charset="0"/>
+                <a:cs typeface="Arial" panose="020B0604020202020204" pitchFamily="34" charset="0"/>
+              </a:rPr>
+              <a:t>Outside subnet</a:t>
+            </a:r>
+          </a:p>
+        </p:txBody>
+      </p:sp>
+      <p:pic>
+        <p:nvPicPr>
+          <p:cNvPr id="60" name="Graphic 59">
+            <a:extLst>
+              <a:ext uri="{FF2B5EF4-FFF2-40B4-BE49-F238E27FC236}">
+                <a16:creationId xmlns:a16="http://schemas.microsoft.com/office/drawing/2014/main" id="{9AF57F87-5436-4AC0-B11C-6CFC1BD83FC3}"/>
+              </a:ext>
+            </a:extLst>
+          </p:cNvPr>
+          <p:cNvPicPr>
+            <a:picLocks noChangeAspect="1"/>
+          </p:cNvPicPr>
+          <p:nvPr/>
+        </p:nvPicPr>
+        <p:blipFill>
+          <a:blip r:embed="rId6">
+            <a:extLst>
+              <a:ext uri="{96DAC541-7B7A-43D3-8B79-37D633B846F1}">
+                <asvg:svgBlip xmlns:asvg="http://schemas.microsoft.com/office/drawing/2016/SVG/main" r:embed="rId7"/>
+              </a:ext>
+            </a:extLst>
+          </a:blip>
+          <a:stretch>
+            <a:fillRect/>
+          </a:stretch>
+        </p:blipFill>
+        <p:spPr>
+          <a:xfrm>
+            <a:off x="5504175" y="6245352"/>
+            <a:ext cx="381000" cy="381000"/>
+          </a:xfrm>
+          <a:prstGeom prst="rect">
+            <a:avLst/>
+          </a:prstGeom>
+        </p:spPr>
+      </p:pic>
+      <p:grpSp>
+        <p:nvGrpSpPr>
+          <p:cNvPr id="36" name="Group 35">
+            <a:extLst>
+              <a:ext uri="{FF2B5EF4-FFF2-40B4-BE49-F238E27FC236}">
+                <a16:creationId xmlns:a16="http://schemas.microsoft.com/office/drawing/2014/main" id="{98D7CBB1-122F-4C97-A50F-4643C128895C}"/>
+              </a:ext>
+            </a:extLst>
+          </p:cNvPr>
+          <p:cNvGrpSpPr/>
+          <p:nvPr/>
+        </p:nvGrpSpPr>
+        <p:grpSpPr>
+          <a:xfrm>
+            <a:off x="6049931" y="6570858"/>
+            <a:ext cx="1342852" cy="724979"/>
+            <a:chOff x="6176476" y="6812288"/>
+            <a:chExt cx="1342852" cy="724979"/>
+          </a:xfrm>
+        </p:grpSpPr>
+        <p:sp>
+          <p:nvSpPr>
+            <p:cNvPr id="62" name="TextBox 18">
+              <a:extLst>
+                <a:ext uri="{FF2B5EF4-FFF2-40B4-BE49-F238E27FC236}">
+                  <a16:creationId xmlns:a16="http://schemas.microsoft.com/office/drawing/2014/main" id="{BE96A350-2746-4FBE-B7DC-29068FB46E53}"/>
+                </a:ext>
+              </a:extLst>
+            </p:cNvPr>
+            <p:cNvSpPr txBox="1">
+              <a:spLocks noChangeArrowheads="1"/>
+            </p:cNvSpPr>
+            <p:nvPr/>
+          </p:nvSpPr>
+          <p:spPr bwMode="auto">
+            <a:xfrm>
+              <a:off x="6176476" y="7260268"/>
+              <a:ext cx="1342852" cy="276999"/>
+            </a:xfrm>
+            <a:prstGeom prst="rect">
+              <a:avLst/>
+            </a:prstGeom>
+            <a:noFill/>
+            <a:ln>
+              <a:noFill/>
+            </a:ln>
+            <a:extLst>
+              <a:ext uri="{909E8E84-426E-40DD-AFC4-6F175D3DCCD1}">
+                <a14:hiddenFill xmlns:a14="http://schemas.microsoft.com/office/drawing/2010/main">
+                  <a:solidFill>
+                    <a:srgbClr val="FFFFFF"/>
+                  </a:solidFill>
+                </a14:hiddenFill>
+              </a:ext>
+              <a:ext uri="{91240B29-F687-4F45-9708-019B960494DF}">
+                <a14:hiddenLine xmlns:a14="http://schemas.microsoft.com/office/drawing/2010/main" w="9525">
+                  <a:solidFill>
+                    <a:srgbClr val="000000"/>
+                  </a:solidFill>
+                  <a:miter lim="800000"/>
+                  <a:headEnd/>
+                  <a:tailEnd/>
+                </a14:hiddenLine>
+              </a:ext>
+            </a:extLst>
+          </p:spPr>
+          <p:txBody>
+            <a:bodyPr wrap="square">
+              <a:spAutoFit/>
+            </a:bodyPr>
+            <a:lstStyle>
+              <a:lvl1pPr>
+                <a:defRPr>
+                  <a:solidFill>
+                    <a:schemeClr val="tx1"/>
+                  </a:solidFill>
+                  <a:latin typeface="Calibri" panose="020F0502020204030204" pitchFamily="34" charset="0"/>
+                </a:defRPr>
+              </a:lvl1pPr>
+              <a:lvl2pPr marL="742950" indent="-285750">
+                <a:defRPr>
+                  <a:solidFill>
+                    <a:schemeClr val="tx1"/>
+                  </a:solidFill>
+                  <a:latin typeface="Calibri" panose="020F0502020204030204" pitchFamily="34" charset="0"/>
+                </a:defRPr>
+              </a:lvl2pPr>
+              <a:lvl3pPr marL="1143000" indent="-228600">
+                <a:defRPr>
+                  <a:solidFill>
+                    <a:schemeClr val="tx1"/>
+                  </a:solidFill>
+                  <a:latin typeface="Calibri" panose="020F0502020204030204" pitchFamily="34" charset="0"/>
+                </a:defRPr>
+              </a:lvl3pPr>
+              <a:lvl4pPr marL="1600200" indent="-228600">
+                <a:defRPr>
+                  <a:solidFill>
+                    <a:schemeClr val="tx1"/>
+                  </a:solidFill>
+                  <a:latin typeface="Calibri" panose="020F0502020204030204" pitchFamily="34" charset="0"/>
+                </a:defRPr>
+              </a:lvl4pPr>
+              <a:lvl5pPr marL="2057400" indent="-228600">
+                <a:defRPr>
+                  <a:solidFill>
+                    <a:schemeClr val="tx1"/>
+                  </a:solidFill>
+                  <a:latin typeface="Calibri" panose="020F0502020204030204" pitchFamily="34" charset="0"/>
+                </a:defRPr>
+              </a:lvl5pPr>
+              <a:lvl6pPr marL="2514600" indent="-228600" eaLnBrk="0" fontAlgn="base" hangingPunct="0">
+                <a:spcBef>
+                  <a:spcPct val="0"/>
+                </a:spcBef>
+                <a:spcAft>
+                  <a:spcPct val="0"/>
+                </a:spcAft>
+                <a:defRPr>
+                  <a:solidFill>
+                    <a:schemeClr val="tx1"/>
+                  </a:solidFill>
+                  <a:latin typeface="Calibri" panose="020F0502020204030204" pitchFamily="34" charset="0"/>
+                </a:defRPr>
+              </a:lvl6pPr>
+              <a:lvl7pPr marL="2971800" indent="-228600" eaLnBrk="0" fontAlgn="base" hangingPunct="0">
+                <a:spcBef>
+                  <a:spcPct val="0"/>
+                </a:spcBef>
+                <a:spcAft>
+                  <a:spcPct val="0"/>
+                </a:spcAft>
+                <a:defRPr>
+                  <a:solidFill>
+                    <a:schemeClr val="tx1"/>
+                  </a:solidFill>
+                  <a:latin typeface="Calibri" panose="020F0502020204030204" pitchFamily="34" charset="0"/>
+                </a:defRPr>
+              </a:lvl7pPr>
+              <a:lvl8pPr marL="3429000" indent="-228600" eaLnBrk="0" fontAlgn="base" hangingPunct="0">
+                <a:spcBef>
+                  <a:spcPct val="0"/>
+                </a:spcBef>
+                <a:spcAft>
+                  <a:spcPct val="0"/>
+                </a:spcAft>
+                <a:defRPr>
+                  <a:solidFill>
+                    <a:schemeClr val="tx1"/>
+                  </a:solidFill>
+                  <a:latin typeface="Calibri" panose="020F0502020204030204" pitchFamily="34" charset="0"/>
+                </a:defRPr>
+              </a:lvl8pPr>
+              <a:lvl9pPr marL="3886200" indent="-228600" eaLnBrk="0" fontAlgn="base" hangingPunct="0">
+                <a:spcBef>
+                  <a:spcPct val="0"/>
+                </a:spcBef>
+                <a:spcAft>
+                  <a:spcPct val="0"/>
+                </a:spcAft>
+                <a:defRPr>
+                  <a:solidFill>
+                    <a:schemeClr val="tx1"/>
+                  </a:solidFill>
+                  <a:latin typeface="Calibri" panose="020F0502020204030204" pitchFamily="34" charset="0"/>
+                </a:defRPr>
+              </a:lvl9pPr>
+            </a:lstStyle>
+            <a:p>
+              <a:pPr algn="ctr" eaLnBrk="1" hangingPunct="1"/>
+              <a:r>
+                <a:rPr lang="en-US" altLang="en-US" sz="1200" dirty="0">
+                  <a:latin typeface="Arial" panose="020B0604020202020204" pitchFamily="34" charset="0"/>
+                  <a:ea typeface="Amazon Ember" panose="020B0603020204020204" pitchFamily="34" charset="0"/>
+                  <a:cs typeface="Arial" panose="020B0604020202020204" pitchFamily="34" charset="0"/>
+                </a:rPr>
+                <a:t>CFNW ENI</a:t>
+              </a:r>
+            </a:p>
+          </p:txBody>
+        </p:sp>
+        <p:pic>
+          <p:nvPicPr>
+            <p:cNvPr id="63" name="Graphic 37">
+              <a:extLst>
+                <a:ext uri="{FF2B5EF4-FFF2-40B4-BE49-F238E27FC236}">
+                  <a16:creationId xmlns:a16="http://schemas.microsoft.com/office/drawing/2014/main" id="{4775F5EE-25F1-42E4-9E4D-372533EB51FA}"/>
+                </a:ext>
+              </a:extLst>
+            </p:cNvPr>
+            <p:cNvPicPr>
+              <a:picLocks noChangeAspect="1" noChangeArrowheads="1"/>
+            </p:cNvPicPr>
+            <p:nvPr/>
+          </p:nvPicPr>
+          <p:blipFill>
+            <a:blip r:embed="rId8">
+              <a:extLst>
+                <a:ext uri="{28A0092B-C50C-407E-A947-70E740481C1C}">
+                  <a14:useLocalDpi xmlns:a14="http://schemas.microsoft.com/office/drawing/2010/main" val="0"/>
+                </a:ext>
+              </a:extLst>
+            </a:blip>
+            <a:srcRect/>
+            <a:stretch>
+              <a:fillRect/>
+            </a:stretch>
+          </p:blipFill>
+          <p:spPr bwMode="auto">
+            <a:xfrm>
+              <a:off x="6619302" y="6812288"/>
+              <a:ext cx="457200" cy="457200"/>
+            </a:xfrm>
+            <a:prstGeom prst="rect">
+              <a:avLst/>
+            </a:prstGeom>
+            <a:noFill/>
+            <a:ln>
+              <a:noFill/>
+            </a:ln>
+            <a:extLst>
+              <a:ext uri="{909E8E84-426E-40DD-AFC4-6F175D3DCCD1}">
+                <a14:hiddenFill xmlns:a14="http://schemas.microsoft.com/office/drawing/2010/main">
+                  <a:solidFill>
+                    <a:srgbClr val="FFFFFF"/>
+                  </a:solidFill>
+                </a14:hiddenFill>
+              </a:ext>
+              <a:ext uri="{91240B29-F687-4F45-9708-019B960494DF}">
+                <a14:hiddenLine xmlns:a14="http://schemas.microsoft.com/office/drawing/2010/main" w="9525">
+                  <a:solidFill>
+                    <a:srgbClr val="000000"/>
+                  </a:solidFill>
+                  <a:miter lim="800000"/>
+                  <a:headEnd/>
+                  <a:tailEnd/>
+                </a14:hiddenLine>
+              </a:ext>
+            </a:extLst>
+          </p:spPr>
+        </p:pic>
+      </p:grpSp>
+      <p:sp>
+        <p:nvSpPr>
+          <p:cNvPr id="67" name="Rectangle 66">
+            <a:extLst>
+              <a:ext uri="{FF2B5EF4-FFF2-40B4-BE49-F238E27FC236}">
+                <a16:creationId xmlns:a16="http://schemas.microsoft.com/office/drawing/2014/main" id="{2F48258C-7BD7-4B81-8055-B1D89140B554}"/>
+              </a:ext>
+            </a:extLst>
+          </p:cNvPr>
+          <p:cNvSpPr/>
+          <p:nvPr/>
+        </p:nvSpPr>
+        <p:spPr>
+          <a:xfrm>
+            <a:off x="5504949" y="5050948"/>
+            <a:ext cx="2432817" cy="1112367"/>
+          </a:xfrm>
+          <a:prstGeom prst="rect">
+            <a:avLst/>
+          </a:prstGeom>
+          <a:solidFill>
+            <a:srgbClr val="1D8900">
+              <a:alpha val="9804"/>
+            </a:srgbClr>
+          </a:solidFill>
+          <a:ln w="12700">
+            <a:noFill/>
+            <a:prstDash val="dash"/>
+          </a:ln>
+        </p:spPr>
+        <p:style>
+          <a:lnRef idx="2">
+            <a:schemeClr val="accent1">
+              <a:shade val="50000"/>
+            </a:schemeClr>
+          </a:lnRef>
+          <a:fillRef idx="1">
+            <a:schemeClr val="accent1"/>
+          </a:fillRef>
+          <a:effectRef idx="0">
+            <a:schemeClr val="accent1"/>
+          </a:effectRef>
+          <a:fontRef idx="minor">
+            <a:schemeClr val="lt1"/>
+          </a:fontRef>
+        </p:style>
+        <p:txBody>
+          <a:bodyPr lIns="502920"/>
+          <a:lstStyle/>
+          <a:p>
+            <a:pPr eaLnBrk="1" fontAlgn="auto" hangingPunct="1">
+              <a:spcBef>
+                <a:spcPts val="0"/>
+              </a:spcBef>
+              <a:spcAft>
+                <a:spcPts val="0"/>
+              </a:spcAft>
+              <a:defRPr/>
+            </a:pPr>
+            <a:r>
+              <a:rPr lang="en-US" sz="1200" dirty="0">
+                <a:solidFill>
+                  <a:srgbClr val="1E8900"/>
+                </a:solidFill>
+                <a:latin typeface="Arial" panose="020B0604020202020204" pitchFamily="34" charset="0"/>
+                <a:cs typeface="Arial" panose="020B0604020202020204" pitchFamily="34" charset="0"/>
+              </a:rPr>
+              <a:t>Management subnet</a:t>
+            </a:r>
+          </a:p>
+        </p:txBody>
+      </p:sp>
+      <p:pic>
+        <p:nvPicPr>
+          <p:cNvPr id="68" name="Graphic 67">
+            <a:extLst>
+              <a:ext uri="{FF2B5EF4-FFF2-40B4-BE49-F238E27FC236}">
+                <a16:creationId xmlns:a16="http://schemas.microsoft.com/office/drawing/2014/main" id="{774FEA63-CA0A-4D3C-A6FA-C31CD9413525}"/>
+              </a:ext>
+            </a:extLst>
+          </p:cNvPr>
+          <p:cNvPicPr>
+            <a:picLocks noChangeAspect="1"/>
+          </p:cNvPicPr>
+          <p:nvPr/>
+        </p:nvPicPr>
+        <p:blipFill>
+          <a:blip r:embed="rId6">
+            <a:extLst>
+              <a:ext uri="{96DAC541-7B7A-43D3-8B79-37D633B846F1}">
+                <asvg:svgBlip xmlns:asvg="http://schemas.microsoft.com/office/drawing/2016/SVG/main" r:embed="rId7"/>
+              </a:ext>
+            </a:extLst>
+          </a:blip>
+          <a:stretch>
+            <a:fillRect/>
+          </a:stretch>
+        </p:blipFill>
+        <p:spPr>
+          <a:xfrm>
+            <a:off x="5504175" y="5047488"/>
+            <a:ext cx="381000" cy="381000"/>
+          </a:xfrm>
+          <a:prstGeom prst="rect">
+            <a:avLst/>
+          </a:prstGeom>
+        </p:spPr>
+      </p:pic>
+      <p:grpSp>
+        <p:nvGrpSpPr>
+          <p:cNvPr id="35" name="Group 34">
+            <a:extLst>
+              <a:ext uri="{FF2B5EF4-FFF2-40B4-BE49-F238E27FC236}">
+                <a16:creationId xmlns:a16="http://schemas.microsoft.com/office/drawing/2014/main" id="{A2C8AC39-03F4-4C34-8556-C655FC4CA507}"/>
+              </a:ext>
+            </a:extLst>
+          </p:cNvPr>
+          <p:cNvGrpSpPr/>
+          <p:nvPr/>
+        </p:nvGrpSpPr>
+        <p:grpSpPr>
+          <a:xfrm>
+            <a:off x="6049931" y="5375685"/>
+            <a:ext cx="1342852" cy="724979"/>
+            <a:chOff x="6176476" y="5617115"/>
+            <a:chExt cx="1342852" cy="724979"/>
+          </a:xfrm>
+        </p:grpSpPr>
+        <p:sp>
+          <p:nvSpPr>
+            <p:cNvPr id="70" name="TextBox 18">
+              <a:extLst>
+                <a:ext uri="{FF2B5EF4-FFF2-40B4-BE49-F238E27FC236}">
+                  <a16:creationId xmlns:a16="http://schemas.microsoft.com/office/drawing/2014/main" id="{719DFD3D-296D-43FF-91F9-BB271046DC29}"/>
+                </a:ext>
+              </a:extLst>
+            </p:cNvPr>
+            <p:cNvSpPr txBox="1">
+              <a:spLocks noChangeArrowheads="1"/>
+            </p:cNvSpPr>
+            <p:nvPr/>
+          </p:nvSpPr>
+          <p:spPr bwMode="auto">
+            <a:xfrm>
+              <a:off x="6176476" y="6065095"/>
+              <a:ext cx="1342852" cy="276999"/>
+            </a:xfrm>
+            <a:prstGeom prst="rect">
+              <a:avLst/>
+            </a:prstGeom>
+            <a:noFill/>
+            <a:ln>
+              <a:noFill/>
+            </a:ln>
+            <a:extLst>
+              <a:ext uri="{909E8E84-426E-40DD-AFC4-6F175D3DCCD1}">
+                <a14:hiddenFill xmlns:a14="http://schemas.microsoft.com/office/drawing/2010/main">
+                  <a:solidFill>
+                    <a:srgbClr val="FFFFFF"/>
+                  </a:solidFill>
+                </a14:hiddenFill>
+              </a:ext>
+              <a:ext uri="{91240B29-F687-4F45-9708-019B960494DF}">
+                <a14:hiddenLine xmlns:a14="http://schemas.microsoft.com/office/drawing/2010/main" w="9525">
+                  <a:solidFill>
+                    <a:srgbClr val="000000"/>
+                  </a:solidFill>
+                  <a:miter lim="800000"/>
+                  <a:headEnd/>
+                  <a:tailEnd/>
+                </a14:hiddenLine>
+              </a:ext>
+            </a:extLst>
+          </p:spPr>
+          <p:txBody>
+            <a:bodyPr wrap="square">
+              <a:spAutoFit/>
+            </a:bodyPr>
+            <a:lstStyle>
+              <a:lvl1pPr>
+                <a:defRPr>
+                  <a:solidFill>
+                    <a:schemeClr val="tx1"/>
+                  </a:solidFill>
+                  <a:latin typeface="Calibri" panose="020F0502020204030204" pitchFamily="34" charset="0"/>
+                </a:defRPr>
+              </a:lvl1pPr>
+              <a:lvl2pPr marL="742950" indent="-285750">
+                <a:defRPr>
+                  <a:solidFill>
+                    <a:schemeClr val="tx1"/>
+                  </a:solidFill>
+                  <a:latin typeface="Calibri" panose="020F0502020204030204" pitchFamily="34" charset="0"/>
+                </a:defRPr>
+              </a:lvl2pPr>
+              <a:lvl3pPr marL="1143000" indent="-228600">
+                <a:defRPr>
+                  <a:solidFill>
+                    <a:schemeClr val="tx1"/>
+                  </a:solidFill>
+                  <a:latin typeface="Calibri" panose="020F0502020204030204" pitchFamily="34" charset="0"/>
+                </a:defRPr>
+              </a:lvl3pPr>
+              <a:lvl4pPr marL="1600200" indent="-228600">
+                <a:defRPr>
+                  <a:solidFill>
+                    <a:schemeClr val="tx1"/>
+                  </a:solidFill>
+                  <a:latin typeface="Calibri" panose="020F0502020204030204" pitchFamily="34" charset="0"/>
+                </a:defRPr>
+              </a:lvl4pPr>
+              <a:lvl5pPr marL="2057400" indent="-228600">
+                <a:defRPr>
+                  <a:solidFill>
+                    <a:schemeClr val="tx1"/>
+                  </a:solidFill>
+                  <a:latin typeface="Calibri" panose="020F0502020204030204" pitchFamily="34" charset="0"/>
+                </a:defRPr>
+              </a:lvl5pPr>
+              <a:lvl6pPr marL="2514600" indent="-228600" eaLnBrk="0" fontAlgn="base" hangingPunct="0">
+                <a:spcBef>
+                  <a:spcPct val="0"/>
+                </a:spcBef>
+                <a:spcAft>
+                  <a:spcPct val="0"/>
+                </a:spcAft>
+                <a:defRPr>
+                  <a:solidFill>
+                    <a:schemeClr val="tx1"/>
+                  </a:solidFill>
+                  <a:latin typeface="Calibri" panose="020F0502020204030204" pitchFamily="34" charset="0"/>
+                </a:defRPr>
+              </a:lvl6pPr>
+              <a:lvl7pPr marL="2971800" indent="-228600" eaLnBrk="0" fontAlgn="base" hangingPunct="0">
+                <a:spcBef>
+                  <a:spcPct val="0"/>
+                </a:spcBef>
+                <a:spcAft>
+                  <a:spcPct val="0"/>
+                </a:spcAft>
+                <a:defRPr>
+                  <a:solidFill>
+                    <a:schemeClr val="tx1"/>
+                  </a:solidFill>
+                  <a:latin typeface="Calibri" panose="020F0502020204030204" pitchFamily="34" charset="0"/>
+                </a:defRPr>
+              </a:lvl7pPr>
+              <a:lvl8pPr marL="3429000" indent="-228600" eaLnBrk="0" fontAlgn="base" hangingPunct="0">
+                <a:spcBef>
+                  <a:spcPct val="0"/>
+                </a:spcBef>
+                <a:spcAft>
+                  <a:spcPct val="0"/>
+                </a:spcAft>
+                <a:defRPr>
+                  <a:solidFill>
+                    <a:schemeClr val="tx1"/>
+                  </a:solidFill>
+                  <a:latin typeface="Calibri" panose="020F0502020204030204" pitchFamily="34" charset="0"/>
+                </a:defRPr>
+              </a:lvl8pPr>
+              <a:lvl9pPr marL="3886200" indent="-228600" eaLnBrk="0" fontAlgn="base" hangingPunct="0">
+                <a:spcBef>
+                  <a:spcPct val="0"/>
+                </a:spcBef>
+                <a:spcAft>
+                  <a:spcPct val="0"/>
+                </a:spcAft>
+                <a:defRPr>
+                  <a:solidFill>
+                    <a:schemeClr val="tx1"/>
+                  </a:solidFill>
+                  <a:latin typeface="Calibri" panose="020F0502020204030204" pitchFamily="34" charset="0"/>
+                </a:defRPr>
+              </a:lvl9pPr>
+            </a:lstStyle>
+            <a:p>
+              <a:pPr algn="ctr" eaLnBrk="1" hangingPunct="1"/>
+              <a:r>
+                <a:rPr lang="en-US" altLang="en-US" sz="1200" dirty="0">
+                  <a:latin typeface="Arial" panose="020B0604020202020204" pitchFamily="34" charset="0"/>
+                  <a:ea typeface="Amazon Ember" panose="020B0603020204020204" pitchFamily="34" charset="0"/>
+                  <a:cs typeface="Arial" panose="020B0604020202020204" pitchFamily="34" charset="0"/>
+                </a:rPr>
+                <a:t>CFNW ENI</a:t>
+              </a:r>
+            </a:p>
+          </p:txBody>
+        </p:sp>
+        <p:pic>
+          <p:nvPicPr>
+            <p:cNvPr id="71" name="Graphic 37">
+              <a:extLst>
+                <a:ext uri="{FF2B5EF4-FFF2-40B4-BE49-F238E27FC236}">
+                  <a16:creationId xmlns:a16="http://schemas.microsoft.com/office/drawing/2014/main" id="{A699B764-78F3-44E4-9CEA-4370CFAFE5E9}"/>
+                </a:ext>
+              </a:extLst>
+            </p:cNvPr>
+            <p:cNvPicPr>
+              <a:picLocks noChangeAspect="1" noChangeArrowheads="1"/>
+            </p:cNvPicPr>
+            <p:nvPr/>
+          </p:nvPicPr>
+          <p:blipFill>
+            <a:blip r:embed="rId8">
+              <a:extLst>
+                <a:ext uri="{28A0092B-C50C-407E-A947-70E740481C1C}">
+                  <a14:useLocalDpi xmlns:a14="http://schemas.microsoft.com/office/drawing/2010/main" val="0"/>
+                </a:ext>
+              </a:extLst>
+            </a:blip>
+            <a:srcRect/>
+            <a:stretch>
+              <a:fillRect/>
+            </a:stretch>
+          </p:blipFill>
+          <p:spPr bwMode="auto">
+            <a:xfrm>
+              <a:off x="6619302" y="5617115"/>
+              <a:ext cx="457200" cy="457200"/>
+            </a:xfrm>
+            <a:prstGeom prst="rect">
+              <a:avLst/>
+            </a:prstGeom>
+            <a:noFill/>
+            <a:ln>
+              <a:noFill/>
+            </a:ln>
+            <a:extLst>
+              <a:ext uri="{909E8E84-426E-40DD-AFC4-6F175D3DCCD1}">
+                <a14:hiddenFill xmlns:a14="http://schemas.microsoft.com/office/drawing/2010/main">
+                  <a:solidFill>
+                    <a:srgbClr val="FFFFFF"/>
+                  </a:solidFill>
+                </a14:hiddenFill>
+              </a:ext>
+              <a:ext uri="{91240B29-F687-4F45-9708-019B960494DF}">
+                <a14:hiddenLine xmlns:a14="http://schemas.microsoft.com/office/drawing/2010/main" w="9525">
+                  <a:solidFill>
+                    <a:srgbClr val="000000"/>
+                  </a:solidFill>
+                  <a:miter lim="800000"/>
+                  <a:headEnd/>
+                  <a:tailEnd/>
+                </a14:hiddenLine>
+              </a:ext>
+            </a:extLst>
+          </p:spPr>
+        </p:pic>
+      </p:grpSp>
+      <p:sp>
+        <p:nvSpPr>
+          <p:cNvPr id="97" name="Rectangle 96">
+            <a:extLst>
+              <a:ext uri="{FF2B5EF4-FFF2-40B4-BE49-F238E27FC236}">
+                <a16:creationId xmlns:a16="http://schemas.microsoft.com/office/drawing/2014/main" id="{1A7C45A6-970C-44F9-9CC3-0DB0BB70038D}"/>
+              </a:ext>
+            </a:extLst>
+          </p:cNvPr>
+          <p:cNvSpPr/>
+          <p:nvPr/>
+        </p:nvSpPr>
+        <p:spPr>
+          <a:xfrm>
+            <a:off x="5284501" y="3124195"/>
+            <a:ext cx="6837649" cy="824609"/>
+          </a:xfrm>
+          <a:prstGeom prst="rect">
+            <a:avLst/>
+          </a:prstGeom>
+          <a:noFill/>
+          <a:ln w="12700">
+            <a:solidFill>
+              <a:srgbClr val="D86613"/>
+            </a:solidFill>
+            <a:prstDash val="dash"/>
+          </a:ln>
+        </p:spPr>
+        <p:style>
+          <a:lnRef idx="2">
+            <a:schemeClr val="accent1">
+              <a:shade val="50000"/>
+            </a:schemeClr>
+          </a:lnRef>
+          <a:fillRef idx="1">
+            <a:schemeClr val="accent1"/>
+          </a:fillRef>
+          <a:effectRef idx="0">
+            <a:schemeClr val="accent1"/>
+          </a:effectRef>
+          <a:fontRef idx="minor">
+            <a:schemeClr val="lt1"/>
+          </a:fontRef>
+        </p:style>
+        <p:txBody>
+          <a:bodyPr tIns="91440"/>
+          <a:lstStyle/>
+          <a:p>
+            <a:pPr algn="ctr" eaLnBrk="1" fontAlgn="auto" hangingPunct="1">
+              <a:spcBef>
+                <a:spcPts val="0"/>
+              </a:spcBef>
+              <a:spcAft>
+                <a:spcPts val="0"/>
+              </a:spcAft>
+              <a:defRPr/>
+            </a:pPr>
+            <a:endParaRPr lang="en-US" sz="1200" dirty="0">
+              <a:solidFill>
+                <a:srgbClr val="D86613"/>
+              </a:solidFill>
+              <a:latin typeface="Arial" panose="020B0604020202020204" pitchFamily="34" charset="0"/>
+              <a:cs typeface="Arial" panose="020B0604020202020204" pitchFamily="34" charset="0"/>
+            </a:endParaRPr>
+          </a:p>
+          <a:p>
+            <a:pPr algn="ctr" eaLnBrk="1" fontAlgn="auto" hangingPunct="1">
+              <a:spcBef>
+                <a:spcPts val="0"/>
+              </a:spcBef>
+              <a:spcAft>
+                <a:spcPts val="0"/>
+              </a:spcAft>
+              <a:defRPr/>
+            </a:pPr>
+            <a:endParaRPr lang="en-US" sz="1200" dirty="0">
+              <a:solidFill>
+                <a:srgbClr val="D86613"/>
+              </a:solidFill>
+              <a:latin typeface="Arial" panose="020B0604020202020204" pitchFamily="34" charset="0"/>
+              <a:cs typeface="Arial" panose="020B0604020202020204" pitchFamily="34" charset="0"/>
+            </a:endParaRPr>
+          </a:p>
+          <a:p>
+            <a:pPr algn="ctr" eaLnBrk="1" fontAlgn="auto" hangingPunct="1">
+              <a:spcBef>
+                <a:spcPts val="0"/>
+              </a:spcBef>
+              <a:spcAft>
+                <a:spcPts val="0"/>
+              </a:spcAft>
+              <a:defRPr/>
+            </a:pPr>
+            <a:r>
+              <a:rPr lang="en-US" sz="1200" dirty="0">
+                <a:solidFill>
+                  <a:srgbClr val="D86613"/>
+                </a:solidFill>
+                <a:latin typeface="Arial" panose="020B0604020202020204" pitchFamily="34" charset="0"/>
+                <a:cs typeface="Arial" panose="020B0604020202020204" pitchFamily="34" charset="0"/>
+              </a:rPr>
+              <a:t>Auto Scaling group</a:t>
+            </a:r>
+          </a:p>
+        </p:txBody>
+      </p:sp>
+      <p:pic>
+        <p:nvPicPr>
+          <p:cNvPr id="98" name="Graphic 97">
+            <a:extLst>
+              <a:ext uri="{FF2B5EF4-FFF2-40B4-BE49-F238E27FC236}">
+                <a16:creationId xmlns:a16="http://schemas.microsoft.com/office/drawing/2014/main" id="{8996DB9D-A24E-4E41-B278-5DACABA4D344}"/>
+              </a:ext>
+            </a:extLst>
+          </p:cNvPr>
+          <p:cNvPicPr>
+            <a:picLocks noChangeAspect="1"/>
+          </p:cNvPicPr>
+          <p:nvPr/>
+        </p:nvPicPr>
+        <p:blipFill>
+          <a:blip r:embed="rId9">
+            <a:extLst>
+              <a:ext uri="{96DAC541-7B7A-43D3-8B79-37D633B846F1}">
+                <asvg:svgBlip xmlns:asvg="http://schemas.microsoft.com/office/drawing/2016/SVG/main" r:embed="rId10"/>
+              </a:ext>
+            </a:extLst>
+          </a:blip>
+          <a:stretch>
+            <a:fillRect/>
+          </a:stretch>
+        </p:blipFill>
+        <p:spPr>
+          <a:xfrm>
+            <a:off x="8526758" y="3120763"/>
+            <a:ext cx="381000" cy="381000"/>
+          </a:xfrm>
+          <a:prstGeom prst="rect">
+            <a:avLst/>
+          </a:prstGeom>
+        </p:spPr>
+      </p:pic>
+      <p:grpSp>
+        <p:nvGrpSpPr>
+          <p:cNvPr id="38" name="Group 37">
+            <a:extLst>
+              <a:ext uri="{FF2B5EF4-FFF2-40B4-BE49-F238E27FC236}">
+                <a16:creationId xmlns:a16="http://schemas.microsoft.com/office/drawing/2014/main" id="{B50BE872-6D14-4EF3-A322-815D3D25DEC0}"/>
+              </a:ext>
+            </a:extLst>
+          </p:cNvPr>
+          <p:cNvGrpSpPr/>
+          <p:nvPr/>
+        </p:nvGrpSpPr>
+        <p:grpSpPr>
+          <a:xfrm>
+            <a:off x="5732596" y="2300113"/>
+            <a:ext cx="1977523" cy="779303"/>
+            <a:chOff x="5817901" y="2574433"/>
+            <a:chExt cx="1977523" cy="779303"/>
+          </a:xfrm>
+        </p:grpSpPr>
+        <p:sp>
+          <p:nvSpPr>
+            <p:cNvPr id="12" name="TextBox 11">
+              <a:extLst>
+                <a:ext uri="{FF2B5EF4-FFF2-40B4-BE49-F238E27FC236}">
+                  <a16:creationId xmlns:a16="http://schemas.microsoft.com/office/drawing/2014/main" id="{E236EA40-B1B4-4336-99DE-1C59AE94FBA0}"/>
+                </a:ext>
+              </a:extLst>
+            </p:cNvPr>
+            <p:cNvSpPr txBox="1">
+              <a:spLocks noChangeArrowheads="1"/>
+            </p:cNvSpPr>
+            <p:nvPr/>
+          </p:nvSpPr>
+          <p:spPr bwMode="auto">
+            <a:xfrm>
+              <a:off x="5817901" y="3076737"/>
+              <a:ext cx="896995" cy="276999"/>
+            </a:xfrm>
+            <a:prstGeom prst="rect">
+              <a:avLst/>
+            </a:prstGeom>
+            <a:noFill/>
+            <a:ln>
+              <a:noFill/>
+            </a:ln>
+            <a:extLst>
+              <a:ext uri="{909E8E84-426E-40DD-AFC4-6F175D3DCCD1}">
+                <a14:hiddenFill xmlns:a14="http://schemas.microsoft.com/office/drawing/2010/main">
+                  <a:solidFill>
+                    <a:srgbClr val="FFFFFF"/>
+                  </a:solidFill>
+                </a14:hiddenFill>
+              </a:ext>
+              <a:ext uri="{91240B29-F687-4F45-9708-019B960494DF}">
+                <a14:hiddenLine xmlns:a14="http://schemas.microsoft.com/office/drawing/2010/main" w="9525">
+                  <a:solidFill>
+                    <a:srgbClr val="000000"/>
+                  </a:solidFill>
+                  <a:miter lim="800000"/>
+                  <a:headEnd/>
+                  <a:tailEnd/>
+                </a14:hiddenLine>
+              </a:ext>
+            </a:extLst>
+          </p:spPr>
+          <p:txBody>
+            <a:bodyPr wrap="square">
+              <a:spAutoFit/>
+            </a:bodyPr>
+            <a:lstStyle>
+              <a:lvl1pPr>
+                <a:defRPr>
+                  <a:solidFill>
+                    <a:schemeClr val="tx1"/>
+                  </a:solidFill>
+                  <a:latin typeface="Calibri" panose="020F0502020204030204" pitchFamily="34" charset="0"/>
+                </a:defRPr>
+              </a:lvl1pPr>
+              <a:lvl2pPr marL="742950" indent="-285750">
+                <a:defRPr>
+                  <a:solidFill>
+                    <a:schemeClr val="tx1"/>
+                  </a:solidFill>
+                  <a:latin typeface="Calibri" panose="020F0502020204030204" pitchFamily="34" charset="0"/>
+                </a:defRPr>
+              </a:lvl2pPr>
+              <a:lvl3pPr marL="1143000" indent="-228600">
+                <a:defRPr>
+                  <a:solidFill>
+                    <a:schemeClr val="tx1"/>
+                  </a:solidFill>
+                  <a:latin typeface="Calibri" panose="020F0502020204030204" pitchFamily="34" charset="0"/>
+                </a:defRPr>
+              </a:lvl3pPr>
+              <a:lvl4pPr marL="1600200" indent="-228600">
+                <a:defRPr>
+                  <a:solidFill>
+                    <a:schemeClr val="tx1"/>
+                  </a:solidFill>
+                  <a:latin typeface="Calibri" panose="020F0502020204030204" pitchFamily="34" charset="0"/>
+                </a:defRPr>
+              </a:lvl4pPr>
+              <a:lvl5pPr marL="2057400" indent="-228600">
+                <a:defRPr>
+                  <a:solidFill>
+                    <a:schemeClr val="tx1"/>
+                  </a:solidFill>
+                  <a:latin typeface="Calibri" panose="020F0502020204030204" pitchFamily="34" charset="0"/>
+                </a:defRPr>
+              </a:lvl5pPr>
+              <a:lvl6pPr marL="2514600" indent="-228600" eaLnBrk="0" fontAlgn="base" hangingPunct="0">
+                <a:spcBef>
+                  <a:spcPct val="0"/>
+                </a:spcBef>
+                <a:spcAft>
+                  <a:spcPct val="0"/>
+                </a:spcAft>
+                <a:defRPr>
+                  <a:solidFill>
+                    <a:schemeClr val="tx1"/>
+                  </a:solidFill>
+                  <a:latin typeface="Calibri" panose="020F0502020204030204" pitchFamily="34" charset="0"/>
+                </a:defRPr>
+              </a:lvl6pPr>
+              <a:lvl7pPr marL="2971800" indent="-228600" eaLnBrk="0" fontAlgn="base" hangingPunct="0">
+                <a:spcBef>
+                  <a:spcPct val="0"/>
+                </a:spcBef>
+                <a:spcAft>
+                  <a:spcPct val="0"/>
+                </a:spcAft>
+                <a:defRPr>
+                  <a:solidFill>
+                    <a:schemeClr val="tx1"/>
+                  </a:solidFill>
+                  <a:latin typeface="Calibri" panose="020F0502020204030204" pitchFamily="34" charset="0"/>
+                </a:defRPr>
+              </a:lvl7pPr>
+              <a:lvl8pPr marL="3429000" indent="-228600" eaLnBrk="0" fontAlgn="base" hangingPunct="0">
+                <a:spcBef>
+                  <a:spcPct val="0"/>
+                </a:spcBef>
+                <a:spcAft>
+                  <a:spcPct val="0"/>
+                </a:spcAft>
+                <a:defRPr>
+                  <a:solidFill>
+                    <a:schemeClr val="tx1"/>
+                  </a:solidFill>
+                  <a:latin typeface="Calibri" panose="020F0502020204030204" pitchFamily="34" charset="0"/>
+                </a:defRPr>
+              </a:lvl8pPr>
+              <a:lvl9pPr marL="3886200" indent="-228600" eaLnBrk="0" fontAlgn="base" hangingPunct="0">
+                <a:spcBef>
+                  <a:spcPct val="0"/>
+                </a:spcBef>
+                <a:spcAft>
+                  <a:spcPct val="0"/>
+                </a:spcAft>
+                <a:defRPr>
+                  <a:solidFill>
+                    <a:schemeClr val="tx1"/>
+                  </a:solidFill>
+                  <a:latin typeface="Calibri" panose="020F0502020204030204" pitchFamily="34" charset="0"/>
+                </a:defRPr>
+              </a:lvl9pPr>
+            </a:lstStyle>
+            <a:p>
+              <a:pPr algn="ctr" eaLnBrk="1" hangingPunct="1"/>
+              <a:r>
+                <a:rPr lang="en-US" altLang="en-US" sz="1200" dirty="0">
+                  <a:latin typeface="Arial" panose="020B0604020202020204" pitchFamily="34" charset="0"/>
+                  <a:cs typeface="Arial" panose="020B0604020202020204" pitchFamily="34" charset="0"/>
+                </a:rPr>
+                <a:t>Redirector </a:t>
+              </a:r>
+            </a:p>
+          </p:txBody>
+        </p:sp>
+        <p:sp>
+          <p:nvSpPr>
+            <p:cNvPr id="13" name="TextBox 17">
+              <a:extLst>
+                <a:ext uri="{FF2B5EF4-FFF2-40B4-BE49-F238E27FC236}">
+                  <a16:creationId xmlns:a16="http://schemas.microsoft.com/office/drawing/2014/main" id="{3BDDFF42-4083-49B8-BE56-B6DC0343211F}"/>
+                </a:ext>
+              </a:extLst>
+            </p:cNvPr>
+            <p:cNvSpPr txBox="1">
+              <a:spLocks noChangeArrowheads="1"/>
+            </p:cNvSpPr>
+            <p:nvPr/>
+          </p:nvSpPr>
+          <p:spPr bwMode="auto">
+            <a:xfrm>
+              <a:off x="6702226" y="3076737"/>
+              <a:ext cx="1093198" cy="276999"/>
+            </a:xfrm>
+            <a:prstGeom prst="rect">
+              <a:avLst/>
+            </a:prstGeom>
+            <a:noFill/>
+            <a:ln>
+              <a:noFill/>
+            </a:ln>
+            <a:extLst>
+              <a:ext uri="{909E8E84-426E-40DD-AFC4-6F175D3DCCD1}">
+                <a14:hiddenFill xmlns:a14="http://schemas.microsoft.com/office/drawing/2010/main">
+                  <a:solidFill>
+                    <a:srgbClr val="FFFFFF"/>
+                  </a:solidFill>
+                </a14:hiddenFill>
+              </a:ext>
+              <a:ext uri="{91240B29-F687-4F45-9708-019B960494DF}">
+                <a14:hiddenLine xmlns:a14="http://schemas.microsoft.com/office/drawing/2010/main" w="9525">
+                  <a:solidFill>
+                    <a:srgbClr val="000000"/>
+                  </a:solidFill>
+                  <a:miter lim="800000"/>
+                  <a:headEnd/>
+                  <a:tailEnd/>
+                </a14:hiddenLine>
+              </a:ext>
+            </a:extLst>
+          </p:spPr>
+          <p:txBody>
+            <a:bodyPr wrap="square">
+              <a:spAutoFit/>
+            </a:bodyPr>
+            <a:lstStyle>
+              <a:lvl1pPr>
+                <a:defRPr>
+                  <a:solidFill>
+                    <a:schemeClr val="tx1"/>
+                  </a:solidFill>
+                  <a:latin typeface="Calibri" panose="020F0502020204030204" pitchFamily="34" charset="0"/>
+                </a:defRPr>
+              </a:lvl1pPr>
+              <a:lvl2pPr marL="742950" indent="-285750">
+                <a:defRPr>
+                  <a:solidFill>
+                    <a:schemeClr val="tx1"/>
+                  </a:solidFill>
+                  <a:latin typeface="Calibri" panose="020F0502020204030204" pitchFamily="34" charset="0"/>
+                </a:defRPr>
+              </a:lvl2pPr>
+              <a:lvl3pPr marL="1143000" indent="-228600">
+                <a:defRPr>
+                  <a:solidFill>
+                    <a:schemeClr val="tx1"/>
+                  </a:solidFill>
+                  <a:latin typeface="Calibri" panose="020F0502020204030204" pitchFamily="34" charset="0"/>
+                </a:defRPr>
+              </a:lvl3pPr>
+              <a:lvl4pPr marL="1600200" indent="-228600">
+                <a:defRPr>
+                  <a:solidFill>
+                    <a:schemeClr val="tx1"/>
+                  </a:solidFill>
+                  <a:latin typeface="Calibri" panose="020F0502020204030204" pitchFamily="34" charset="0"/>
+                </a:defRPr>
+              </a:lvl4pPr>
+              <a:lvl5pPr marL="2057400" indent="-228600">
+                <a:defRPr>
+                  <a:solidFill>
+                    <a:schemeClr val="tx1"/>
+                  </a:solidFill>
+                  <a:latin typeface="Calibri" panose="020F0502020204030204" pitchFamily="34" charset="0"/>
+                </a:defRPr>
+              </a:lvl5pPr>
+              <a:lvl6pPr marL="2514600" indent="-228600" eaLnBrk="0" fontAlgn="base" hangingPunct="0">
+                <a:spcBef>
+                  <a:spcPct val="0"/>
+                </a:spcBef>
+                <a:spcAft>
+                  <a:spcPct val="0"/>
+                </a:spcAft>
+                <a:defRPr>
+                  <a:solidFill>
+                    <a:schemeClr val="tx1"/>
+                  </a:solidFill>
+                  <a:latin typeface="Calibri" panose="020F0502020204030204" pitchFamily="34" charset="0"/>
+                </a:defRPr>
+              </a:lvl6pPr>
+              <a:lvl7pPr marL="2971800" indent="-228600" eaLnBrk="0" fontAlgn="base" hangingPunct="0">
+                <a:spcBef>
+                  <a:spcPct val="0"/>
+                </a:spcBef>
+                <a:spcAft>
+                  <a:spcPct val="0"/>
+                </a:spcAft>
+                <a:defRPr>
+                  <a:solidFill>
+                    <a:schemeClr val="tx1"/>
+                  </a:solidFill>
+                  <a:latin typeface="Calibri" panose="020F0502020204030204" pitchFamily="34" charset="0"/>
+                </a:defRPr>
+              </a:lvl7pPr>
+              <a:lvl8pPr marL="3429000" indent="-228600" eaLnBrk="0" fontAlgn="base" hangingPunct="0">
+                <a:spcBef>
+                  <a:spcPct val="0"/>
+                </a:spcBef>
+                <a:spcAft>
+                  <a:spcPct val="0"/>
+                </a:spcAft>
+                <a:defRPr>
+                  <a:solidFill>
+                    <a:schemeClr val="tx1"/>
+                  </a:solidFill>
+                  <a:latin typeface="Calibri" panose="020F0502020204030204" pitchFamily="34" charset="0"/>
+                </a:defRPr>
+              </a:lvl8pPr>
+              <a:lvl9pPr marL="3886200" indent="-228600" eaLnBrk="0" fontAlgn="base" hangingPunct="0">
+                <a:spcBef>
+                  <a:spcPct val="0"/>
+                </a:spcBef>
+                <a:spcAft>
+                  <a:spcPct val="0"/>
+                </a:spcAft>
+                <a:defRPr>
+                  <a:solidFill>
+                    <a:schemeClr val="tx1"/>
+                  </a:solidFill>
+                  <a:latin typeface="Calibri" panose="020F0502020204030204" pitchFamily="34" charset="0"/>
+                </a:defRPr>
+              </a:lvl9pPr>
+            </a:lstStyle>
+            <a:p>
+              <a:pPr algn="ctr" eaLnBrk="1" hangingPunct="1"/>
+              <a:r>
+                <a:rPr lang="en-US" altLang="en-US" sz="1200" dirty="0">
+                  <a:latin typeface="Arial" panose="020B0604020202020204" pitchFamily="34" charset="0"/>
+                  <a:ea typeface="Amazon Ember" panose="020B0603020204020204" pitchFamily="34" charset="0"/>
+                  <a:cs typeface="Arial" panose="020B0604020202020204" pitchFamily="34" charset="0"/>
+                </a:rPr>
+                <a:t>NAT gateway</a:t>
+              </a:r>
+            </a:p>
+          </p:txBody>
+        </p:sp>
+        <p:pic>
+          <p:nvPicPr>
+            <p:cNvPr id="14" name="Graphic 35">
+              <a:extLst>
+                <a:ext uri="{FF2B5EF4-FFF2-40B4-BE49-F238E27FC236}">
+                  <a16:creationId xmlns:a16="http://schemas.microsoft.com/office/drawing/2014/main" id="{C7436B46-D911-4DAB-831F-87AFFB981243}"/>
+                </a:ext>
+              </a:extLst>
+            </p:cNvPr>
+            <p:cNvPicPr>
+              <a:picLocks noChangeAspect="1" noChangeArrowheads="1"/>
+            </p:cNvPicPr>
+            <p:nvPr/>
+          </p:nvPicPr>
+          <p:blipFill>
+            <a:blip r:embed="rId11">
+              <a:extLst>
+                <a:ext uri="{28A0092B-C50C-407E-A947-70E740481C1C}">
+                  <a14:useLocalDpi xmlns:a14="http://schemas.microsoft.com/office/drawing/2010/main" val="0"/>
+                </a:ext>
+              </a:extLst>
+            </a:blip>
+            <a:srcRect/>
+            <a:stretch>
+              <a:fillRect/>
+            </a:stretch>
+          </p:blipFill>
+          <p:spPr bwMode="auto">
+            <a:xfrm>
+              <a:off x="7020225" y="2574433"/>
+              <a:ext cx="457200" cy="457200"/>
+            </a:xfrm>
+            <a:prstGeom prst="rect">
+              <a:avLst/>
+            </a:prstGeom>
+            <a:noFill/>
+            <a:ln>
+              <a:noFill/>
+            </a:ln>
+            <a:extLst>
+              <a:ext uri="{909E8E84-426E-40DD-AFC4-6F175D3DCCD1}">
+                <a14:hiddenFill xmlns:a14="http://schemas.microsoft.com/office/drawing/2010/main">
+                  <a:solidFill>
+                    <a:srgbClr val="FFFFFF"/>
+                  </a:solidFill>
+                </a14:hiddenFill>
+              </a:ext>
+              <a:ext uri="{91240B29-F687-4F45-9708-019B960494DF}">
+                <a14:hiddenLine xmlns:a14="http://schemas.microsoft.com/office/drawing/2010/main" w="9525">
+                  <a:solidFill>
+                    <a:srgbClr val="000000"/>
+                  </a:solidFill>
+                  <a:miter lim="800000"/>
+                  <a:headEnd/>
+                  <a:tailEnd/>
+                </a14:hiddenLine>
+              </a:ext>
+            </a:extLst>
+          </p:spPr>
+        </p:pic>
+        <p:pic>
+          <p:nvPicPr>
+            <p:cNvPr id="83" name="Graphic 6">
+              <a:extLst>
+                <a:ext uri="{FF2B5EF4-FFF2-40B4-BE49-F238E27FC236}">
+                  <a16:creationId xmlns:a16="http://schemas.microsoft.com/office/drawing/2014/main" id="{4F5BC65F-5AA2-4BE7-92D2-A8D309DCEFAA}"/>
+                </a:ext>
+              </a:extLst>
+            </p:cNvPr>
+            <p:cNvPicPr>
+              <a:picLocks noChangeAspect="1" noChangeArrowheads="1"/>
+            </p:cNvPicPr>
+            <p:nvPr/>
+          </p:nvPicPr>
+          <p:blipFill>
+            <a:blip r:embed="rId12">
+              <a:extLst>
+                <a:ext uri="{28A0092B-C50C-407E-A947-70E740481C1C}">
+                  <a14:useLocalDpi xmlns:a14="http://schemas.microsoft.com/office/drawing/2010/main" val="0"/>
+                </a:ext>
+              </a:extLst>
+            </a:blip>
+            <a:srcRect/>
+            <a:stretch>
+              <a:fillRect/>
+            </a:stretch>
+          </p:blipFill>
+          <p:spPr bwMode="auto">
+            <a:xfrm>
+              <a:off x="6037798" y="2574433"/>
+              <a:ext cx="457200" cy="457200"/>
+            </a:xfrm>
+            <a:prstGeom prst="rect">
+              <a:avLst/>
+            </a:prstGeom>
+            <a:noFill/>
+            <a:ln>
+              <a:noFill/>
+            </a:ln>
+            <a:extLst>
+              <a:ext uri="{909E8E84-426E-40DD-AFC4-6F175D3DCCD1}">
+                <a14:hiddenFill xmlns:a14="http://schemas.microsoft.com/office/drawing/2010/main">
+                  <a:solidFill>
+                    <a:srgbClr val="FFFFFF"/>
+                  </a:solidFill>
+                </a14:hiddenFill>
+              </a:ext>
+              <a:ext uri="{91240B29-F687-4F45-9708-019B960494DF}">
+                <a14:hiddenLine xmlns:a14="http://schemas.microsoft.com/office/drawing/2010/main" w="9525">
+                  <a:solidFill>
+                    <a:srgbClr val="000000"/>
+                  </a:solidFill>
+                  <a:miter lim="800000"/>
+                  <a:headEnd/>
+                  <a:tailEnd/>
+                </a14:hiddenLine>
+              </a:ext>
+            </a:extLst>
+          </p:spPr>
+        </p:pic>
+      </p:grpSp>
+      <p:sp>
+        <p:nvSpPr>
+          <p:cNvPr id="100" name="Rectangle 99">
+            <a:extLst>
+              <a:ext uri="{FF2B5EF4-FFF2-40B4-BE49-F238E27FC236}">
+                <a16:creationId xmlns:a16="http://schemas.microsoft.com/office/drawing/2014/main" id="{B22BD49A-27EF-43A3-AC82-FCBE55D1836B}"/>
+              </a:ext>
+            </a:extLst>
+          </p:cNvPr>
+          <p:cNvSpPr/>
+          <p:nvPr/>
+        </p:nvSpPr>
+        <p:spPr>
+          <a:xfrm>
+            <a:off x="9384765" y="1455262"/>
+            <a:ext cx="2605492" cy="7350124"/>
+          </a:xfrm>
+          <a:prstGeom prst="rect">
+            <a:avLst/>
+          </a:prstGeom>
+          <a:noFill/>
+          <a:ln w="12700">
+            <a:solidFill>
+              <a:srgbClr val="5B9CD5"/>
+            </a:solidFill>
+            <a:prstDash val="dash"/>
+          </a:ln>
+        </p:spPr>
+        <p:style>
+          <a:lnRef idx="2">
+            <a:schemeClr val="accent1">
+              <a:shade val="50000"/>
+            </a:schemeClr>
+          </a:lnRef>
+          <a:fillRef idx="1">
+            <a:schemeClr val="accent1"/>
+          </a:fillRef>
+          <a:effectRef idx="0">
+            <a:schemeClr val="accent1"/>
+          </a:effectRef>
+          <a:fontRef idx="minor">
+            <a:schemeClr val="lt1"/>
+          </a:fontRef>
+        </p:style>
+        <p:txBody>
+          <a:bodyPr tIns="91440"/>
+          <a:lstStyle/>
+          <a:p>
+            <a:pPr algn="ctr" eaLnBrk="1" fontAlgn="auto" hangingPunct="1">
+              <a:spcBef>
+                <a:spcPts val="0"/>
+              </a:spcBef>
+              <a:spcAft>
+                <a:spcPts val="0"/>
+              </a:spcAft>
+              <a:defRPr/>
+            </a:pPr>
+            <a:r>
+              <a:rPr lang="en-US" sz="1200" dirty="0">
+                <a:solidFill>
+                  <a:srgbClr val="5B9CD5"/>
+                </a:solidFill>
+                <a:latin typeface="Arial" panose="020B0604020202020204" pitchFamily="34" charset="0"/>
+                <a:cs typeface="Arial" panose="020B0604020202020204" pitchFamily="34" charset="0"/>
+              </a:rPr>
+              <a:t>Availability Zone 2</a:t>
+            </a:r>
+          </a:p>
+        </p:txBody>
+      </p:sp>
+      <p:sp>
+        <p:nvSpPr>
+          <p:cNvPr id="101" name="Rectangle 100">
+            <a:extLst>
+              <a:ext uri="{FF2B5EF4-FFF2-40B4-BE49-F238E27FC236}">
+                <a16:creationId xmlns:a16="http://schemas.microsoft.com/office/drawing/2014/main" id="{7722387A-4788-487B-9CB6-9E8DAA5AC329}"/>
+              </a:ext>
+            </a:extLst>
+          </p:cNvPr>
+          <p:cNvSpPr/>
+          <p:nvPr/>
+        </p:nvSpPr>
+        <p:spPr>
+          <a:xfrm>
+            <a:off x="9480141" y="1934924"/>
+            <a:ext cx="2403731" cy="3030045"/>
+          </a:xfrm>
+          <a:prstGeom prst="rect">
+            <a:avLst/>
+          </a:prstGeom>
+          <a:solidFill>
+            <a:srgbClr val="1D8900">
+              <a:alpha val="9804"/>
+            </a:srgbClr>
+          </a:solidFill>
+          <a:ln w="12700">
+            <a:noFill/>
+            <a:prstDash val="dash"/>
+          </a:ln>
+        </p:spPr>
+        <p:style>
+          <a:lnRef idx="2">
+            <a:schemeClr val="accent1">
+              <a:shade val="50000"/>
+            </a:schemeClr>
+          </a:lnRef>
+          <a:fillRef idx="1">
+            <a:schemeClr val="accent1"/>
+          </a:fillRef>
+          <a:effectRef idx="0">
+            <a:schemeClr val="accent1"/>
+          </a:effectRef>
+          <a:fontRef idx="minor">
+            <a:schemeClr val="lt1"/>
+          </a:fontRef>
+        </p:style>
+        <p:txBody>
+          <a:bodyPr lIns="502920"/>
+          <a:lstStyle/>
+          <a:p>
+            <a:pPr eaLnBrk="1" fontAlgn="auto" hangingPunct="1">
+              <a:spcBef>
+                <a:spcPts val="0"/>
+              </a:spcBef>
+              <a:spcAft>
+                <a:spcPts val="0"/>
+              </a:spcAft>
+              <a:defRPr/>
+            </a:pPr>
+            <a:r>
+              <a:rPr lang="en-US" sz="1200" dirty="0">
+                <a:solidFill>
+                  <a:srgbClr val="1E8900"/>
+                </a:solidFill>
+                <a:latin typeface="Arial" panose="020B0604020202020204" pitchFamily="34" charset="0"/>
+                <a:cs typeface="Arial" panose="020B0604020202020204" pitchFamily="34" charset="0"/>
+              </a:rPr>
+              <a:t>Public subnet</a:t>
+            </a:r>
+          </a:p>
+        </p:txBody>
+      </p:sp>
+      <p:pic>
+        <p:nvPicPr>
+          <p:cNvPr id="102" name="Graphic 101">
+            <a:extLst>
+              <a:ext uri="{FF2B5EF4-FFF2-40B4-BE49-F238E27FC236}">
+                <a16:creationId xmlns:a16="http://schemas.microsoft.com/office/drawing/2014/main" id="{56242CC9-E555-4F9A-B7AF-ECC61BD17489}"/>
+              </a:ext>
+            </a:extLst>
+          </p:cNvPr>
+          <p:cNvPicPr>
+            <a:picLocks noChangeAspect="1"/>
+          </p:cNvPicPr>
+          <p:nvPr/>
+        </p:nvPicPr>
+        <p:blipFill>
+          <a:blip r:embed="rId6">
+            <a:extLst>
+              <a:ext uri="{96DAC541-7B7A-43D3-8B79-37D633B846F1}">
+                <asvg:svgBlip xmlns:asvg="http://schemas.microsoft.com/office/drawing/2016/SVG/main" r:embed="rId7"/>
+              </a:ext>
+            </a:extLst>
+          </a:blip>
+          <a:stretch>
+            <a:fillRect/>
+          </a:stretch>
+        </p:blipFill>
+        <p:spPr>
+          <a:xfrm>
+            <a:off x="9482328" y="1938432"/>
+            <a:ext cx="381000" cy="381000"/>
+          </a:xfrm>
+          <a:prstGeom prst="rect">
+            <a:avLst/>
+          </a:prstGeom>
+        </p:spPr>
+      </p:pic>
+      <p:sp>
+        <p:nvSpPr>
+          <p:cNvPr id="103" name="Rectangle 102">
+            <a:extLst>
+              <a:ext uri="{FF2B5EF4-FFF2-40B4-BE49-F238E27FC236}">
+                <a16:creationId xmlns:a16="http://schemas.microsoft.com/office/drawing/2014/main" id="{D8631B5C-A692-409B-AE1B-B31675735F1E}"/>
+              </a:ext>
+            </a:extLst>
+          </p:cNvPr>
+          <p:cNvSpPr/>
+          <p:nvPr/>
+        </p:nvSpPr>
+        <p:spPr>
+          <a:xfrm>
+            <a:off x="9465598" y="7438247"/>
+            <a:ext cx="2432817" cy="1112367"/>
+          </a:xfrm>
+          <a:prstGeom prst="rect">
+            <a:avLst/>
+          </a:prstGeom>
+          <a:solidFill>
+            <a:srgbClr val="007CBC">
+              <a:alpha val="9804"/>
+            </a:srgbClr>
+          </a:solidFill>
+          <a:ln w="12700">
+            <a:noFill/>
+            <a:prstDash val="dash"/>
+          </a:ln>
+        </p:spPr>
+        <p:style>
+          <a:lnRef idx="2">
+            <a:schemeClr val="accent1">
+              <a:shade val="50000"/>
+            </a:schemeClr>
+          </a:lnRef>
+          <a:fillRef idx="1">
+            <a:schemeClr val="accent1"/>
+          </a:fillRef>
+          <a:effectRef idx="0">
+            <a:schemeClr val="accent1"/>
+          </a:effectRef>
+          <a:fontRef idx="minor">
+            <a:schemeClr val="lt1"/>
+          </a:fontRef>
+        </p:style>
+        <p:txBody>
+          <a:bodyPr lIns="502920"/>
+          <a:lstStyle/>
+          <a:p>
+            <a:pPr eaLnBrk="1" fontAlgn="auto" hangingPunct="1">
+              <a:spcBef>
+                <a:spcPts val="0"/>
+              </a:spcBef>
+              <a:spcAft>
+                <a:spcPts val="0"/>
+              </a:spcAft>
+              <a:defRPr/>
+            </a:pPr>
+            <a:r>
+              <a:rPr lang="en-US" sz="1200" dirty="0">
+                <a:solidFill>
+                  <a:srgbClr val="1E8900"/>
+                </a:solidFill>
+                <a:latin typeface="Arial" panose="020B0604020202020204" pitchFamily="34" charset="0"/>
+                <a:cs typeface="Arial" panose="020B0604020202020204" pitchFamily="34" charset="0"/>
+              </a:rPr>
+              <a:t>Private subnet</a:t>
+            </a:r>
+          </a:p>
+        </p:txBody>
+      </p:sp>
+      <p:sp>
+        <p:nvSpPr>
+          <p:cNvPr id="106" name="TextBox 18">
+            <a:extLst>
+              <a:ext uri="{FF2B5EF4-FFF2-40B4-BE49-F238E27FC236}">
+                <a16:creationId xmlns:a16="http://schemas.microsoft.com/office/drawing/2014/main" id="{74B169F7-1ACC-416D-968C-A2BE3839D10C}"/>
+              </a:ext>
+            </a:extLst>
+          </p:cNvPr>
+          <p:cNvSpPr txBox="1">
+            <a:spLocks noChangeArrowheads="1"/>
+          </p:cNvSpPr>
+          <p:nvPr/>
+        </p:nvSpPr>
+        <p:spPr bwMode="auto">
+          <a:xfrm>
+            <a:off x="10010580" y="4614492"/>
+            <a:ext cx="1342852" cy="276999"/>
+          </a:xfrm>
+          <a:prstGeom prst="rect">
+            <a:avLst/>
+          </a:prstGeom>
+          <a:noFill/>
+          <a:ln>
+            <a:noFill/>
+          </a:ln>
+          <a:extLst>
+            <a:ext uri="{909E8E84-426E-40DD-AFC4-6F175D3DCCD1}">
+              <a14:hiddenFill xmlns:a14="http://schemas.microsoft.com/office/drawing/2010/main">
+                <a:solidFill>
+                  <a:srgbClr val="FFFFFF"/>
+                </a:solidFill>
+              </a14:hiddenFill>
+            </a:ext>
+            <a:ext uri="{91240B29-F687-4F45-9708-019B960494DF}">
+              <a14:hiddenLine xmlns:a14="http://schemas.microsoft.com/office/drawing/2010/main" w="9525">
+                <a:solidFill>
+                  <a:srgbClr val="000000"/>
+                </a:solidFill>
+                <a:miter lim="800000"/>
+                <a:headEnd/>
+                <a:tailEnd/>
+              </a14:hiddenLine>
+            </a:ext>
+          </a:extLst>
+        </p:spPr>
+        <p:txBody>
+          <a:bodyPr wrap="square">
+            <a:spAutoFit/>
+          </a:bodyPr>
+          <a:lstStyle>
+            <a:lvl1pPr>
+              <a:defRPr>
+                <a:solidFill>
+                  <a:schemeClr val="tx1"/>
+                </a:solidFill>
+                <a:latin typeface="Calibri" panose="020F0502020204030204" pitchFamily="34" charset="0"/>
+              </a:defRPr>
+            </a:lvl1pPr>
+            <a:lvl2pPr marL="742950" indent="-285750">
+              <a:defRPr>
+                <a:solidFill>
+                  <a:schemeClr val="tx1"/>
+                </a:solidFill>
+                <a:latin typeface="Calibri" panose="020F0502020204030204" pitchFamily="34" charset="0"/>
+              </a:defRPr>
+            </a:lvl2pPr>
+            <a:lvl3pPr marL="1143000" indent="-228600">
+              <a:defRPr>
+                <a:solidFill>
+                  <a:schemeClr val="tx1"/>
+                </a:solidFill>
+                <a:latin typeface="Calibri" panose="020F0502020204030204" pitchFamily="34" charset="0"/>
+              </a:defRPr>
+            </a:lvl3pPr>
+            <a:lvl4pPr marL="1600200" indent="-228600">
+              <a:defRPr>
+                <a:solidFill>
+                  <a:schemeClr val="tx1"/>
+                </a:solidFill>
+                <a:latin typeface="Calibri" panose="020F0502020204030204" pitchFamily="34" charset="0"/>
+              </a:defRPr>
+            </a:lvl4pPr>
+            <a:lvl5pPr marL="2057400" indent="-228600">
+              <a:defRPr>
+                <a:solidFill>
+                  <a:schemeClr val="tx1"/>
+                </a:solidFill>
+                <a:latin typeface="Calibri" panose="020F0502020204030204" pitchFamily="34" charset="0"/>
+              </a:defRPr>
+            </a:lvl5pPr>
+            <a:lvl6pPr marL="2514600" indent="-228600" eaLnBrk="0" fontAlgn="base" hangingPunct="0">
+              <a:spcBef>
+                <a:spcPct val="0"/>
+              </a:spcBef>
+              <a:spcAft>
+                <a:spcPct val="0"/>
+              </a:spcAft>
+              <a:defRPr>
+                <a:solidFill>
+                  <a:schemeClr val="tx1"/>
+                </a:solidFill>
+                <a:latin typeface="Calibri" panose="020F0502020204030204" pitchFamily="34" charset="0"/>
+              </a:defRPr>
+            </a:lvl6pPr>
+            <a:lvl7pPr marL="2971800" indent="-228600" eaLnBrk="0" fontAlgn="base" hangingPunct="0">
+              <a:spcBef>
+                <a:spcPct val="0"/>
+              </a:spcBef>
+              <a:spcAft>
+                <a:spcPct val="0"/>
+              </a:spcAft>
+              <a:defRPr>
+                <a:solidFill>
+                  <a:schemeClr val="tx1"/>
+                </a:solidFill>
+                <a:latin typeface="Calibri" panose="020F0502020204030204" pitchFamily="34" charset="0"/>
+              </a:defRPr>
+            </a:lvl7pPr>
+            <a:lvl8pPr marL="3429000" indent="-228600" eaLnBrk="0" fontAlgn="base" hangingPunct="0">
+              <a:spcBef>
+                <a:spcPct val="0"/>
+              </a:spcBef>
+              <a:spcAft>
+                <a:spcPct val="0"/>
+              </a:spcAft>
+              <a:defRPr>
+                <a:solidFill>
+                  <a:schemeClr val="tx1"/>
+                </a:solidFill>
+                <a:latin typeface="Calibri" panose="020F0502020204030204" pitchFamily="34" charset="0"/>
+              </a:defRPr>
+            </a:lvl8pPr>
+            <a:lvl9pPr marL="3886200" indent="-228600" eaLnBrk="0" fontAlgn="base" hangingPunct="0">
+              <a:spcBef>
+                <a:spcPct val="0"/>
+              </a:spcBef>
+              <a:spcAft>
+                <a:spcPct val="0"/>
+              </a:spcAft>
+              <a:defRPr>
+                <a:solidFill>
+                  <a:schemeClr val="tx1"/>
+                </a:solidFill>
+                <a:latin typeface="Calibri" panose="020F0502020204030204" pitchFamily="34" charset="0"/>
+              </a:defRPr>
+            </a:lvl9pPr>
+          </a:lstStyle>
+          <a:p>
+            <a:pPr algn="ctr" eaLnBrk="1" hangingPunct="1"/>
+            <a:r>
+              <a:rPr lang="en-US" altLang="en-US" sz="1200" dirty="0">
+                <a:latin typeface="Arial" panose="020B0604020202020204" pitchFamily="34" charset="0"/>
+                <a:ea typeface="Amazon Ember" panose="020B0603020204020204" pitchFamily="34" charset="0"/>
+                <a:cs typeface="Arial" panose="020B0604020202020204" pitchFamily="34" charset="0"/>
+              </a:rPr>
+              <a:t>CNFW ENI</a:t>
+            </a:r>
+          </a:p>
+        </p:txBody>
+      </p:sp>
+      <p:pic>
+        <p:nvPicPr>
+          <p:cNvPr id="107" name="Graphic 37">
+            <a:extLst>
+              <a:ext uri="{FF2B5EF4-FFF2-40B4-BE49-F238E27FC236}">
+                <a16:creationId xmlns:a16="http://schemas.microsoft.com/office/drawing/2014/main" id="{C769D5C3-0578-41E3-9BA8-789292E61481}"/>
+              </a:ext>
+            </a:extLst>
+          </p:cNvPr>
+          <p:cNvPicPr>
+            <a:picLocks noChangeAspect="1" noChangeArrowheads="1"/>
+          </p:cNvPicPr>
+          <p:nvPr/>
+        </p:nvPicPr>
+        <p:blipFill>
+          <a:blip r:embed="rId8">
+            <a:extLst>
+              <a:ext uri="{28A0092B-C50C-407E-A947-70E740481C1C}">
+                <a14:useLocalDpi xmlns:a14="http://schemas.microsoft.com/office/drawing/2010/main" val="0"/>
+              </a:ext>
+            </a:extLst>
+          </a:blip>
+          <a:srcRect/>
+          <a:stretch>
+            <a:fillRect/>
+          </a:stretch>
+        </p:blipFill>
+        <p:spPr bwMode="auto">
+          <a:xfrm>
+            <a:off x="10453406" y="4156498"/>
+            <a:ext cx="457200" cy="457200"/>
+          </a:xfrm>
+          <a:prstGeom prst="rect">
+            <a:avLst/>
+          </a:prstGeom>
+          <a:noFill/>
+          <a:ln>
+            <a:noFill/>
+          </a:ln>
+          <a:extLst>
+            <a:ext uri="{909E8E84-426E-40DD-AFC4-6F175D3DCCD1}">
+              <a14:hiddenFill xmlns:a14="http://schemas.microsoft.com/office/drawing/2010/main">
+                <a:solidFill>
+                  <a:srgbClr val="FFFFFF"/>
+                </a:solidFill>
+              </a14:hiddenFill>
+            </a:ext>
+            <a:ext uri="{91240B29-F687-4F45-9708-019B960494DF}">
+              <a14:hiddenLine xmlns:a14="http://schemas.microsoft.com/office/drawing/2010/main" w="9525">
+                <a:solidFill>
+                  <a:srgbClr val="000000"/>
+                </a:solidFill>
+                <a:miter lim="800000"/>
+                <a:headEnd/>
+                <a:tailEnd/>
+              </a14:hiddenLine>
+            </a:ext>
+          </a:extLst>
+        </p:spPr>
+      </p:pic>
+      <p:sp>
+        <p:nvSpPr>
+          <p:cNvPr id="109" name="TextBox 18">
+            <a:extLst>
+              <a:ext uri="{FF2B5EF4-FFF2-40B4-BE49-F238E27FC236}">
+                <a16:creationId xmlns:a16="http://schemas.microsoft.com/office/drawing/2014/main" id="{4FB94E80-C40B-4F72-BECA-0711289222BC}"/>
+              </a:ext>
+            </a:extLst>
+          </p:cNvPr>
+          <p:cNvSpPr txBox="1">
+            <a:spLocks noChangeArrowheads="1"/>
+          </p:cNvSpPr>
+          <p:nvPr/>
+        </p:nvSpPr>
+        <p:spPr bwMode="auto">
+          <a:xfrm>
+            <a:off x="10010580" y="8210964"/>
+            <a:ext cx="1342852" cy="276999"/>
+          </a:xfrm>
+          <a:prstGeom prst="rect">
+            <a:avLst/>
+          </a:prstGeom>
+          <a:noFill/>
+          <a:ln>
+            <a:noFill/>
+          </a:ln>
+          <a:extLst>
+            <a:ext uri="{909E8E84-426E-40DD-AFC4-6F175D3DCCD1}">
+              <a14:hiddenFill xmlns:a14="http://schemas.microsoft.com/office/drawing/2010/main">
+                <a:solidFill>
+                  <a:srgbClr val="FFFFFF"/>
+                </a:solidFill>
+              </a14:hiddenFill>
+            </a:ext>
+            <a:ext uri="{91240B29-F687-4F45-9708-019B960494DF}">
+              <a14:hiddenLine xmlns:a14="http://schemas.microsoft.com/office/drawing/2010/main" w="9525">
+                <a:solidFill>
+                  <a:srgbClr val="000000"/>
+                </a:solidFill>
+                <a:miter lim="800000"/>
+                <a:headEnd/>
+                <a:tailEnd/>
+              </a14:hiddenLine>
+            </a:ext>
+          </a:extLst>
+        </p:spPr>
+        <p:txBody>
+          <a:bodyPr wrap="square">
+            <a:spAutoFit/>
+          </a:bodyPr>
+          <a:lstStyle>
+            <a:lvl1pPr>
+              <a:defRPr>
+                <a:solidFill>
+                  <a:schemeClr val="tx1"/>
+                </a:solidFill>
+                <a:latin typeface="Calibri" panose="020F0502020204030204" pitchFamily="34" charset="0"/>
+              </a:defRPr>
+            </a:lvl1pPr>
+            <a:lvl2pPr marL="742950" indent="-285750">
+              <a:defRPr>
+                <a:solidFill>
+                  <a:schemeClr val="tx1"/>
+                </a:solidFill>
+                <a:latin typeface="Calibri" panose="020F0502020204030204" pitchFamily="34" charset="0"/>
+              </a:defRPr>
+            </a:lvl2pPr>
+            <a:lvl3pPr marL="1143000" indent="-228600">
+              <a:defRPr>
+                <a:solidFill>
+                  <a:schemeClr val="tx1"/>
+                </a:solidFill>
+                <a:latin typeface="Calibri" panose="020F0502020204030204" pitchFamily="34" charset="0"/>
+              </a:defRPr>
+            </a:lvl3pPr>
+            <a:lvl4pPr marL="1600200" indent="-228600">
+              <a:defRPr>
+                <a:solidFill>
+                  <a:schemeClr val="tx1"/>
+                </a:solidFill>
+                <a:latin typeface="Calibri" panose="020F0502020204030204" pitchFamily="34" charset="0"/>
+              </a:defRPr>
+            </a:lvl4pPr>
+            <a:lvl5pPr marL="2057400" indent="-228600">
+              <a:defRPr>
+                <a:solidFill>
+                  <a:schemeClr val="tx1"/>
+                </a:solidFill>
+                <a:latin typeface="Calibri" panose="020F0502020204030204" pitchFamily="34" charset="0"/>
+              </a:defRPr>
+            </a:lvl5pPr>
+            <a:lvl6pPr marL="2514600" indent="-228600" eaLnBrk="0" fontAlgn="base" hangingPunct="0">
+              <a:spcBef>
+                <a:spcPct val="0"/>
+              </a:spcBef>
+              <a:spcAft>
+                <a:spcPct val="0"/>
+              </a:spcAft>
+              <a:defRPr>
+                <a:solidFill>
+                  <a:schemeClr val="tx1"/>
+                </a:solidFill>
+                <a:latin typeface="Calibri" panose="020F0502020204030204" pitchFamily="34" charset="0"/>
+              </a:defRPr>
+            </a:lvl6pPr>
+            <a:lvl7pPr marL="2971800" indent="-228600" eaLnBrk="0" fontAlgn="base" hangingPunct="0">
+              <a:spcBef>
+                <a:spcPct val="0"/>
+              </a:spcBef>
+              <a:spcAft>
+                <a:spcPct val="0"/>
+              </a:spcAft>
+              <a:defRPr>
+                <a:solidFill>
+                  <a:schemeClr val="tx1"/>
+                </a:solidFill>
+                <a:latin typeface="Calibri" panose="020F0502020204030204" pitchFamily="34" charset="0"/>
+              </a:defRPr>
+            </a:lvl7pPr>
+            <a:lvl8pPr marL="3429000" indent="-228600" eaLnBrk="0" fontAlgn="base" hangingPunct="0">
+              <a:spcBef>
+                <a:spcPct val="0"/>
+              </a:spcBef>
+              <a:spcAft>
+                <a:spcPct val="0"/>
+              </a:spcAft>
+              <a:defRPr>
+                <a:solidFill>
+                  <a:schemeClr val="tx1"/>
+                </a:solidFill>
+                <a:latin typeface="Calibri" panose="020F0502020204030204" pitchFamily="34" charset="0"/>
+              </a:defRPr>
+            </a:lvl8pPr>
+            <a:lvl9pPr marL="3886200" indent="-228600" eaLnBrk="0" fontAlgn="base" hangingPunct="0">
+              <a:spcBef>
+                <a:spcPct val="0"/>
+              </a:spcBef>
+              <a:spcAft>
+                <a:spcPct val="0"/>
+              </a:spcAft>
+              <a:defRPr>
+                <a:solidFill>
+                  <a:schemeClr val="tx1"/>
+                </a:solidFill>
+                <a:latin typeface="Calibri" panose="020F0502020204030204" pitchFamily="34" charset="0"/>
+              </a:defRPr>
+            </a:lvl9pPr>
+          </a:lstStyle>
+          <a:p>
+            <a:pPr algn="ctr" eaLnBrk="1" hangingPunct="1"/>
+            <a:r>
+              <a:rPr lang="en-US" altLang="en-US" sz="1200" dirty="0">
+                <a:latin typeface="Arial" panose="020B0604020202020204" pitchFamily="34" charset="0"/>
+                <a:ea typeface="Amazon Ember" panose="020B0603020204020204" pitchFamily="34" charset="0"/>
+                <a:cs typeface="Arial" panose="020B0604020202020204" pitchFamily="34" charset="0"/>
+              </a:rPr>
+              <a:t>CNFW ENI</a:t>
+            </a:r>
+          </a:p>
+        </p:txBody>
+      </p:sp>
+      <p:pic>
+        <p:nvPicPr>
+          <p:cNvPr id="110" name="Graphic 37">
+            <a:extLst>
+              <a:ext uri="{FF2B5EF4-FFF2-40B4-BE49-F238E27FC236}">
+                <a16:creationId xmlns:a16="http://schemas.microsoft.com/office/drawing/2014/main" id="{DAF88072-C013-44C5-9DA1-585A6C4FFB5D}"/>
+              </a:ext>
+            </a:extLst>
+          </p:cNvPr>
+          <p:cNvPicPr>
+            <a:picLocks noChangeAspect="1" noChangeArrowheads="1"/>
+          </p:cNvPicPr>
+          <p:nvPr/>
+        </p:nvPicPr>
+        <p:blipFill>
+          <a:blip r:embed="rId8">
+            <a:extLst>
+              <a:ext uri="{28A0092B-C50C-407E-A947-70E740481C1C}">
+                <a14:useLocalDpi xmlns:a14="http://schemas.microsoft.com/office/drawing/2010/main" val="0"/>
+              </a:ext>
+            </a:extLst>
+          </a:blip>
+          <a:srcRect/>
+          <a:stretch>
+            <a:fillRect/>
+          </a:stretch>
+        </p:blipFill>
+        <p:spPr bwMode="auto">
+          <a:xfrm>
+            <a:off x="10453406" y="7762984"/>
+            <a:ext cx="457200" cy="457200"/>
+          </a:xfrm>
+          <a:prstGeom prst="rect">
+            <a:avLst/>
+          </a:prstGeom>
+          <a:noFill/>
+          <a:ln>
+            <a:noFill/>
+          </a:ln>
+          <a:extLst>
+            <a:ext uri="{909E8E84-426E-40DD-AFC4-6F175D3DCCD1}">
+              <a14:hiddenFill xmlns:a14="http://schemas.microsoft.com/office/drawing/2010/main">
+                <a:solidFill>
+                  <a:srgbClr val="FFFFFF"/>
+                </a:solidFill>
+              </a14:hiddenFill>
+            </a:ext>
+            <a:ext uri="{91240B29-F687-4F45-9708-019B960494DF}">
+              <a14:hiddenLine xmlns:a14="http://schemas.microsoft.com/office/drawing/2010/main" w="9525">
+                <a:solidFill>
+                  <a:srgbClr val="000000"/>
+                </a:solidFill>
+                <a:miter lim="800000"/>
+                <a:headEnd/>
+                <a:tailEnd/>
+              </a14:hiddenLine>
+            </a:ext>
+          </a:extLst>
+        </p:spPr>
+      </p:pic>
+      <p:sp>
+        <p:nvSpPr>
+          <p:cNvPr id="111" name="Rectangle 110">
+            <a:extLst>
+              <a:ext uri="{FF2B5EF4-FFF2-40B4-BE49-F238E27FC236}">
+                <a16:creationId xmlns:a16="http://schemas.microsoft.com/office/drawing/2014/main" id="{69B8D7CF-CB2F-450A-9456-5F8AFD955910}"/>
+              </a:ext>
+            </a:extLst>
+          </p:cNvPr>
+          <p:cNvSpPr/>
+          <p:nvPr/>
+        </p:nvSpPr>
+        <p:spPr>
+          <a:xfrm>
+            <a:off x="9465598" y="6243011"/>
+            <a:ext cx="2432817" cy="1112367"/>
+          </a:xfrm>
+          <a:prstGeom prst="rect">
+            <a:avLst/>
+          </a:prstGeom>
+          <a:solidFill>
+            <a:srgbClr val="1D8900">
+              <a:alpha val="9804"/>
+            </a:srgbClr>
+          </a:solidFill>
+          <a:ln w="12700">
+            <a:noFill/>
+            <a:prstDash val="dash"/>
+          </a:ln>
+        </p:spPr>
+        <p:style>
+          <a:lnRef idx="2">
+            <a:schemeClr val="accent1">
+              <a:shade val="50000"/>
+            </a:schemeClr>
+          </a:lnRef>
+          <a:fillRef idx="1">
+            <a:schemeClr val="accent1"/>
+          </a:fillRef>
+          <a:effectRef idx="0">
+            <a:schemeClr val="accent1"/>
+          </a:effectRef>
+          <a:fontRef idx="minor">
+            <a:schemeClr val="lt1"/>
+          </a:fontRef>
+        </p:style>
+        <p:txBody>
+          <a:bodyPr lIns="502920"/>
+          <a:lstStyle/>
+          <a:p>
+            <a:pPr eaLnBrk="1" fontAlgn="auto" hangingPunct="1">
+              <a:spcBef>
+                <a:spcPts val="0"/>
+              </a:spcBef>
+              <a:spcAft>
+                <a:spcPts val="0"/>
+              </a:spcAft>
+              <a:defRPr/>
+            </a:pPr>
+            <a:r>
+              <a:rPr lang="en-US" sz="1200" dirty="0">
+                <a:solidFill>
+                  <a:srgbClr val="1E8900"/>
+                </a:solidFill>
+                <a:latin typeface="Arial" panose="020B0604020202020204" pitchFamily="34" charset="0"/>
+                <a:cs typeface="Arial" panose="020B0604020202020204" pitchFamily="34" charset="0"/>
+              </a:rPr>
+              <a:t>Outside subnet</a:t>
+            </a:r>
+          </a:p>
+        </p:txBody>
+      </p:sp>
+      <p:pic>
+        <p:nvPicPr>
+          <p:cNvPr id="112" name="Graphic 111">
+            <a:extLst>
+              <a:ext uri="{FF2B5EF4-FFF2-40B4-BE49-F238E27FC236}">
+                <a16:creationId xmlns:a16="http://schemas.microsoft.com/office/drawing/2014/main" id="{28781CBE-CEB8-4647-BDBD-8200391CB150}"/>
+              </a:ext>
+            </a:extLst>
+          </p:cNvPr>
+          <p:cNvPicPr>
+            <a:picLocks noChangeAspect="1"/>
+          </p:cNvPicPr>
+          <p:nvPr/>
+        </p:nvPicPr>
+        <p:blipFill>
+          <a:blip r:embed="rId6">
+            <a:extLst>
+              <a:ext uri="{96DAC541-7B7A-43D3-8B79-37D633B846F1}">
+                <asvg:svgBlip xmlns:asvg="http://schemas.microsoft.com/office/drawing/2016/SVG/main" r:embed="rId7"/>
+              </a:ext>
+            </a:extLst>
+          </a:blip>
+          <a:stretch>
+            <a:fillRect/>
+          </a:stretch>
+        </p:blipFill>
+        <p:spPr>
+          <a:xfrm>
+            <a:off x="9464824" y="6245352"/>
+            <a:ext cx="381000" cy="381000"/>
+          </a:xfrm>
+          <a:prstGeom prst="rect">
+            <a:avLst/>
+          </a:prstGeom>
+        </p:spPr>
+      </p:pic>
+      <p:grpSp>
+        <p:nvGrpSpPr>
+          <p:cNvPr id="113" name="Group 112">
+            <a:extLst>
+              <a:ext uri="{FF2B5EF4-FFF2-40B4-BE49-F238E27FC236}">
+                <a16:creationId xmlns:a16="http://schemas.microsoft.com/office/drawing/2014/main" id="{7DF69B8D-90F2-4918-9669-3947436DCBCD}"/>
+              </a:ext>
+            </a:extLst>
+          </p:cNvPr>
+          <p:cNvGrpSpPr/>
+          <p:nvPr/>
+        </p:nvGrpSpPr>
+        <p:grpSpPr>
+          <a:xfrm>
+            <a:off x="10010580" y="6567748"/>
+            <a:ext cx="1342852" cy="724979"/>
+            <a:chOff x="6176476" y="6812288"/>
+            <a:chExt cx="1342852" cy="724979"/>
+          </a:xfrm>
+        </p:grpSpPr>
+        <p:sp>
+          <p:nvSpPr>
+            <p:cNvPr id="114" name="TextBox 18">
+              <a:extLst>
+                <a:ext uri="{FF2B5EF4-FFF2-40B4-BE49-F238E27FC236}">
+                  <a16:creationId xmlns:a16="http://schemas.microsoft.com/office/drawing/2014/main" id="{DBACF51E-37B8-4554-91C3-EF4A20791EF8}"/>
+                </a:ext>
+              </a:extLst>
+            </p:cNvPr>
+            <p:cNvSpPr txBox="1">
+              <a:spLocks noChangeArrowheads="1"/>
+            </p:cNvSpPr>
+            <p:nvPr/>
+          </p:nvSpPr>
+          <p:spPr bwMode="auto">
+            <a:xfrm>
+              <a:off x="6176476" y="7260268"/>
+              <a:ext cx="1342852" cy="276999"/>
+            </a:xfrm>
+            <a:prstGeom prst="rect">
+              <a:avLst/>
+            </a:prstGeom>
+            <a:noFill/>
+            <a:ln>
+              <a:noFill/>
+            </a:ln>
+            <a:extLst>
+              <a:ext uri="{909E8E84-426E-40DD-AFC4-6F175D3DCCD1}">
+                <a14:hiddenFill xmlns:a14="http://schemas.microsoft.com/office/drawing/2010/main">
+                  <a:solidFill>
+                    <a:srgbClr val="FFFFFF"/>
+                  </a:solidFill>
+                </a14:hiddenFill>
+              </a:ext>
+              <a:ext uri="{91240B29-F687-4F45-9708-019B960494DF}">
+                <a14:hiddenLine xmlns:a14="http://schemas.microsoft.com/office/drawing/2010/main" w="9525">
+                  <a:solidFill>
+                    <a:srgbClr val="000000"/>
+                  </a:solidFill>
+                  <a:miter lim="800000"/>
+                  <a:headEnd/>
+                  <a:tailEnd/>
+                </a14:hiddenLine>
+              </a:ext>
+            </a:extLst>
+          </p:spPr>
+          <p:txBody>
+            <a:bodyPr wrap="square">
+              <a:spAutoFit/>
+            </a:bodyPr>
+            <a:lstStyle>
+              <a:lvl1pPr>
+                <a:defRPr>
+                  <a:solidFill>
+                    <a:schemeClr val="tx1"/>
+                  </a:solidFill>
+                  <a:latin typeface="Calibri" panose="020F0502020204030204" pitchFamily="34" charset="0"/>
+                </a:defRPr>
+              </a:lvl1pPr>
+              <a:lvl2pPr marL="742950" indent="-285750">
+                <a:defRPr>
+                  <a:solidFill>
+                    <a:schemeClr val="tx1"/>
+                  </a:solidFill>
+                  <a:latin typeface="Calibri" panose="020F0502020204030204" pitchFamily="34" charset="0"/>
+                </a:defRPr>
+              </a:lvl2pPr>
+              <a:lvl3pPr marL="1143000" indent="-228600">
+                <a:defRPr>
+                  <a:solidFill>
+                    <a:schemeClr val="tx1"/>
+                  </a:solidFill>
+                  <a:latin typeface="Calibri" panose="020F0502020204030204" pitchFamily="34" charset="0"/>
+                </a:defRPr>
+              </a:lvl3pPr>
+              <a:lvl4pPr marL="1600200" indent="-228600">
+                <a:defRPr>
+                  <a:solidFill>
+                    <a:schemeClr val="tx1"/>
+                  </a:solidFill>
+                  <a:latin typeface="Calibri" panose="020F0502020204030204" pitchFamily="34" charset="0"/>
+                </a:defRPr>
+              </a:lvl4pPr>
+              <a:lvl5pPr marL="2057400" indent="-228600">
+                <a:defRPr>
+                  <a:solidFill>
+                    <a:schemeClr val="tx1"/>
+                  </a:solidFill>
+                  <a:latin typeface="Calibri" panose="020F0502020204030204" pitchFamily="34" charset="0"/>
+                </a:defRPr>
+              </a:lvl5pPr>
+              <a:lvl6pPr marL="2514600" indent="-228600" eaLnBrk="0" fontAlgn="base" hangingPunct="0">
+                <a:spcBef>
+                  <a:spcPct val="0"/>
+                </a:spcBef>
+                <a:spcAft>
+                  <a:spcPct val="0"/>
+                </a:spcAft>
+                <a:defRPr>
+                  <a:solidFill>
+                    <a:schemeClr val="tx1"/>
+                  </a:solidFill>
+                  <a:latin typeface="Calibri" panose="020F0502020204030204" pitchFamily="34" charset="0"/>
+                </a:defRPr>
+              </a:lvl6pPr>
+              <a:lvl7pPr marL="2971800" indent="-228600" eaLnBrk="0" fontAlgn="base" hangingPunct="0">
+                <a:spcBef>
+                  <a:spcPct val="0"/>
+                </a:spcBef>
+                <a:spcAft>
+                  <a:spcPct val="0"/>
+                </a:spcAft>
+                <a:defRPr>
+                  <a:solidFill>
+                    <a:schemeClr val="tx1"/>
+                  </a:solidFill>
+                  <a:latin typeface="Calibri" panose="020F0502020204030204" pitchFamily="34" charset="0"/>
+                </a:defRPr>
+              </a:lvl7pPr>
+              <a:lvl8pPr marL="3429000" indent="-228600" eaLnBrk="0" fontAlgn="base" hangingPunct="0">
+                <a:spcBef>
+                  <a:spcPct val="0"/>
+                </a:spcBef>
+                <a:spcAft>
+                  <a:spcPct val="0"/>
+                </a:spcAft>
+                <a:defRPr>
+                  <a:solidFill>
+                    <a:schemeClr val="tx1"/>
+                  </a:solidFill>
+                  <a:latin typeface="Calibri" panose="020F0502020204030204" pitchFamily="34" charset="0"/>
+                </a:defRPr>
+              </a:lvl8pPr>
+              <a:lvl9pPr marL="3886200" indent="-228600" eaLnBrk="0" fontAlgn="base" hangingPunct="0">
+                <a:spcBef>
+                  <a:spcPct val="0"/>
+                </a:spcBef>
+                <a:spcAft>
+                  <a:spcPct val="0"/>
+                </a:spcAft>
+                <a:defRPr>
+                  <a:solidFill>
+                    <a:schemeClr val="tx1"/>
+                  </a:solidFill>
+                  <a:latin typeface="Calibri" panose="020F0502020204030204" pitchFamily="34" charset="0"/>
+                </a:defRPr>
+              </a:lvl9pPr>
+            </a:lstStyle>
+            <a:p>
+              <a:pPr algn="ctr" eaLnBrk="1" hangingPunct="1"/>
+              <a:r>
+                <a:rPr lang="en-US" altLang="en-US" sz="1200" dirty="0">
+                  <a:latin typeface="Arial" panose="020B0604020202020204" pitchFamily="34" charset="0"/>
+                  <a:ea typeface="Amazon Ember" panose="020B0603020204020204" pitchFamily="34" charset="0"/>
+                  <a:cs typeface="Arial" panose="020B0604020202020204" pitchFamily="34" charset="0"/>
+                </a:rPr>
+                <a:t>CFNW ENI</a:t>
+              </a:r>
+            </a:p>
+          </p:txBody>
+        </p:sp>
+        <p:pic>
+          <p:nvPicPr>
+            <p:cNvPr id="115" name="Graphic 37">
+              <a:extLst>
+                <a:ext uri="{FF2B5EF4-FFF2-40B4-BE49-F238E27FC236}">
+                  <a16:creationId xmlns:a16="http://schemas.microsoft.com/office/drawing/2014/main" id="{D2234836-19C3-4C7E-8409-DE9BEC09D3E7}"/>
+                </a:ext>
+              </a:extLst>
+            </p:cNvPr>
+            <p:cNvPicPr>
+              <a:picLocks noChangeAspect="1" noChangeArrowheads="1"/>
+            </p:cNvPicPr>
+            <p:nvPr/>
+          </p:nvPicPr>
+          <p:blipFill>
+            <a:blip r:embed="rId8">
+              <a:extLst>
+                <a:ext uri="{28A0092B-C50C-407E-A947-70E740481C1C}">
+                  <a14:useLocalDpi xmlns:a14="http://schemas.microsoft.com/office/drawing/2010/main" val="0"/>
+                </a:ext>
+              </a:extLst>
+            </a:blip>
+            <a:srcRect/>
+            <a:stretch>
+              <a:fillRect/>
+            </a:stretch>
+          </p:blipFill>
+          <p:spPr bwMode="auto">
+            <a:xfrm>
+              <a:off x="6619302" y="6812288"/>
+              <a:ext cx="457200" cy="457200"/>
+            </a:xfrm>
+            <a:prstGeom prst="rect">
+              <a:avLst/>
+            </a:prstGeom>
+            <a:noFill/>
+            <a:ln>
+              <a:noFill/>
+            </a:ln>
+            <a:extLst>
+              <a:ext uri="{909E8E84-426E-40DD-AFC4-6F175D3DCCD1}">
+                <a14:hiddenFill xmlns:a14="http://schemas.microsoft.com/office/drawing/2010/main">
+                  <a:solidFill>
+                    <a:srgbClr val="FFFFFF"/>
+                  </a:solidFill>
+                </a14:hiddenFill>
+              </a:ext>
+              <a:ext uri="{91240B29-F687-4F45-9708-019B960494DF}">
+                <a14:hiddenLine xmlns:a14="http://schemas.microsoft.com/office/drawing/2010/main" w="9525">
+                  <a:solidFill>
+                    <a:srgbClr val="000000"/>
+                  </a:solidFill>
+                  <a:miter lim="800000"/>
+                  <a:headEnd/>
+                  <a:tailEnd/>
+                </a14:hiddenLine>
+              </a:ext>
+            </a:extLst>
+          </p:spPr>
+        </p:pic>
+      </p:grpSp>
+      <p:sp>
+        <p:nvSpPr>
+          <p:cNvPr id="116" name="Rectangle 115">
+            <a:extLst>
+              <a:ext uri="{FF2B5EF4-FFF2-40B4-BE49-F238E27FC236}">
+                <a16:creationId xmlns:a16="http://schemas.microsoft.com/office/drawing/2014/main" id="{CFFEEF6E-AD01-456B-9AEA-D08B35643BC0}"/>
+              </a:ext>
+            </a:extLst>
+          </p:cNvPr>
+          <p:cNvSpPr/>
+          <p:nvPr/>
+        </p:nvSpPr>
+        <p:spPr>
+          <a:xfrm>
+            <a:off x="9465598" y="5047838"/>
+            <a:ext cx="2432817" cy="1112367"/>
+          </a:xfrm>
+          <a:prstGeom prst="rect">
+            <a:avLst/>
+          </a:prstGeom>
+          <a:solidFill>
+            <a:srgbClr val="1D8900">
+              <a:alpha val="9804"/>
+            </a:srgbClr>
+          </a:solidFill>
+          <a:ln w="12700">
+            <a:noFill/>
+            <a:prstDash val="dash"/>
+          </a:ln>
+        </p:spPr>
+        <p:style>
+          <a:lnRef idx="2">
+            <a:schemeClr val="accent1">
+              <a:shade val="50000"/>
+            </a:schemeClr>
+          </a:lnRef>
+          <a:fillRef idx="1">
+            <a:schemeClr val="accent1"/>
+          </a:fillRef>
+          <a:effectRef idx="0">
+            <a:schemeClr val="accent1"/>
+          </a:effectRef>
+          <a:fontRef idx="minor">
+            <a:schemeClr val="lt1"/>
+          </a:fontRef>
+        </p:style>
+        <p:txBody>
+          <a:bodyPr lIns="502920"/>
+          <a:lstStyle/>
+          <a:p>
+            <a:pPr eaLnBrk="1" fontAlgn="auto" hangingPunct="1">
+              <a:spcBef>
+                <a:spcPts val="0"/>
+              </a:spcBef>
+              <a:spcAft>
+                <a:spcPts val="0"/>
+              </a:spcAft>
+              <a:defRPr/>
+            </a:pPr>
+            <a:r>
+              <a:rPr lang="en-US" sz="1200" dirty="0">
+                <a:solidFill>
+                  <a:srgbClr val="1E8900"/>
+                </a:solidFill>
+                <a:latin typeface="Arial" panose="020B0604020202020204" pitchFamily="34" charset="0"/>
+                <a:cs typeface="Arial" panose="020B0604020202020204" pitchFamily="34" charset="0"/>
+              </a:rPr>
+              <a:t>Management subnet</a:t>
+            </a:r>
+          </a:p>
+        </p:txBody>
+      </p:sp>
+      <p:pic>
+        <p:nvPicPr>
+          <p:cNvPr id="117" name="Graphic 116">
+            <a:extLst>
+              <a:ext uri="{FF2B5EF4-FFF2-40B4-BE49-F238E27FC236}">
+                <a16:creationId xmlns:a16="http://schemas.microsoft.com/office/drawing/2014/main" id="{30603FE0-FA67-4D9A-B017-DE01832ECB4F}"/>
+              </a:ext>
+            </a:extLst>
+          </p:cNvPr>
+          <p:cNvPicPr>
+            <a:picLocks noChangeAspect="1"/>
+          </p:cNvPicPr>
+          <p:nvPr/>
+        </p:nvPicPr>
+        <p:blipFill>
+          <a:blip r:embed="rId6">
+            <a:extLst>
+              <a:ext uri="{96DAC541-7B7A-43D3-8B79-37D633B846F1}">
+                <asvg:svgBlip xmlns:asvg="http://schemas.microsoft.com/office/drawing/2016/SVG/main" r:embed="rId7"/>
+              </a:ext>
+            </a:extLst>
+          </a:blip>
+          <a:stretch>
+            <a:fillRect/>
+          </a:stretch>
+        </p:blipFill>
+        <p:spPr>
+          <a:xfrm>
+            <a:off x="9464824" y="5047488"/>
+            <a:ext cx="381000" cy="381000"/>
+          </a:xfrm>
+          <a:prstGeom prst="rect">
+            <a:avLst/>
+          </a:prstGeom>
+        </p:spPr>
+      </p:pic>
+      <p:grpSp>
+        <p:nvGrpSpPr>
+          <p:cNvPr id="118" name="Group 117">
+            <a:extLst>
+              <a:ext uri="{FF2B5EF4-FFF2-40B4-BE49-F238E27FC236}">
+                <a16:creationId xmlns:a16="http://schemas.microsoft.com/office/drawing/2014/main" id="{D4E0C3D8-5B6F-4BD1-82CF-8BF4F1E9D435}"/>
+              </a:ext>
+            </a:extLst>
+          </p:cNvPr>
+          <p:cNvGrpSpPr/>
+          <p:nvPr/>
+        </p:nvGrpSpPr>
+        <p:grpSpPr>
+          <a:xfrm>
+            <a:off x="10010580" y="5372575"/>
+            <a:ext cx="1342852" cy="724979"/>
+            <a:chOff x="6176476" y="5617115"/>
+            <a:chExt cx="1342852" cy="724979"/>
+          </a:xfrm>
+        </p:grpSpPr>
+        <p:sp>
+          <p:nvSpPr>
+            <p:cNvPr id="119" name="TextBox 18">
+              <a:extLst>
+                <a:ext uri="{FF2B5EF4-FFF2-40B4-BE49-F238E27FC236}">
+                  <a16:creationId xmlns:a16="http://schemas.microsoft.com/office/drawing/2014/main" id="{2D4AD1A7-7E3A-4F2F-B4B0-B3C6F72E3E67}"/>
+                </a:ext>
+              </a:extLst>
+            </p:cNvPr>
+            <p:cNvSpPr txBox="1">
+              <a:spLocks noChangeArrowheads="1"/>
+            </p:cNvSpPr>
+            <p:nvPr/>
+          </p:nvSpPr>
+          <p:spPr bwMode="auto">
+            <a:xfrm>
+              <a:off x="6176476" y="6065095"/>
+              <a:ext cx="1342852" cy="276999"/>
+            </a:xfrm>
+            <a:prstGeom prst="rect">
+              <a:avLst/>
+            </a:prstGeom>
+            <a:noFill/>
+            <a:ln>
+              <a:noFill/>
+            </a:ln>
+            <a:extLst>
+              <a:ext uri="{909E8E84-426E-40DD-AFC4-6F175D3DCCD1}">
+                <a14:hiddenFill xmlns:a14="http://schemas.microsoft.com/office/drawing/2010/main">
+                  <a:solidFill>
+                    <a:srgbClr val="FFFFFF"/>
+                  </a:solidFill>
+                </a14:hiddenFill>
+              </a:ext>
+              <a:ext uri="{91240B29-F687-4F45-9708-019B960494DF}">
+                <a14:hiddenLine xmlns:a14="http://schemas.microsoft.com/office/drawing/2010/main" w="9525">
+                  <a:solidFill>
+                    <a:srgbClr val="000000"/>
+                  </a:solidFill>
+                  <a:miter lim="800000"/>
+                  <a:headEnd/>
+                  <a:tailEnd/>
+                </a14:hiddenLine>
+              </a:ext>
+            </a:extLst>
+          </p:spPr>
+          <p:txBody>
+            <a:bodyPr wrap="square">
+              <a:spAutoFit/>
+            </a:bodyPr>
+            <a:lstStyle>
+              <a:lvl1pPr>
+                <a:defRPr>
+                  <a:solidFill>
+                    <a:schemeClr val="tx1"/>
+                  </a:solidFill>
+                  <a:latin typeface="Calibri" panose="020F0502020204030204" pitchFamily="34" charset="0"/>
+                </a:defRPr>
+              </a:lvl1pPr>
+              <a:lvl2pPr marL="742950" indent="-285750">
+                <a:defRPr>
+                  <a:solidFill>
+                    <a:schemeClr val="tx1"/>
+                  </a:solidFill>
+                  <a:latin typeface="Calibri" panose="020F0502020204030204" pitchFamily="34" charset="0"/>
+                </a:defRPr>
+              </a:lvl2pPr>
+              <a:lvl3pPr marL="1143000" indent="-228600">
+                <a:defRPr>
+                  <a:solidFill>
+                    <a:schemeClr val="tx1"/>
+                  </a:solidFill>
+                  <a:latin typeface="Calibri" panose="020F0502020204030204" pitchFamily="34" charset="0"/>
+                </a:defRPr>
+              </a:lvl3pPr>
+              <a:lvl4pPr marL="1600200" indent="-228600">
+                <a:defRPr>
+                  <a:solidFill>
+                    <a:schemeClr val="tx1"/>
+                  </a:solidFill>
+                  <a:latin typeface="Calibri" panose="020F0502020204030204" pitchFamily="34" charset="0"/>
+                </a:defRPr>
+              </a:lvl4pPr>
+              <a:lvl5pPr marL="2057400" indent="-228600">
+                <a:defRPr>
+                  <a:solidFill>
+                    <a:schemeClr val="tx1"/>
+                  </a:solidFill>
+                  <a:latin typeface="Calibri" panose="020F0502020204030204" pitchFamily="34" charset="0"/>
+                </a:defRPr>
+              </a:lvl5pPr>
+              <a:lvl6pPr marL="2514600" indent="-228600" eaLnBrk="0" fontAlgn="base" hangingPunct="0">
+                <a:spcBef>
+                  <a:spcPct val="0"/>
+                </a:spcBef>
+                <a:spcAft>
+                  <a:spcPct val="0"/>
+                </a:spcAft>
+                <a:defRPr>
+                  <a:solidFill>
+                    <a:schemeClr val="tx1"/>
+                  </a:solidFill>
+                  <a:latin typeface="Calibri" panose="020F0502020204030204" pitchFamily="34" charset="0"/>
+                </a:defRPr>
+              </a:lvl6pPr>
+              <a:lvl7pPr marL="2971800" indent="-228600" eaLnBrk="0" fontAlgn="base" hangingPunct="0">
+                <a:spcBef>
+                  <a:spcPct val="0"/>
+                </a:spcBef>
+                <a:spcAft>
+                  <a:spcPct val="0"/>
+                </a:spcAft>
+                <a:defRPr>
+                  <a:solidFill>
+                    <a:schemeClr val="tx1"/>
+                  </a:solidFill>
+                  <a:latin typeface="Calibri" panose="020F0502020204030204" pitchFamily="34" charset="0"/>
+                </a:defRPr>
+              </a:lvl7pPr>
+              <a:lvl8pPr marL="3429000" indent="-228600" eaLnBrk="0" fontAlgn="base" hangingPunct="0">
+                <a:spcBef>
+                  <a:spcPct val="0"/>
+                </a:spcBef>
+                <a:spcAft>
+                  <a:spcPct val="0"/>
+                </a:spcAft>
+                <a:defRPr>
+                  <a:solidFill>
+                    <a:schemeClr val="tx1"/>
+                  </a:solidFill>
+                  <a:latin typeface="Calibri" panose="020F0502020204030204" pitchFamily="34" charset="0"/>
+                </a:defRPr>
+              </a:lvl8pPr>
+              <a:lvl9pPr marL="3886200" indent="-228600" eaLnBrk="0" fontAlgn="base" hangingPunct="0">
+                <a:spcBef>
+                  <a:spcPct val="0"/>
+                </a:spcBef>
+                <a:spcAft>
+                  <a:spcPct val="0"/>
+                </a:spcAft>
+                <a:defRPr>
+                  <a:solidFill>
+                    <a:schemeClr val="tx1"/>
+                  </a:solidFill>
+                  <a:latin typeface="Calibri" panose="020F0502020204030204" pitchFamily="34" charset="0"/>
+                </a:defRPr>
+              </a:lvl9pPr>
+            </a:lstStyle>
+            <a:p>
+              <a:pPr algn="ctr" eaLnBrk="1" hangingPunct="1"/>
+              <a:r>
+                <a:rPr lang="en-US" altLang="en-US" sz="1200" dirty="0">
+                  <a:latin typeface="Arial" panose="020B0604020202020204" pitchFamily="34" charset="0"/>
+                  <a:ea typeface="Amazon Ember" panose="020B0603020204020204" pitchFamily="34" charset="0"/>
+                  <a:cs typeface="Arial" panose="020B0604020202020204" pitchFamily="34" charset="0"/>
+                </a:rPr>
+                <a:t>CFNW ENI</a:t>
+              </a:r>
+            </a:p>
+          </p:txBody>
+        </p:sp>
+        <p:pic>
+          <p:nvPicPr>
+            <p:cNvPr id="120" name="Graphic 37">
+              <a:extLst>
+                <a:ext uri="{FF2B5EF4-FFF2-40B4-BE49-F238E27FC236}">
+                  <a16:creationId xmlns:a16="http://schemas.microsoft.com/office/drawing/2014/main" id="{0A72A2C6-1D6A-4978-BD06-9317BA883929}"/>
+                </a:ext>
+              </a:extLst>
+            </p:cNvPr>
+            <p:cNvPicPr>
+              <a:picLocks noChangeAspect="1" noChangeArrowheads="1"/>
+            </p:cNvPicPr>
+            <p:nvPr/>
+          </p:nvPicPr>
+          <p:blipFill>
+            <a:blip r:embed="rId8">
+              <a:extLst>
+                <a:ext uri="{28A0092B-C50C-407E-A947-70E740481C1C}">
+                  <a14:useLocalDpi xmlns:a14="http://schemas.microsoft.com/office/drawing/2010/main" val="0"/>
+                </a:ext>
+              </a:extLst>
+            </a:blip>
+            <a:srcRect/>
+            <a:stretch>
+              <a:fillRect/>
+            </a:stretch>
+          </p:blipFill>
+          <p:spPr bwMode="auto">
+            <a:xfrm>
+              <a:off x="6619302" y="5617115"/>
+              <a:ext cx="457200" cy="457200"/>
+            </a:xfrm>
+            <a:prstGeom prst="rect">
+              <a:avLst/>
+            </a:prstGeom>
+            <a:noFill/>
+            <a:ln>
+              <a:noFill/>
+            </a:ln>
+            <a:extLst>
+              <a:ext uri="{909E8E84-426E-40DD-AFC4-6F175D3DCCD1}">
+                <a14:hiddenFill xmlns:a14="http://schemas.microsoft.com/office/drawing/2010/main">
+                  <a:solidFill>
+                    <a:srgbClr val="FFFFFF"/>
+                  </a:solidFill>
+                </a14:hiddenFill>
+              </a:ext>
+              <a:ext uri="{91240B29-F687-4F45-9708-019B960494DF}">
+                <a14:hiddenLine xmlns:a14="http://schemas.microsoft.com/office/drawing/2010/main" w="9525">
+                  <a:solidFill>
+                    <a:srgbClr val="000000"/>
+                  </a:solidFill>
+                  <a:miter lim="800000"/>
+                  <a:headEnd/>
+                  <a:tailEnd/>
+                </a14:hiddenLine>
+              </a:ext>
+            </a:extLst>
+          </p:spPr>
+        </p:pic>
+      </p:grpSp>
+      <p:sp>
+        <p:nvSpPr>
+          <p:cNvPr id="123" name="TextBox 17">
+            <a:extLst>
+              <a:ext uri="{FF2B5EF4-FFF2-40B4-BE49-F238E27FC236}">
+                <a16:creationId xmlns:a16="http://schemas.microsoft.com/office/drawing/2014/main" id="{00C753BF-519C-4E34-A6F4-B7A568ED1F76}"/>
+              </a:ext>
+            </a:extLst>
+          </p:cNvPr>
+          <p:cNvSpPr txBox="1">
+            <a:spLocks noChangeArrowheads="1"/>
+          </p:cNvSpPr>
+          <p:nvPr/>
+        </p:nvSpPr>
+        <p:spPr bwMode="auto">
+          <a:xfrm>
+            <a:off x="10577570" y="2799307"/>
+            <a:ext cx="1093198" cy="276999"/>
+          </a:xfrm>
+          <a:prstGeom prst="rect">
+            <a:avLst/>
+          </a:prstGeom>
+          <a:noFill/>
+          <a:ln>
+            <a:noFill/>
+          </a:ln>
+          <a:extLst>
+            <a:ext uri="{909E8E84-426E-40DD-AFC4-6F175D3DCCD1}">
+              <a14:hiddenFill xmlns:a14="http://schemas.microsoft.com/office/drawing/2010/main">
+                <a:solidFill>
+                  <a:srgbClr val="FFFFFF"/>
+                </a:solidFill>
+              </a14:hiddenFill>
+            </a:ext>
+            <a:ext uri="{91240B29-F687-4F45-9708-019B960494DF}">
+              <a14:hiddenLine xmlns:a14="http://schemas.microsoft.com/office/drawing/2010/main" w="9525">
+                <a:solidFill>
+                  <a:srgbClr val="000000"/>
+                </a:solidFill>
+                <a:miter lim="800000"/>
+                <a:headEnd/>
+                <a:tailEnd/>
+              </a14:hiddenLine>
+            </a:ext>
+          </a:extLst>
+        </p:spPr>
+        <p:txBody>
+          <a:bodyPr wrap="square">
+            <a:spAutoFit/>
+          </a:bodyPr>
+          <a:lstStyle>
+            <a:lvl1pPr>
+              <a:defRPr>
+                <a:solidFill>
+                  <a:schemeClr val="tx1"/>
+                </a:solidFill>
+                <a:latin typeface="Calibri" panose="020F0502020204030204" pitchFamily="34" charset="0"/>
+              </a:defRPr>
+            </a:lvl1pPr>
+            <a:lvl2pPr marL="742950" indent="-285750">
+              <a:defRPr>
+                <a:solidFill>
+                  <a:schemeClr val="tx1"/>
+                </a:solidFill>
+                <a:latin typeface="Calibri" panose="020F0502020204030204" pitchFamily="34" charset="0"/>
+              </a:defRPr>
+            </a:lvl2pPr>
+            <a:lvl3pPr marL="1143000" indent="-228600">
+              <a:defRPr>
+                <a:solidFill>
+                  <a:schemeClr val="tx1"/>
+                </a:solidFill>
+                <a:latin typeface="Calibri" panose="020F0502020204030204" pitchFamily="34" charset="0"/>
+              </a:defRPr>
+            </a:lvl3pPr>
+            <a:lvl4pPr marL="1600200" indent="-228600">
+              <a:defRPr>
+                <a:solidFill>
+                  <a:schemeClr val="tx1"/>
+                </a:solidFill>
+                <a:latin typeface="Calibri" panose="020F0502020204030204" pitchFamily="34" charset="0"/>
+              </a:defRPr>
+            </a:lvl4pPr>
+            <a:lvl5pPr marL="2057400" indent="-228600">
+              <a:defRPr>
+                <a:solidFill>
+                  <a:schemeClr val="tx1"/>
+                </a:solidFill>
+                <a:latin typeface="Calibri" panose="020F0502020204030204" pitchFamily="34" charset="0"/>
+              </a:defRPr>
+            </a:lvl5pPr>
+            <a:lvl6pPr marL="2514600" indent="-228600" eaLnBrk="0" fontAlgn="base" hangingPunct="0">
+              <a:spcBef>
+                <a:spcPct val="0"/>
+              </a:spcBef>
+              <a:spcAft>
+                <a:spcPct val="0"/>
+              </a:spcAft>
+              <a:defRPr>
+                <a:solidFill>
+                  <a:schemeClr val="tx1"/>
+                </a:solidFill>
+                <a:latin typeface="Calibri" panose="020F0502020204030204" pitchFamily="34" charset="0"/>
+              </a:defRPr>
+            </a:lvl6pPr>
+            <a:lvl7pPr marL="2971800" indent="-228600" eaLnBrk="0" fontAlgn="base" hangingPunct="0">
+              <a:spcBef>
+                <a:spcPct val="0"/>
+              </a:spcBef>
+              <a:spcAft>
+                <a:spcPct val="0"/>
+              </a:spcAft>
+              <a:defRPr>
+                <a:solidFill>
+                  <a:schemeClr val="tx1"/>
+                </a:solidFill>
+                <a:latin typeface="Calibri" panose="020F0502020204030204" pitchFamily="34" charset="0"/>
+              </a:defRPr>
+            </a:lvl7pPr>
+            <a:lvl8pPr marL="3429000" indent="-228600" eaLnBrk="0" fontAlgn="base" hangingPunct="0">
+              <a:spcBef>
+                <a:spcPct val="0"/>
+              </a:spcBef>
+              <a:spcAft>
+                <a:spcPct val="0"/>
+              </a:spcAft>
+              <a:defRPr>
+                <a:solidFill>
+                  <a:schemeClr val="tx1"/>
+                </a:solidFill>
+                <a:latin typeface="Calibri" panose="020F0502020204030204" pitchFamily="34" charset="0"/>
+              </a:defRPr>
+            </a:lvl8pPr>
+            <a:lvl9pPr marL="3886200" indent="-228600" eaLnBrk="0" fontAlgn="base" hangingPunct="0">
+              <a:spcBef>
+                <a:spcPct val="0"/>
+              </a:spcBef>
+              <a:spcAft>
+                <a:spcPct val="0"/>
+              </a:spcAft>
+              <a:defRPr>
+                <a:solidFill>
+                  <a:schemeClr val="tx1"/>
+                </a:solidFill>
+                <a:latin typeface="Calibri" panose="020F0502020204030204" pitchFamily="34" charset="0"/>
+              </a:defRPr>
+            </a:lvl9pPr>
+          </a:lstStyle>
+          <a:p>
+            <a:pPr algn="ctr" eaLnBrk="1" hangingPunct="1"/>
+            <a:r>
+              <a:rPr lang="en-US" altLang="en-US" sz="1200" dirty="0">
+                <a:latin typeface="Arial" panose="020B0604020202020204" pitchFamily="34" charset="0"/>
+                <a:ea typeface="Amazon Ember" panose="020B0603020204020204" pitchFamily="34" charset="0"/>
+                <a:cs typeface="Arial" panose="020B0604020202020204" pitchFamily="34" charset="0"/>
+              </a:rPr>
+              <a:t>NAT gateway</a:t>
+            </a:r>
+          </a:p>
+        </p:txBody>
+      </p:sp>
+      <p:pic>
+        <p:nvPicPr>
+          <p:cNvPr id="124" name="Graphic 35">
+            <a:extLst>
+              <a:ext uri="{FF2B5EF4-FFF2-40B4-BE49-F238E27FC236}">
+                <a16:creationId xmlns:a16="http://schemas.microsoft.com/office/drawing/2014/main" id="{938041CD-2B98-446C-97BB-AD1ADB65BB17}"/>
+              </a:ext>
+            </a:extLst>
+          </p:cNvPr>
+          <p:cNvPicPr>
+            <a:picLocks noChangeAspect="1" noChangeArrowheads="1"/>
+          </p:cNvPicPr>
+          <p:nvPr/>
+        </p:nvPicPr>
+        <p:blipFill>
+          <a:blip r:embed="rId11">
+            <a:extLst>
+              <a:ext uri="{28A0092B-C50C-407E-A947-70E740481C1C}">
+                <a14:useLocalDpi xmlns:a14="http://schemas.microsoft.com/office/drawing/2010/main" val="0"/>
+              </a:ext>
+            </a:extLst>
+          </a:blip>
+          <a:srcRect/>
+          <a:stretch>
+            <a:fillRect/>
+          </a:stretch>
+        </p:blipFill>
+        <p:spPr bwMode="auto">
+          <a:xfrm>
+            <a:off x="10895569" y="2297003"/>
+            <a:ext cx="457200" cy="457200"/>
+          </a:xfrm>
+          <a:prstGeom prst="rect">
+            <a:avLst/>
+          </a:prstGeom>
+          <a:noFill/>
+          <a:ln>
+            <a:noFill/>
+          </a:ln>
+          <a:extLst>
+            <a:ext uri="{909E8E84-426E-40DD-AFC4-6F175D3DCCD1}">
+              <a14:hiddenFill xmlns:a14="http://schemas.microsoft.com/office/drawing/2010/main">
+                <a:solidFill>
+                  <a:srgbClr val="FFFFFF"/>
+                </a:solidFill>
+              </a14:hiddenFill>
+            </a:ext>
+            <a:ext uri="{91240B29-F687-4F45-9708-019B960494DF}">
+              <a14:hiddenLine xmlns:a14="http://schemas.microsoft.com/office/drawing/2010/main" w="9525">
+                <a:solidFill>
+                  <a:srgbClr val="000000"/>
+                </a:solidFill>
+                <a:miter lim="800000"/>
+                <a:headEnd/>
+                <a:tailEnd/>
+              </a14:hiddenLine>
+            </a:ext>
+          </a:extLst>
+        </p:spPr>
+      </p:pic>
+      <p:sp>
+        <p:nvSpPr>
+          <p:cNvPr id="69" name="TextBox 68">
+            <a:extLst>
+              <a:ext uri="{FF2B5EF4-FFF2-40B4-BE49-F238E27FC236}">
+                <a16:creationId xmlns:a16="http://schemas.microsoft.com/office/drawing/2014/main" id="{68D406B2-F883-4A55-A8DF-819DF2ECC5C7}"/>
+              </a:ext>
+            </a:extLst>
+          </p:cNvPr>
+          <p:cNvSpPr txBox="1">
+            <a:spLocks noChangeArrowheads="1"/>
+          </p:cNvSpPr>
+          <p:nvPr/>
+        </p:nvSpPr>
+        <p:spPr bwMode="auto">
+          <a:xfrm>
+            <a:off x="5971743" y="3684316"/>
+            <a:ext cx="1506538" cy="276999"/>
+          </a:xfrm>
+          <a:prstGeom prst="rect">
+            <a:avLst/>
+          </a:prstGeom>
+          <a:noFill/>
+          <a:ln>
+            <a:noFill/>
+          </a:ln>
+          <a:extLst>
+            <a:ext uri="{909E8E84-426E-40DD-AFC4-6F175D3DCCD1}">
+              <a14:hiddenFill xmlns:a14="http://schemas.microsoft.com/office/drawing/2010/main">
+                <a:solidFill>
+                  <a:srgbClr val="FFFFFF"/>
+                </a:solidFill>
+              </a14:hiddenFill>
+            </a:ext>
+            <a:ext uri="{91240B29-F687-4F45-9708-019B960494DF}">
+              <a14:hiddenLine xmlns:a14="http://schemas.microsoft.com/office/drawing/2010/main" w="9525">
+                <a:solidFill>
+                  <a:srgbClr val="000000"/>
+                </a:solidFill>
+                <a:miter lim="800000"/>
+                <a:headEnd/>
+                <a:tailEnd/>
+              </a14:hiddenLine>
+            </a:ext>
+          </a:extLst>
+        </p:spPr>
+        <p:txBody>
+          <a:bodyPr>
+            <a:spAutoFit/>
+          </a:bodyPr>
+          <a:lstStyle>
+            <a:lvl1pPr>
+              <a:defRPr>
+                <a:solidFill>
+                  <a:schemeClr val="tx1"/>
+                </a:solidFill>
+                <a:latin typeface="Calibri" panose="020F0502020204030204" pitchFamily="34" charset="0"/>
+              </a:defRPr>
+            </a:lvl1pPr>
+            <a:lvl2pPr marL="742950" indent="-285750">
+              <a:defRPr>
+                <a:solidFill>
+                  <a:schemeClr val="tx1"/>
+                </a:solidFill>
+                <a:latin typeface="Calibri" panose="020F0502020204030204" pitchFamily="34" charset="0"/>
+              </a:defRPr>
+            </a:lvl2pPr>
+            <a:lvl3pPr marL="1143000" indent="-228600">
+              <a:defRPr>
+                <a:solidFill>
+                  <a:schemeClr val="tx1"/>
+                </a:solidFill>
+                <a:latin typeface="Calibri" panose="020F0502020204030204" pitchFamily="34" charset="0"/>
+              </a:defRPr>
+            </a:lvl3pPr>
+            <a:lvl4pPr marL="1600200" indent="-228600">
+              <a:defRPr>
+                <a:solidFill>
+                  <a:schemeClr val="tx1"/>
+                </a:solidFill>
+                <a:latin typeface="Calibri" panose="020F0502020204030204" pitchFamily="34" charset="0"/>
+              </a:defRPr>
+            </a:lvl4pPr>
+            <a:lvl5pPr marL="2057400" indent="-228600">
+              <a:defRPr>
+                <a:solidFill>
+                  <a:schemeClr val="tx1"/>
+                </a:solidFill>
+                <a:latin typeface="Calibri" panose="020F0502020204030204" pitchFamily="34" charset="0"/>
+              </a:defRPr>
+            </a:lvl5pPr>
+            <a:lvl6pPr marL="2514600" indent="-228600" eaLnBrk="0" fontAlgn="base" hangingPunct="0">
+              <a:spcBef>
+                <a:spcPct val="0"/>
+              </a:spcBef>
+              <a:spcAft>
+                <a:spcPct val="0"/>
+              </a:spcAft>
+              <a:defRPr>
+                <a:solidFill>
+                  <a:schemeClr val="tx1"/>
+                </a:solidFill>
+                <a:latin typeface="Calibri" panose="020F0502020204030204" pitchFamily="34" charset="0"/>
+              </a:defRPr>
+            </a:lvl6pPr>
+            <a:lvl7pPr marL="2971800" indent="-228600" eaLnBrk="0" fontAlgn="base" hangingPunct="0">
+              <a:spcBef>
+                <a:spcPct val="0"/>
+              </a:spcBef>
+              <a:spcAft>
+                <a:spcPct val="0"/>
+              </a:spcAft>
+              <a:defRPr>
+                <a:solidFill>
+                  <a:schemeClr val="tx1"/>
+                </a:solidFill>
+                <a:latin typeface="Calibri" panose="020F0502020204030204" pitchFamily="34" charset="0"/>
+              </a:defRPr>
+            </a:lvl7pPr>
+            <a:lvl8pPr marL="3429000" indent="-228600" eaLnBrk="0" fontAlgn="base" hangingPunct="0">
+              <a:spcBef>
+                <a:spcPct val="0"/>
+              </a:spcBef>
+              <a:spcAft>
+                <a:spcPct val="0"/>
+              </a:spcAft>
+              <a:defRPr>
+                <a:solidFill>
+                  <a:schemeClr val="tx1"/>
+                </a:solidFill>
+                <a:latin typeface="Calibri" panose="020F0502020204030204" pitchFamily="34" charset="0"/>
+              </a:defRPr>
+            </a:lvl8pPr>
+            <a:lvl9pPr marL="3886200" indent="-228600" eaLnBrk="0" fontAlgn="base" hangingPunct="0">
+              <a:spcBef>
+                <a:spcPct val="0"/>
+              </a:spcBef>
+              <a:spcAft>
+                <a:spcPct val="0"/>
+              </a:spcAft>
+              <a:defRPr>
+                <a:solidFill>
+                  <a:schemeClr val="tx1"/>
+                </a:solidFill>
+                <a:latin typeface="Calibri" panose="020F0502020204030204" pitchFamily="34" charset="0"/>
+              </a:defRPr>
+            </a:lvl9pPr>
+          </a:lstStyle>
+          <a:p>
+            <a:pPr algn="ctr" eaLnBrk="1" hangingPunct="1"/>
+            <a:r>
+              <a:rPr lang="en-US" altLang="en-US" sz="1200" dirty="0">
+                <a:latin typeface="Arial" panose="020B0604020202020204" pitchFamily="34" charset="0"/>
+                <a:cs typeface="Arial" panose="020B0604020202020204" pitchFamily="34" charset="0"/>
+              </a:rPr>
+              <a:t>Control Point </a:t>
+            </a:r>
+          </a:p>
+        </p:txBody>
+      </p:sp>
+      <p:pic>
+        <p:nvPicPr>
+          <p:cNvPr id="73" name="Graphic 21">
+            <a:extLst>
+              <a:ext uri="{FF2B5EF4-FFF2-40B4-BE49-F238E27FC236}">
+                <a16:creationId xmlns:a16="http://schemas.microsoft.com/office/drawing/2014/main" id="{45514DC1-0FBD-4E35-89B2-17DE735FC2E8}"/>
+              </a:ext>
+            </a:extLst>
+          </p:cNvPr>
+          <p:cNvPicPr>
+            <a:picLocks noChangeAspect="1" noChangeArrowheads="1"/>
+          </p:cNvPicPr>
+          <p:nvPr/>
+        </p:nvPicPr>
+        <p:blipFill>
+          <a:blip r:embed="rId13">
+            <a:extLst>
+              <a:ext uri="{28A0092B-C50C-407E-A947-70E740481C1C}">
+                <a14:useLocalDpi xmlns:a14="http://schemas.microsoft.com/office/drawing/2010/main" val="0"/>
+              </a:ext>
+            </a:extLst>
+          </a:blip>
+          <a:srcRect/>
+          <a:stretch>
+            <a:fillRect/>
+          </a:stretch>
+        </p:blipFill>
+        <p:spPr bwMode="auto">
+          <a:xfrm>
+            <a:off x="2817025" y="3155499"/>
+            <a:ext cx="762000" cy="762000"/>
+          </a:xfrm>
+          <a:prstGeom prst="rect">
+            <a:avLst/>
+          </a:prstGeom>
+          <a:noFill/>
+          <a:ln>
+            <a:noFill/>
+          </a:ln>
+          <a:extLst>
+            <a:ext uri="{909E8E84-426E-40DD-AFC4-6F175D3DCCD1}">
+              <a14:hiddenFill xmlns:a14="http://schemas.microsoft.com/office/drawing/2010/main">
+                <a:solidFill>
+                  <a:srgbClr val="FFFFFF"/>
+                </a:solidFill>
+              </a14:hiddenFill>
+            </a:ext>
+            <a:ext uri="{91240B29-F687-4F45-9708-019B960494DF}">
+              <a14:hiddenLine xmlns:a14="http://schemas.microsoft.com/office/drawing/2010/main" w="9525">
+                <a:solidFill>
+                  <a:srgbClr val="000000"/>
+                </a:solidFill>
+                <a:miter lim="800000"/>
+                <a:headEnd/>
+                <a:tailEnd/>
+              </a14:hiddenLine>
+            </a:ext>
+          </a:extLst>
+        </p:spPr>
+      </p:pic>
+      <p:sp>
+        <p:nvSpPr>
+          <p:cNvPr id="74" name="TextBox 12">
+            <a:extLst>
+              <a:ext uri="{FF2B5EF4-FFF2-40B4-BE49-F238E27FC236}">
+                <a16:creationId xmlns:a16="http://schemas.microsoft.com/office/drawing/2014/main" id="{B31DC4F2-31E1-4B7D-B911-3CC1A767377A}"/>
+              </a:ext>
+            </a:extLst>
+          </p:cNvPr>
+          <p:cNvSpPr txBox="1">
+            <a:spLocks noChangeArrowheads="1"/>
+          </p:cNvSpPr>
+          <p:nvPr/>
+        </p:nvSpPr>
+        <p:spPr bwMode="auto">
+          <a:xfrm>
+            <a:off x="2058200" y="3947602"/>
+            <a:ext cx="2279650" cy="276999"/>
+          </a:xfrm>
+          <a:prstGeom prst="rect">
+            <a:avLst/>
+          </a:prstGeom>
+          <a:noFill/>
+          <a:ln>
+            <a:noFill/>
+          </a:ln>
+          <a:extLst>
+            <a:ext uri="{909E8E84-426E-40DD-AFC4-6F175D3DCCD1}">
+              <a14:hiddenFill xmlns:a14="http://schemas.microsoft.com/office/drawing/2010/main">
+                <a:solidFill>
+                  <a:srgbClr val="FFFFFF"/>
+                </a:solidFill>
+              </a14:hiddenFill>
+            </a:ext>
+            <a:ext uri="{91240B29-F687-4F45-9708-019B960494DF}">
+              <a14:hiddenLine xmlns:a14="http://schemas.microsoft.com/office/drawing/2010/main" w="9525">
+                <a:solidFill>
+                  <a:srgbClr val="000000"/>
+                </a:solidFill>
+                <a:miter lim="800000"/>
+                <a:headEnd/>
+                <a:tailEnd/>
+              </a14:hiddenLine>
+            </a:ext>
+          </a:extLst>
+        </p:spPr>
+        <p:txBody>
+          <a:bodyPr>
+            <a:spAutoFit/>
+          </a:bodyPr>
+          <a:lstStyle>
+            <a:lvl1pPr>
+              <a:defRPr>
+                <a:solidFill>
+                  <a:schemeClr val="tx1"/>
+                </a:solidFill>
+                <a:latin typeface="Calibri" panose="020F0502020204030204" pitchFamily="34" charset="0"/>
+              </a:defRPr>
+            </a:lvl1pPr>
+            <a:lvl2pPr marL="742950" indent="-285750">
+              <a:defRPr>
+                <a:solidFill>
+                  <a:schemeClr val="tx1"/>
+                </a:solidFill>
+                <a:latin typeface="Calibri" panose="020F0502020204030204" pitchFamily="34" charset="0"/>
+              </a:defRPr>
+            </a:lvl2pPr>
+            <a:lvl3pPr marL="1143000" indent="-228600">
+              <a:defRPr>
+                <a:solidFill>
+                  <a:schemeClr val="tx1"/>
+                </a:solidFill>
+                <a:latin typeface="Calibri" panose="020F0502020204030204" pitchFamily="34" charset="0"/>
+              </a:defRPr>
+            </a:lvl3pPr>
+            <a:lvl4pPr marL="1600200" indent="-228600">
+              <a:defRPr>
+                <a:solidFill>
+                  <a:schemeClr val="tx1"/>
+                </a:solidFill>
+                <a:latin typeface="Calibri" panose="020F0502020204030204" pitchFamily="34" charset="0"/>
+              </a:defRPr>
+            </a:lvl4pPr>
+            <a:lvl5pPr marL="2057400" indent="-228600">
+              <a:defRPr>
+                <a:solidFill>
+                  <a:schemeClr val="tx1"/>
+                </a:solidFill>
+                <a:latin typeface="Calibri" panose="020F0502020204030204" pitchFamily="34" charset="0"/>
+              </a:defRPr>
+            </a:lvl5pPr>
+            <a:lvl6pPr marL="2514600" indent="-228600" eaLnBrk="0" fontAlgn="base" hangingPunct="0">
+              <a:spcBef>
+                <a:spcPct val="0"/>
+              </a:spcBef>
+              <a:spcAft>
+                <a:spcPct val="0"/>
+              </a:spcAft>
+              <a:defRPr>
+                <a:solidFill>
+                  <a:schemeClr val="tx1"/>
+                </a:solidFill>
+                <a:latin typeface="Calibri" panose="020F0502020204030204" pitchFamily="34" charset="0"/>
+              </a:defRPr>
+            </a:lvl6pPr>
+            <a:lvl7pPr marL="2971800" indent="-228600" eaLnBrk="0" fontAlgn="base" hangingPunct="0">
+              <a:spcBef>
+                <a:spcPct val="0"/>
+              </a:spcBef>
+              <a:spcAft>
+                <a:spcPct val="0"/>
+              </a:spcAft>
+              <a:defRPr>
+                <a:solidFill>
+                  <a:schemeClr val="tx1"/>
+                </a:solidFill>
+                <a:latin typeface="Calibri" panose="020F0502020204030204" pitchFamily="34" charset="0"/>
+              </a:defRPr>
+            </a:lvl7pPr>
+            <a:lvl8pPr marL="3429000" indent="-228600" eaLnBrk="0" fontAlgn="base" hangingPunct="0">
+              <a:spcBef>
+                <a:spcPct val="0"/>
+              </a:spcBef>
+              <a:spcAft>
+                <a:spcPct val="0"/>
+              </a:spcAft>
+              <a:defRPr>
+                <a:solidFill>
+                  <a:schemeClr val="tx1"/>
+                </a:solidFill>
+                <a:latin typeface="Calibri" panose="020F0502020204030204" pitchFamily="34" charset="0"/>
+              </a:defRPr>
+            </a:lvl8pPr>
+            <a:lvl9pPr marL="3886200" indent="-228600" eaLnBrk="0" fontAlgn="base" hangingPunct="0">
+              <a:spcBef>
+                <a:spcPct val="0"/>
+              </a:spcBef>
+              <a:spcAft>
+                <a:spcPct val="0"/>
+              </a:spcAft>
+              <a:defRPr>
+                <a:solidFill>
+                  <a:schemeClr val="tx1"/>
+                </a:solidFill>
+                <a:latin typeface="Calibri" panose="020F0502020204030204" pitchFamily="34" charset="0"/>
+              </a:defRPr>
+            </a:lvl9pPr>
+          </a:lstStyle>
+          <a:p>
+            <a:pPr algn="ctr" eaLnBrk="1" hangingPunct="1"/>
+            <a:r>
+              <a:rPr lang="en-US" altLang="en-US" sz="1200" dirty="0">
+                <a:latin typeface="Arial" panose="020B0604020202020204" pitchFamily="34" charset="0"/>
+                <a:ea typeface="Amazon Ember" panose="020B0603020204020204" pitchFamily="34" charset="0"/>
+                <a:cs typeface="Arial" panose="020B0604020202020204" pitchFamily="34" charset="0"/>
+              </a:rPr>
+              <a:t>Amazon Route 53</a:t>
+            </a:r>
+          </a:p>
+        </p:txBody>
+      </p:sp>
+      <p:pic>
+        <p:nvPicPr>
+          <p:cNvPr id="75" name="Graphic 23">
+            <a:extLst>
+              <a:ext uri="{FF2B5EF4-FFF2-40B4-BE49-F238E27FC236}">
+                <a16:creationId xmlns:a16="http://schemas.microsoft.com/office/drawing/2014/main" id="{A33A3648-123E-462E-B072-421BF702C342}"/>
+              </a:ext>
+            </a:extLst>
+          </p:cNvPr>
+          <p:cNvPicPr>
+            <a:picLocks noChangeAspect="1" noChangeArrowheads="1"/>
+          </p:cNvPicPr>
+          <p:nvPr/>
+        </p:nvPicPr>
+        <p:blipFill>
+          <a:blip r:embed="rId14">
+            <a:extLst>
+              <a:ext uri="{96DAC541-7B7A-43D3-8B79-37D633B846F1}">
+                <asvg:svgBlip xmlns:asvg="http://schemas.microsoft.com/office/drawing/2016/SVG/main" r:embed="rId15"/>
+              </a:ext>
+            </a:extLst>
+          </a:blip>
+          <a:srcRect/>
+          <a:stretch/>
+        </p:blipFill>
+        <p:spPr bwMode="auto">
+          <a:xfrm flipH="1">
+            <a:off x="1717260" y="3301549"/>
+            <a:ext cx="469900" cy="469900"/>
+          </a:xfrm>
+          <a:prstGeom prst="rect">
+            <a:avLst/>
+          </a:prstGeom>
+          <a:noFill/>
+          <a:ln>
+            <a:noFill/>
+          </a:ln>
+          <a:extLst>
+            <a:ext uri="{909E8E84-426E-40DD-AFC4-6F175D3DCCD1}">
+              <a14:hiddenFill xmlns:a14="http://schemas.microsoft.com/office/drawing/2010/main">
+                <a:solidFill>
+                  <a:srgbClr val="FFFFFF"/>
+                </a:solidFill>
+              </a14:hiddenFill>
+            </a:ext>
+            <a:ext uri="{91240B29-F687-4F45-9708-019B960494DF}">
+              <a14:hiddenLine xmlns:a14="http://schemas.microsoft.com/office/drawing/2010/main" w="9525">
+                <a:solidFill>
+                  <a:srgbClr val="000000"/>
+                </a:solidFill>
+                <a:miter lim="800000"/>
+                <a:headEnd/>
+                <a:tailEnd/>
+              </a14:hiddenLine>
+            </a:ext>
+          </a:extLst>
+        </p:spPr>
+      </p:pic>
+      <p:sp>
+        <p:nvSpPr>
+          <p:cNvPr id="76" name="TextBox 40">
+            <a:extLst>
+              <a:ext uri="{FF2B5EF4-FFF2-40B4-BE49-F238E27FC236}">
+                <a16:creationId xmlns:a16="http://schemas.microsoft.com/office/drawing/2014/main" id="{F2FB803C-90DA-4B18-8C7F-18B125EE6DB1}"/>
+              </a:ext>
+            </a:extLst>
+          </p:cNvPr>
+          <p:cNvSpPr txBox="1">
+            <a:spLocks noChangeArrowheads="1"/>
+          </p:cNvSpPr>
+          <p:nvPr/>
+        </p:nvSpPr>
+        <p:spPr bwMode="auto">
+          <a:xfrm>
+            <a:off x="1415635" y="3947602"/>
+            <a:ext cx="1073150" cy="276999"/>
+          </a:xfrm>
+          <a:prstGeom prst="rect">
+            <a:avLst/>
+          </a:prstGeom>
+          <a:noFill/>
+          <a:ln>
+            <a:noFill/>
+          </a:ln>
+          <a:extLst>
+            <a:ext uri="{909E8E84-426E-40DD-AFC4-6F175D3DCCD1}">
+              <a14:hiddenFill xmlns:a14="http://schemas.microsoft.com/office/drawing/2010/main">
+                <a:solidFill>
+                  <a:srgbClr val="FFFFFF"/>
+                </a:solidFill>
+              </a14:hiddenFill>
+            </a:ext>
+            <a:ext uri="{91240B29-F687-4F45-9708-019B960494DF}">
+              <a14:hiddenLine xmlns:a14="http://schemas.microsoft.com/office/drawing/2010/main" w="9525">
+                <a:solidFill>
+                  <a:srgbClr val="000000"/>
+                </a:solidFill>
+                <a:miter lim="800000"/>
+                <a:headEnd/>
+                <a:tailEnd/>
+              </a14:hiddenLine>
+            </a:ext>
+          </a:extLst>
+        </p:spPr>
+        <p:txBody>
+          <a:bodyPr>
+            <a:spAutoFit/>
+          </a:bodyPr>
+          <a:lstStyle>
+            <a:lvl1pPr>
+              <a:defRPr>
+                <a:solidFill>
+                  <a:schemeClr val="tx1"/>
+                </a:solidFill>
+                <a:latin typeface="Calibri" panose="020F0502020204030204" pitchFamily="34" charset="0"/>
+              </a:defRPr>
+            </a:lvl1pPr>
+            <a:lvl2pPr marL="742950" indent="-285750">
+              <a:defRPr>
+                <a:solidFill>
+                  <a:schemeClr val="tx1"/>
+                </a:solidFill>
+                <a:latin typeface="Calibri" panose="020F0502020204030204" pitchFamily="34" charset="0"/>
+              </a:defRPr>
+            </a:lvl2pPr>
+            <a:lvl3pPr marL="1143000" indent="-228600">
+              <a:defRPr>
+                <a:solidFill>
+                  <a:schemeClr val="tx1"/>
+                </a:solidFill>
+                <a:latin typeface="Calibri" panose="020F0502020204030204" pitchFamily="34" charset="0"/>
+              </a:defRPr>
+            </a:lvl3pPr>
+            <a:lvl4pPr marL="1600200" indent="-228600">
+              <a:defRPr>
+                <a:solidFill>
+                  <a:schemeClr val="tx1"/>
+                </a:solidFill>
+                <a:latin typeface="Calibri" panose="020F0502020204030204" pitchFamily="34" charset="0"/>
+              </a:defRPr>
+            </a:lvl4pPr>
+            <a:lvl5pPr marL="2057400" indent="-228600">
+              <a:defRPr>
+                <a:solidFill>
+                  <a:schemeClr val="tx1"/>
+                </a:solidFill>
+                <a:latin typeface="Calibri" panose="020F0502020204030204" pitchFamily="34" charset="0"/>
+              </a:defRPr>
+            </a:lvl5pPr>
+            <a:lvl6pPr marL="2514600" indent="-228600" eaLnBrk="0" fontAlgn="base" hangingPunct="0">
+              <a:spcBef>
+                <a:spcPct val="0"/>
+              </a:spcBef>
+              <a:spcAft>
+                <a:spcPct val="0"/>
+              </a:spcAft>
+              <a:defRPr>
+                <a:solidFill>
+                  <a:schemeClr val="tx1"/>
+                </a:solidFill>
+                <a:latin typeface="Calibri" panose="020F0502020204030204" pitchFamily="34" charset="0"/>
+              </a:defRPr>
+            </a:lvl6pPr>
+            <a:lvl7pPr marL="2971800" indent="-228600" eaLnBrk="0" fontAlgn="base" hangingPunct="0">
+              <a:spcBef>
+                <a:spcPct val="0"/>
+              </a:spcBef>
+              <a:spcAft>
+                <a:spcPct val="0"/>
+              </a:spcAft>
+              <a:defRPr>
+                <a:solidFill>
+                  <a:schemeClr val="tx1"/>
+                </a:solidFill>
+                <a:latin typeface="Calibri" panose="020F0502020204030204" pitchFamily="34" charset="0"/>
+              </a:defRPr>
+            </a:lvl7pPr>
+            <a:lvl8pPr marL="3429000" indent="-228600" eaLnBrk="0" fontAlgn="base" hangingPunct="0">
+              <a:spcBef>
+                <a:spcPct val="0"/>
+              </a:spcBef>
+              <a:spcAft>
+                <a:spcPct val="0"/>
+              </a:spcAft>
+              <a:defRPr>
+                <a:solidFill>
+                  <a:schemeClr val="tx1"/>
+                </a:solidFill>
+                <a:latin typeface="Calibri" panose="020F0502020204030204" pitchFamily="34" charset="0"/>
+              </a:defRPr>
+            </a:lvl8pPr>
+            <a:lvl9pPr marL="3886200" indent="-228600" eaLnBrk="0" fontAlgn="base" hangingPunct="0">
+              <a:spcBef>
+                <a:spcPct val="0"/>
+              </a:spcBef>
+              <a:spcAft>
+                <a:spcPct val="0"/>
+              </a:spcAft>
+              <a:defRPr>
+                <a:solidFill>
+                  <a:schemeClr val="tx1"/>
+                </a:solidFill>
+                <a:latin typeface="Calibri" panose="020F0502020204030204" pitchFamily="34" charset="0"/>
+              </a:defRPr>
+            </a:lvl9pPr>
+          </a:lstStyle>
+          <a:p>
+            <a:pPr algn="ctr" eaLnBrk="1" hangingPunct="1"/>
+            <a:r>
+              <a:rPr lang="en-US" altLang="en-US" sz="1200" dirty="0">
+                <a:solidFill>
+                  <a:srgbClr val="000000"/>
+                </a:solidFill>
+                <a:latin typeface="Arial" panose="020B0604020202020204" pitchFamily="34" charset="0"/>
+                <a:cs typeface="Arial" panose="020B0604020202020204" pitchFamily="34" charset="0"/>
+              </a:rPr>
+              <a:t>Users</a:t>
+            </a:r>
+          </a:p>
+        </p:txBody>
+      </p:sp>
+      <p:cxnSp>
+        <p:nvCxnSpPr>
+          <p:cNvPr id="77" name="Straight Arrow Connector 76">
+            <a:extLst>
+              <a:ext uri="{FF2B5EF4-FFF2-40B4-BE49-F238E27FC236}">
+                <a16:creationId xmlns:a16="http://schemas.microsoft.com/office/drawing/2014/main" id="{FA65C81F-BA3C-4DFB-8BD7-7DE87922A449}"/>
+              </a:ext>
+            </a:extLst>
+          </p:cNvPr>
+          <p:cNvCxnSpPr>
+            <a:cxnSpLocks/>
+            <a:stCxn id="75" idx="1"/>
+            <a:endCxn id="73" idx="1"/>
+          </p:cNvCxnSpPr>
+          <p:nvPr/>
+        </p:nvCxnSpPr>
+        <p:spPr>
+          <a:xfrm>
+            <a:off x="2187160" y="3536499"/>
+            <a:ext cx="629865" cy="0"/>
+          </a:xfrm>
+          <a:prstGeom prst="straightConnector1">
+            <a:avLst/>
+          </a:prstGeom>
+          <a:ln w="12700">
+            <a:solidFill>
+              <a:srgbClr val="545B64"/>
+            </a:solidFill>
+            <a:headEnd type="none" w="med" len="sm"/>
+            <a:tailEnd type="arrow" w="med" len="sm"/>
+          </a:ln>
+        </p:spPr>
+        <p:style>
+          <a:lnRef idx="1">
+            <a:schemeClr val="accent1"/>
+          </a:lnRef>
+          <a:fillRef idx="0">
+            <a:schemeClr val="accent1"/>
+          </a:fillRef>
+          <a:effectRef idx="0">
+            <a:schemeClr val="accent1"/>
+          </a:effectRef>
+          <a:fontRef idx="minor">
+            <a:schemeClr val="tx1"/>
+          </a:fontRef>
+        </p:style>
+      </p:cxnSp>
+      <p:sp>
+        <p:nvSpPr>
+          <p:cNvPr id="79" name="TextBox 18">
+            <a:extLst>
+              <a:ext uri="{FF2B5EF4-FFF2-40B4-BE49-F238E27FC236}">
+                <a16:creationId xmlns:a16="http://schemas.microsoft.com/office/drawing/2014/main" id="{EE6DFACD-58F2-44E4-B499-8599E9176014}"/>
+              </a:ext>
+            </a:extLst>
+          </p:cNvPr>
+          <p:cNvSpPr txBox="1">
+            <a:spLocks noChangeArrowheads="1"/>
+          </p:cNvSpPr>
+          <p:nvPr/>
+        </p:nvSpPr>
+        <p:spPr bwMode="auto">
+          <a:xfrm>
+            <a:off x="2513020" y="7605502"/>
+            <a:ext cx="1370010" cy="461665"/>
+          </a:xfrm>
+          <a:prstGeom prst="rect">
+            <a:avLst/>
+          </a:prstGeom>
+          <a:noFill/>
+          <a:ln>
+            <a:noFill/>
+          </a:ln>
+          <a:extLst>
+            <a:ext uri="{909E8E84-426E-40DD-AFC4-6F175D3DCCD1}">
+              <a14:hiddenFill xmlns:a14="http://schemas.microsoft.com/office/drawing/2010/main">
+                <a:solidFill>
+                  <a:srgbClr val="FFFFFF"/>
+                </a:solidFill>
+              </a14:hiddenFill>
+            </a:ext>
+            <a:ext uri="{91240B29-F687-4F45-9708-019B960494DF}">
+              <a14:hiddenLine xmlns:a14="http://schemas.microsoft.com/office/drawing/2010/main" w="9525">
+                <a:solidFill>
+                  <a:srgbClr val="000000"/>
+                </a:solidFill>
+                <a:miter lim="800000"/>
+                <a:headEnd/>
+                <a:tailEnd/>
+              </a14:hiddenLine>
+            </a:ext>
+          </a:extLst>
+        </p:spPr>
+        <p:txBody>
+          <a:bodyPr wrap="square">
+            <a:spAutoFit/>
+          </a:bodyPr>
+          <a:lstStyle>
+            <a:lvl1pPr>
+              <a:defRPr>
+                <a:solidFill>
+                  <a:schemeClr val="tx1"/>
+                </a:solidFill>
+                <a:latin typeface="Calibri" panose="020F0502020204030204" pitchFamily="34" charset="0"/>
+              </a:defRPr>
+            </a:lvl1pPr>
+            <a:lvl2pPr marL="742950" indent="-285750">
+              <a:defRPr>
+                <a:solidFill>
+                  <a:schemeClr val="tx1"/>
+                </a:solidFill>
+                <a:latin typeface="Calibri" panose="020F0502020204030204" pitchFamily="34" charset="0"/>
+              </a:defRPr>
+            </a:lvl2pPr>
+            <a:lvl3pPr marL="1143000" indent="-228600">
+              <a:defRPr>
+                <a:solidFill>
+                  <a:schemeClr val="tx1"/>
+                </a:solidFill>
+                <a:latin typeface="Calibri" panose="020F0502020204030204" pitchFamily="34" charset="0"/>
+              </a:defRPr>
+            </a:lvl3pPr>
+            <a:lvl4pPr marL="1600200" indent="-228600">
+              <a:defRPr>
+                <a:solidFill>
+                  <a:schemeClr val="tx1"/>
+                </a:solidFill>
+                <a:latin typeface="Calibri" panose="020F0502020204030204" pitchFamily="34" charset="0"/>
+              </a:defRPr>
+            </a:lvl4pPr>
+            <a:lvl5pPr marL="2057400" indent="-228600">
+              <a:defRPr>
+                <a:solidFill>
+                  <a:schemeClr val="tx1"/>
+                </a:solidFill>
+                <a:latin typeface="Calibri" panose="020F0502020204030204" pitchFamily="34" charset="0"/>
+              </a:defRPr>
+            </a:lvl5pPr>
+            <a:lvl6pPr marL="2514600" indent="-228600" eaLnBrk="0" fontAlgn="base" hangingPunct="0">
+              <a:spcBef>
+                <a:spcPct val="0"/>
+              </a:spcBef>
+              <a:spcAft>
+                <a:spcPct val="0"/>
+              </a:spcAft>
+              <a:defRPr>
+                <a:solidFill>
+                  <a:schemeClr val="tx1"/>
+                </a:solidFill>
+                <a:latin typeface="Calibri" panose="020F0502020204030204" pitchFamily="34" charset="0"/>
+              </a:defRPr>
+            </a:lvl6pPr>
+            <a:lvl7pPr marL="2971800" indent="-228600" eaLnBrk="0" fontAlgn="base" hangingPunct="0">
+              <a:spcBef>
+                <a:spcPct val="0"/>
+              </a:spcBef>
+              <a:spcAft>
+                <a:spcPct val="0"/>
+              </a:spcAft>
+              <a:defRPr>
+                <a:solidFill>
+                  <a:schemeClr val="tx1"/>
+                </a:solidFill>
+                <a:latin typeface="Calibri" panose="020F0502020204030204" pitchFamily="34" charset="0"/>
+              </a:defRPr>
+            </a:lvl7pPr>
+            <a:lvl8pPr marL="3429000" indent="-228600" eaLnBrk="0" fontAlgn="base" hangingPunct="0">
+              <a:spcBef>
+                <a:spcPct val="0"/>
+              </a:spcBef>
+              <a:spcAft>
+                <a:spcPct val="0"/>
+              </a:spcAft>
+              <a:defRPr>
+                <a:solidFill>
+                  <a:schemeClr val="tx1"/>
+                </a:solidFill>
+                <a:latin typeface="Calibri" panose="020F0502020204030204" pitchFamily="34" charset="0"/>
+              </a:defRPr>
+            </a:lvl8pPr>
+            <a:lvl9pPr marL="3886200" indent="-228600" eaLnBrk="0" fontAlgn="base" hangingPunct="0">
+              <a:spcBef>
+                <a:spcPct val="0"/>
+              </a:spcBef>
+              <a:spcAft>
+                <a:spcPct val="0"/>
+              </a:spcAft>
+              <a:defRPr>
+                <a:solidFill>
+                  <a:schemeClr val="tx1"/>
+                </a:solidFill>
+                <a:latin typeface="Calibri" panose="020F0502020204030204" pitchFamily="34" charset="0"/>
+              </a:defRPr>
+            </a:lvl9pPr>
+          </a:lstStyle>
+          <a:p>
+            <a:pPr algn="ctr" eaLnBrk="1" hangingPunct="1"/>
+            <a:r>
+              <a:rPr lang="en-US" altLang="en-US" sz="1200" dirty="0">
+                <a:latin typeface="Arial" panose="020B0604020202020204" pitchFamily="34" charset="0"/>
+                <a:ea typeface="Amazon Ember" panose="020B0603020204020204" pitchFamily="34" charset="0"/>
+                <a:cs typeface="Arial" panose="020B0604020202020204" pitchFamily="34" charset="0"/>
+              </a:rPr>
+              <a:t>ElastiCache</a:t>
+            </a:r>
+          </a:p>
+          <a:p>
+            <a:pPr algn="ctr" eaLnBrk="1" hangingPunct="1"/>
+            <a:r>
+              <a:rPr lang="en-US" altLang="en-US" sz="1200" dirty="0">
+                <a:latin typeface="Arial" panose="020B0604020202020204" pitchFamily="34" charset="0"/>
+                <a:ea typeface="Amazon Ember" panose="020B0603020204020204" pitchFamily="34" charset="0"/>
+                <a:cs typeface="Arial" panose="020B0604020202020204" pitchFamily="34" charset="0"/>
+              </a:rPr>
+              <a:t>for Redis</a:t>
+            </a:r>
+          </a:p>
+        </p:txBody>
+      </p:sp>
+      <p:pic>
+        <p:nvPicPr>
+          <p:cNvPr id="82" name="Graphic 24">
+            <a:extLst>
+              <a:ext uri="{FF2B5EF4-FFF2-40B4-BE49-F238E27FC236}">
+                <a16:creationId xmlns:a16="http://schemas.microsoft.com/office/drawing/2014/main" id="{922AFA18-2ADC-4209-926D-23EB35E72A69}"/>
+              </a:ext>
+            </a:extLst>
+          </p:cNvPr>
+          <p:cNvPicPr>
+            <a:picLocks noChangeAspect="1" noChangeArrowheads="1"/>
+          </p:cNvPicPr>
+          <p:nvPr/>
+        </p:nvPicPr>
+        <p:blipFill>
+          <a:blip r:embed="rId16">
+            <a:extLst>
+              <a:ext uri="{28A0092B-C50C-407E-A947-70E740481C1C}">
+                <a14:useLocalDpi xmlns:a14="http://schemas.microsoft.com/office/drawing/2010/main" val="0"/>
+              </a:ext>
+            </a:extLst>
+          </a:blip>
+          <a:srcRect/>
+          <a:stretch>
+            <a:fillRect/>
+          </a:stretch>
+        </p:blipFill>
+        <p:spPr bwMode="auto">
+          <a:xfrm>
+            <a:off x="2969425" y="7165740"/>
+            <a:ext cx="457200" cy="457200"/>
+          </a:xfrm>
+          <a:prstGeom prst="rect">
+            <a:avLst/>
+          </a:prstGeom>
+          <a:noFill/>
+          <a:ln>
+            <a:noFill/>
+          </a:ln>
+          <a:extLst>
+            <a:ext uri="{909E8E84-426E-40DD-AFC4-6F175D3DCCD1}">
+              <a14:hiddenFill xmlns:a14="http://schemas.microsoft.com/office/drawing/2010/main">
+                <a:solidFill>
+                  <a:srgbClr val="FFFFFF"/>
+                </a:solidFill>
+              </a14:hiddenFill>
+            </a:ext>
+            <a:ext uri="{91240B29-F687-4F45-9708-019B960494DF}">
+              <a14:hiddenLine xmlns:a14="http://schemas.microsoft.com/office/drawing/2010/main" w="9525">
+                <a:solidFill>
+                  <a:srgbClr val="000000"/>
+                </a:solidFill>
+                <a:miter lim="800000"/>
+                <a:headEnd/>
+                <a:tailEnd/>
+              </a14:hiddenLine>
+            </a:ext>
+          </a:extLst>
+        </p:spPr>
+      </p:pic>
+      <p:pic>
+        <p:nvPicPr>
+          <p:cNvPr id="84" name="Graphic 19">
+            <a:extLst>
+              <a:ext uri="{FF2B5EF4-FFF2-40B4-BE49-F238E27FC236}">
+                <a16:creationId xmlns:a16="http://schemas.microsoft.com/office/drawing/2014/main" id="{5AD6312A-6E78-41B5-BFED-9B1C56575F3C}"/>
+              </a:ext>
+            </a:extLst>
+          </p:cNvPr>
+          <p:cNvPicPr>
+            <a:picLocks noChangeAspect="1" noChangeArrowheads="1"/>
+          </p:cNvPicPr>
+          <p:nvPr/>
+        </p:nvPicPr>
+        <p:blipFill>
+          <a:blip r:embed="rId17">
+            <a:extLst>
+              <a:ext uri="{28A0092B-C50C-407E-A947-70E740481C1C}">
+                <a14:useLocalDpi xmlns:a14="http://schemas.microsoft.com/office/drawing/2010/main" val="0"/>
+              </a:ext>
+            </a:extLst>
+          </a:blip>
+          <a:srcRect/>
+          <a:stretch>
+            <a:fillRect/>
+          </a:stretch>
+        </p:blipFill>
+        <p:spPr bwMode="auto">
+          <a:xfrm>
+            <a:off x="2817025" y="5827109"/>
+            <a:ext cx="762000" cy="762000"/>
+          </a:xfrm>
+          <a:prstGeom prst="rect">
+            <a:avLst/>
+          </a:prstGeom>
+          <a:noFill/>
+          <a:ln>
+            <a:noFill/>
+          </a:ln>
+          <a:extLst>
+            <a:ext uri="{909E8E84-426E-40DD-AFC4-6F175D3DCCD1}">
+              <a14:hiddenFill xmlns:a14="http://schemas.microsoft.com/office/drawing/2010/main">
+                <a:solidFill>
+                  <a:srgbClr val="FFFFFF"/>
+                </a:solidFill>
+              </a14:hiddenFill>
+            </a:ext>
+            <a:ext uri="{91240B29-F687-4F45-9708-019B960494DF}">
+              <a14:hiddenLine xmlns:a14="http://schemas.microsoft.com/office/drawing/2010/main" w="9525">
+                <a:solidFill>
+                  <a:srgbClr val="000000"/>
+                </a:solidFill>
+                <a:miter lim="800000"/>
+                <a:headEnd/>
+                <a:tailEnd/>
+              </a14:hiddenLine>
+            </a:ext>
+          </a:extLst>
+        </p:spPr>
+      </p:pic>
+      <p:sp>
+        <p:nvSpPr>
+          <p:cNvPr id="85" name="TextBox 11">
+            <a:extLst>
+              <a:ext uri="{FF2B5EF4-FFF2-40B4-BE49-F238E27FC236}">
+                <a16:creationId xmlns:a16="http://schemas.microsoft.com/office/drawing/2014/main" id="{C6BE7BB0-806D-41F5-BDF2-44DB28624CB6}"/>
+              </a:ext>
+            </a:extLst>
+          </p:cNvPr>
+          <p:cNvSpPr txBox="1">
+            <a:spLocks noChangeArrowheads="1"/>
+          </p:cNvSpPr>
+          <p:nvPr/>
+        </p:nvSpPr>
+        <p:spPr bwMode="auto">
+          <a:xfrm>
+            <a:off x="2051850" y="6646003"/>
+            <a:ext cx="2292350" cy="276999"/>
+          </a:xfrm>
+          <a:prstGeom prst="rect">
+            <a:avLst/>
+          </a:prstGeom>
+          <a:noFill/>
+          <a:ln>
+            <a:noFill/>
+          </a:ln>
+          <a:extLst>
+            <a:ext uri="{909E8E84-426E-40DD-AFC4-6F175D3DCCD1}">
+              <a14:hiddenFill xmlns:a14="http://schemas.microsoft.com/office/drawing/2010/main">
+                <a:solidFill>
+                  <a:srgbClr val="FFFFFF"/>
+                </a:solidFill>
+              </a14:hiddenFill>
+            </a:ext>
+            <a:ext uri="{91240B29-F687-4F45-9708-019B960494DF}">
+              <a14:hiddenLine xmlns:a14="http://schemas.microsoft.com/office/drawing/2010/main" w="9525">
+                <a:solidFill>
+                  <a:srgbClr val="000000"/>
+                </a:solidFill>
+                <a:miter lim="800000"/>
+                <a:headEnd/>
+                <a:tailEnd/>
+              </a14:hiddenLine>
+            </a:ext>
+          </a:extLst>
+        </p:spPr>
+        <p:txBody>
+          <a:bodyPr>
+            <a:spAutoFit/>
+          </a:bodyPr>
+          <a:lstStyle>
+            <a:lvl1pPr>
+              <a:defRPr>
+                <a:solidFill>
+                  <a:schemeClr val="tx1"/>
+                </a:solidFill>
+                <a:latin typeface="Calibri" panose="020F0502020204030204" pitchFamily="34" charset="0"/>
+              </a:defRPr>
+            </a:lvl1pPr>
+            <a:lvl2pPr marL="742950" indent="-285750">
+              <a:defRPr>
+                <a:solidFill>
+                  <a:schemeClr val="tx1"/>
+                </a:solidFill>
+                <a:latin typeface="Calibri" panose="020F0502020204030204" pitchFamily="34" charset="0"/>
+              </a:defRPr>
+            </a:lvl2pPr>
+            <a:lvl3pPr marL="1143000" indent="-228600">
+              <a:defRPr>
+                <a:solidFill>
+                  <a:schemeClr val="tx1"/>
+                </a:solidFill>
+                <a:latin typeface="Calibri" panose="020F0502020204030204" pitchFamily="34" charset="0"/>
+              </a:defRPr>
+            </a:lvl3pPr>
+            <a:lvl4pPr marL="1600200" indent="-228600">
+              <a:defRPr>
+                <a:solidFill>
+                  <a:schemeClr val="tx1"/>
+                </a:solidFill>
+                <a:latin typeface="Calibri" panose="020F0502020204030204" pitchFamily="34" charset="0"/>
+              </a:defRPr>
+            </a:lvl4pPr>
+            <a:lvl5pPr marL="2057400" indent="-228600">
+              <a:defRPr>
+                <a:solidFill>
+                  <a:schemeClr val="tx1"/>
+                </a:solidFill>
+                <a:latin typeface="Calibri" panose="020F0502020204030204" pitchFamily="34" charset="0"/>
+              </a:defRPr>
+            </a:lvl5pPr>
+            <a:lvl6pPr marL="2514600" indent="-228600" eaLnBrk="0" fontAlgn="base" hangingPunct="0">
+              <a:spcBef>
+                <a:spcPct val="0"/>
+              </a:spcBef>
+              <a:spcAft>
+                <a:spcPct val="0"/>
+              </a:spcAft>
+              <a:defRPr>
+                <a:solidFill>
+                  <a:schemeClr val="tx1"/>
+                </a:solidFill>
+                <a:latin typeface="Calibri" panose="020F0502020204030204" pitchFamily="34" charset="0"/>
+              </a:defRPr>
+            </a:lvl6pPr>
+            <a:lvl7pPr marL="2971800" indent="-228600" eaLnBrk="0" fontAlgn="base" hangingPunct="0">
+              <a:spcBef>
+                <a:spcPct val="0"/>
+              </a:spcBef>
+              <a:spcAft>
+                <a:spcPct val="0"/>
+              </a:spcAft>
+              <a:defRPr>
+                <a:solidFill>
+                  <a:schemeClr val="tx1"/>
+                </a:solidFill>
+                <a:latin typeface="Calibri" panose="020F0502020204030204" pitchFamily="34" charset="0"/>
+              </a:defRPr>
+            </a:lvl7pPr>
+            <a:lvl8pPr marL="3429000" indent="-228600" eaLnBrk="0" fontAlgn="base" hangingPunct="0">
+              <a:spcBef>
+                <a:spcPct val="0"/>
+              </a:spcBef>
+              <a:spcAft>
+                <a:spcPct val="0"/>
+              </a:spcAft>
+              <a:defRPr>
+                <a:solidFill>
+                  <a:schemeClr val="tx1"/>
+                </a:solidFill>
+                <a:latin typeface="Calibri" panose="020F0502020204030204" pitchFamily="34" charset="0"/>
+              </a:defRPr>
+            </a:lvl8pPr>
+            <a:lvl9pPr marL="3886200" indent="-228600" eaLnBrk="0" fontAlgn="base" hangingPunct="0">
+              <a:spcBef>
+                <a:spcPct val="0"/>
+              </a:spcBef>
+              <a:spcAft>
+                <a:spcPct val="0"/>
+              </a:spcAft>
+              <a:defRPr>
+                <a:solidFill>
+                  <a:schemeClr val="tx1"/>
+                </a:solidFill>
+                <a:latin typeface="Calibri" panose="020F0502020204030204" pitchFamily="34" charset="0"/>
+              </a:defRPr>
+            </a:lvl9pPr>
+          </a:lstStyle>
+          <a:p>
+            <a:pPr algn="ctr" eaLnBrk="1" hangingPunct="1"/>
+            <a:r>
+              <a:rPr lang="en-US" altLang="en-US" sz="1200" dirty="0">
+                <a:latin typeface="Arial" panose="020B0604020202020204" pitchFamily="34" charset="0"/>
+                <a:ea typeface="Amazon Ember" panose="020B0603020204020204" pitchFamily="34" charset="0"/>
+                <a:cs typeface="Arial" panose="020B0604020202020204" pitchFamily="34" charset="0"/>
+              </a:rPr>
+              <a:t>Amazon EFS</a:t>
+            </a:r>
+          </a:p>
+        </p:txBody>
+      </p:sp>
+      <p:pic>
+        <p:nvPicPr>
+          <p:cNvPr id="86" name="Graphic 23">
+            <a:extLst>
+              <a:ext uri="{FF2B5EF4-FFF2-40B4-BE49-F238E27FC236}">
+                <a16:creationId xmlns:a16="http://schemas.microsoft.com/office/drawing/2014/main" id="{B4D28075-826D-44C4-B176-5AD25ACD5551}"/>
+              </a:ext>
+            </a:extLst>
+          </p:cNvPr>
+          <p:cNvPicPr>
+            <a:picLocks noChangeAspect="1" noChangeArrowheads="1"/>
+          </p:cNvPicPr>
+          <p:nvPr/>
+        </p:nvPicPr>
+        <p:blipFill>
+          <a:blip r:embed="rId18">
+            <a:extLst>
+              <a:ext uri="{28A0092B-C50C-407E-A947-70E740481C1C}">
+                <a14:useLocalDpi xmlns:a14="http://schemas.microsoft.com/office/drawing/2010/main" val="0"/>
+              </a:ext>
+            </a:extLst>
+          </a:blip>
+          <a:srcRect/>
+          <a:stretch>
+            <a:fillRect/>
+          </a:stretch>
+        </p:blipFill>
+        <p:spPr bwMode="auto">
+          <a:xfrm>
+            <a:off x="2817025" y="4488478"/>
+            <a:ext cx="762000" cy="762000"/>
+          </a:xfrm>
+          <a:prstGeom prst="rect">
+            <a:avLst/>
+          </a:prstGeom>
+          <a:noFill/>
+          <a:ln>
+            <a:noFill/>
+          </a:ln>
+          <a:extLst>
+            <a:ext uri="{909E8E84-426E-40DD-AFC4-6F175D3DCCD1}">
+              <a14:hiddenFill xmlns:a14="http://schemas.microsoft.com/office/drawing/2010/main">
+                <a:solidFill>
+                  <a:srgbClr val="FFFFFF"/>
+                </a:solidFill>
+              </a14:hiddenFill>
+            </a:ext>
+            <a:ext uri="{91240B29-F687-4F45-9708-019B960494DF}">
+              <a14:hiddenLine xmlns:a14="http://schemas.microsoft.com/office/drawing/2010/main" w="9525">
+                <a:solidFill>
+                  <a:srgbClr val="000000"/>
+                </a:solidFill>
+                <a:miter lim="800000"/>
+                <a:headEnd/>
+                <a:tailEnd/>
+              </a14:hiddenLine>
+            </a:ext>
+          </a:extLst>
+        </p:spPr>
+      </p:pic>
+      <p:sp>
+        <p:nvSpPr>
+          <p:cNvPr id="95" name="TextBox 9">
+            <a:extLst>
+              <a:ext uri="{FF2B5EF4-FFF2-40B4-BE49-F238E27FC236}">
+                <a16:creationId xmlns:a16="http://schemas.microsoft.com/office/drawing/2014/main" id="{85B91F8E-3BD4-4469-996E-7763C0EA16A6}"/>
+              </a:ext>
+            </a:extLst>
+          </p:cNvPr>
+          <p:cNvSpPr txBox="1">
+            <a:spLocks noChangeArrowheads="1"/>
+          </p:cNvSpPr>
+          <p:nvPr/>
+        </p:nvSpPr>
+        <p:spPr bwMode="auto">
+          <a:xfrm>
+            <a:off x="2063756" y="5259147"/>
+            <a:ext cx="2268538" cy="276999"/>
+          </a:xfrm>
+          <a:prstGeom prst="rect">
+            <a:avLst/>
+          </a:prstGeom>
+          <a:noFill/>
+          <a:ln>
+            <a:noFill/>
+          </a:ln>
+          <a:extLst>
+            <a:ext uri="{909E8E84-426E-40DD-AFC4-6F175D3DCCD1}">
+              <a14:hiddenFill xmlns:a14="http://schemas.microsoft.com/office/drawing/2010/main">
+                <a:solidFill>
+                  <a:srgbClr val="FFFFFF"/>
+                </a:solidFill>
+              </a14:hiddenFill>
+            </a:ext>
+            <a:ext uri="{91240B29-F687-4F45-9708-019B960494DF}">
+              <a14:hiddenLine xmlns:a14="http://schemas.microsoft.com/office/drawing/2010/main" w="9525">
+                <a:solidFill>
+                  <a:srgbClr val="000000"/>
+                </a:solidFill>
+                <a:miter lim="800000"/>
+                <a:headEnd/>
+                <a:tailEnd/>
+              </a14:hiddenLine>
+            </a:ext>
+          </a:extLst>
+        </p:spPr>
+        <p:txBody>
+          <a:bodyPr wrap="square">
+            <a:spAutoFit/>
+          </a:bodyPr>
+          <a:lstStyle>
+            <a:lvl1pPr>
+              <a:defRPr>
+                <a:solidFill>
+                  <a:schemeClr val="tx1"/>
+                </a:solidFill>
+                <a:latin typeface="Calibri" panose="020F0502020204030204" pitchFamily="34" charset="0"/>
+              </a:defRPr>
+            </a:lvl1pPr>
+            <a:lvl2pPr marL="742950" indent="-285750">
+              <a:defRPr>
+                <a:solidFill>
+                  <a:schemeClr val="tx1"/>
+                </a:solidFill>
+                <a:latin typeface="Calibri" panose="020F0502020204030204" pitchFamily="34" charset="0"/>
+              </a:defRPr>
+            </a:lvl2pPr>
+            <a:lvl3pPr marL="1143000" indent="-228600">
+              <a:defRPr>
+                <a:solidFill>
+                  <a:schemeClr val="tx1"/>
+                </a:solidFill>
+                <a:latin typeface="Calibri" panose="020F0502020204030204" pitchFamily="34" charset="0"/>
+              </a:defRPr>
+            </a:lvl3pPr>
+            <a:lvl4pPr marL="1600200" indent="-228600">
+              <a:defRPr>
+                <a:solidFill>
+                  <a:schemeClr val="tx1"/>
+                </a:solidFill>
+                <a:latin typeface="Calibri" panose="020F0502020204030204" pitchFamily="34" charset="0"/>
+              </a:defRPr>
+            </a:lvl4pPr>
+            <a:lvl5pPr marL="2057400" indent="-228600">
+              <a:defRPr>
+                <a:solidFill>
+                  <a:schemeClr val="tx1"/>
+                </a:solidFill>
+                <a:latin typeface="Calibri" panose="020F0502020204030204" pitchFamily="34" charset="0"/>
+              </a:defRPr>
+            </a:lvl5pPr>
+            <a:lvl6pPr marL="2514600" indent="-228600" eaLnBrk="0" fontAlgn="base" hangingPunct="0">
+              <a:spcBef>
+                <a:spcPct val="0"/>
+              </a:spcBef>
+              <a:spcAft>
+                <a:spcPct val="0"/>
+              </a:spcAft>
+              <a:defRPr>
+                <a:solidFill>
+                  <a:schemeClr val="tx1"/>
+                </a:solidFill>
+                <a:latin typeface="Calibri" panose="020F0502020204030204" pitchFamily="34" charset="0"/>
+              </a:defRPr>
+            </a:lvl6pPr>
+            <a:lvl7pPr marL="2971800" indent="-228600" eaLnBrk="0" fontAlgn="base" hangingPunct="0">
+              <a:spcBef>
+                <a:spcPct val="0"/>
+              </a:spcBef>
+              <a:spcAft>
+                <a:spcPct val="0"/>
+              </a:spcAft>
+              <a:defRPr>
+                <a:solidFill>
+                  <a:schemeClr val="tx1"/>
+                </a:solidFill>
+                <a:latin typeface="Calibri" panose="020F0502020204030204" pitchFamily="34" charset="0"/>
+              </a:defRPr>
+            </a:lvl7pPr>
+            <a:lvl8pPr marL="3429000" indent="-228600" eaLnBrk="0" fontAlgn="base" hangingPunct="0">
+              <a:spcBef>
+                <a:spcPct val="0"/>
+              </a:spcBef>
+              <a:spcAft>
+                <a:spcPct val="0"/>
+              </a:spcAft>
+              <a:defRPr>
+                <a:solidFill>
+                  <a:schemeClr val="tx1"/>
+                </a:solidFill>
+                <a:latin typeface="Calibri" panose="020F0502020204030204" pitchFamily="34" charset="0"/>
+              </a:defRPr>
+            </a:lvl8pPr>
+            <a:lvl9pPr marL="3886200" indent="-228600" eaLnBrk="0" fontAlgn="base" hangingPunct="0">
+              <a:spcBef>
+                <a:spcPct val="0"/>
+              </a:spcBef>
+              <a:spcAft>
+                <a:spcPct val="0"/>
+              </a:spcAft>
+              <a:defRPr>
+                <a:solidFill>
+                  <a:schemeClr val="tx1"/>
+                </a:solidFill>
+                <a:latin typeface="Calibri" panose="020F0502020204030204" pitchFamily="34" charset="0"/>
+              </a:defRPr>
+            </a:lvl9pPr>
+          </a:lstStyle>
+          <a:p>
+            <a:pPr algn="ctr" eaLnBrk="1" hangingPunct="1"/>
+            <a:r>
+              <a:rPr lang="en-US" altLang="en-US" sz="1200" dirty="0">
+                <a:latin typeface="Arial" panose="020B0604020202020204" pitchFamily="34" charset="0"/>
+                <a:ea typeface="Amazon Ember" panose="020B0603020204020204" pitchFamily="34" charset="0"/>
+                <a:cs typeface="Arial" panose="020B0604020202020204" pitchFamily="34" charset="0"/>
+              </a:rPr>
+              <a:t>Amazon EKS</a:t>
+            </a:r>
+          </a:p>
+        </p:txBody>
+      </p:sp>
+      <p:pic>
+        <p:nvPicPr>
+          <p:cNvPr id="96" name="Graphic 23">
+            <a:extLst>
+              <a:ext uri="{FF2B5EF4-FFF2-40B4-BE49-F238E27FC236}">
+                <a16:creationId xmlns:a16="http://schemas.microsoft.com/office/drawing/2014/main" id="{BE433220-B7AF-4887-84D8-3B66E3D88A40}"/>
+              </a:ext>
+            </a:extLst>
+          </p:cNvPr>
+          <p:cNvPicPr>
+            <a:picLocks noChangeAspect="1" noChangeArrowheads="1"/>
+          </p:cNvPicPr>
+          <p:nvPr/>
+        </p:nvPicPr>
+        <p:blipFill>
+          <a:blip r:embed="rId14">
+            <a:extLst>
+              <a:ext uri="{96DAC541-7B7A-43D3-8B79-37D633B846F1}">
+                <asvg:svgBlip xmlns:asvg="http://schemas.microsoft.com/office/drawing/2016/SVG/main" r:embed="rId15"/>
+              </a:ext>
+            </a:extLst>
+          </a:blip>
+          <a:srcRect/>
+          <a:stretch/>
+        </p:blipFill>
+        <p:spPr bwMode="auto">
+          <a:xfrm flipH="1">
+            <a:off x="1717260" y="4631665"/>
+            <a:ext cx="469900" cy="469900"/>
+          </a:xfrm>
+          <a:prstGeom prst="rect">
+            <a:avLst/>
+          </a:prstGeom>
+          <a:noFill/>
+          <a:ln>
+            <a:noFill/>
+          </a:ln>
+          <a:extLst>
+            <a:ext uri="{909E8E84-426E-40DD-AFC4-6F175D3DCCD1}">
+              <a14:hiddenFill xmlns:a14="http://schemas.microsoft.com/office/drawing/2010/main">
+                <a:solidFill>
+                  <a:srgbClr val="FFFFFF"/>
+                </a:solidFill>
+              </a14:hiddenFill>
+            </a:ext>
+            <a:ext uri="{91240B29-F687-4F45-9708-019B960494DF}">
+              <a14:hiddenLine xmlns:a14="http://schemas.microsoft.com/office/drawing/2010/main" w="9525">
+                <a:solidFill>
+                  <a:srgbClr val="000000"/>
+                </a:solidFill>
+                <a:miter lim="800000"/>
+                <a:headEnd/>
+                <a:tailEnd/>
+              </a14:hiddenLine>
+            </a:ext>
+          </a:extLst>
+        </p:spPr>
+      </p:pic>
+      <p:sp>
+        <p:nvSpPr>
+          <p:cNvPr id="99" name="TextBox 40">
+            <a:extLst>
+              <a:ext uri="{FF2B5EF4-FFF2-40B4-BE49-F238E27FC236}">
+                <a16:creationId xmlns:a16="http://schemas.microsoft.com/office/drawing/2014/main" id="{A72AEC9B-F105-438E-838A-FDF8D0BE1484}"/>
+              </a:ext>
+            </a:extLst>
+          </p:cNvPr>
+          <p:cNvSpPr txBox="1">
+            <a:spLocks noChangeArrowheads="1"/>
+          </p:cNvSpPr>
+          <p:nvPr/>
+        </p:nvSpPr>
+        <p:spPr bwMode="auto">
+          <a:xfrm>
+            <a:off x="1330346" y="5259147"/>
+            <a:ext cx="1243729" cy="276999"/>
+          </a:xfrm>
+          <a:prstGeom prst="rect">
+            <a:avLst/>
+          </a:prstGeom>
+          <a:noFill/>
+          <a:ln>
+            <a:noFill/>
+          </a:ln>
+          <a:extLst>
+            <a:ext uri="{909E8E84-426E-40DD-AFC4-6F175D3DCCD1}">
+              <a14:hiddenFill xmlns:a14="http://schemas.microsoft.com/office/drawing/2010/main">
+                <a:solidFill>
+                  <a:srgbClr val="FFFFFF"/>
+                </a:solidFill>
+              </a14:hiddenFill>
+            </a:ext>
+            <a:ext uri="{91240B29-F687-4F45-9708-019B960494DF}">
+              <a14:hiddenLine xmlns:a14="http://schemas.microsoft.com/office/drawing/2010/main" w="9525">
+                <a:solidFill>
+                  <a:srgbClr val="000000"/>
+                </a:solidFill>
+                <a:miter lim="800000"/>
+                <a:headEnd/>
+                <a:tailEnd/>
+              </a14:hiddenLine>
+            </a:ext>
+          </a:extLst>
+        </p:spPr>
+        <p:txBody>
+          <a:bodyPr wrap="square">
+            <a:spAutoFit/>
+          </a:bodyPr>
+          <a:lstStyle>
+            <a:lvl1pPr>
+              <a:defRPr>
+                <a:solidFill>
+                  <a:schemeClr val="tx1"/>
+                </a:solidFill>
+                <a:latin typeface="Calibri" panose="020F0502020204030204" pitchFamily="34" charset="0"/>
+              </a:defRPr>
+            </a:lvl1pPr>
+            <a:lvl2pPr marL="742950" indent="-285750">
+              <a:defRPr>
+                <a:solidFill>
+                  <a:schemeClr val="tx1"/>
+                </a:solidFill>
+                <a:latin typeface="Calibri" panose="020F0502020204030204" pitchFamily="34" charset="0"/>
+              </a:defRPr>
+            </a:lvl2pPr>
+            <a:lvl3pPr marL="1143000" indent="-228600">
+              <a:defRPr>
+                <a:solidFill>
+                  <a:schemeClr val="tx1"/>
+                </a:solidFill>
+                <a:latin typeface="Calibri" panose="020F0502020204030204" pitchFamily="34" charset="0"/>
+              </a:defRPr>
+            </a:lvl3pPr>
+            <a:lvl4pPr marL="1600200" indent="-228600">
+              <a:defRPr>
+                <a:solidFill>
+                  <a:schemeClr val="tx1"/>
+                </a:solidFill>
+                <a:latin typeface="Calibri" panose="020F0502020204030204" pitchFamily="34" charset="0"/>
+              </a:defRPr>
+            </a:lvl4pPr>
+            <a:lvl5pPr marL="2057400" indent="-228600">
+              <a:defRPr>
+                <a:solidFill>
+                  <a:schemeClr val="tx1"/>
+                </a:solidFill>
+                <a:latin typeface="Calibri" panose="020F0502020204030204" pitchFamily="34" charset="0"/>
+              </a:defRPr>
+            </a:lvl5pPr>
+            <a:lvl6pPr marL="2514600" indent="-228600" eaLnBrk="0" fontAlgn="base" hangingPunct="0">
+              <a:spcBef>
+                <a:spcPct val="0"/>
+              </a:spcBef>
+              <a:spcAft>
+                <a:spcPct val="0"/>
+              </a:spcAft>
+              <a:defRPr>
+                <a:solidFill>
+                  <a:schemeClr val="tx1"/>
+                </a:solidFill>
+                <a:latin typeface="Calibri" panose="020F0502020204030204" pitchFamily="34" charset="0"/>
+              </a:defRPr>
+            </a:lvl6pPr>
+            <a:lvl7pPr marL="2971800" indent="-228600" eaLnBrk="0" fontAlgn="base" hangingPunct="0">
+              <a:spcBef>
+                <a:spcPct val="0"/>
+              </a:spcBef>
+              <a:spcAft>
+                <a:spcPct val="0"/>
+              </a:spcAft>
+              <a:defRPr>
+                <a:solidFill>
+                  <a:schemeClr val="tx1"/>
+                </a:solidFill>
+                <a:latin typeface="Calibri" panose="020F0502020204030204" pitchFamily="34" charset="0"/>
+              </a:defRPr>
+            </a:lvl7pPr>
+            <a:lvl8pPr marL="3429000" indent="-228600" eaLnBrk="0" fontAlgn="base" hangingPunct="0">
+              <a:spcBef>
+                <a:spcPct val="0"/>
+              </a:spcBef>
+              <a:spcAft>
+                <a:spcPct val="0"/>
+              </a:spcAft>
+              <a:defRPr>
+                <a:solidFill>
+                  <a:schemeClr val="tx1"/>
+                </a:solidFill>
+                <a:latin typeface="Calibri" panose="020F0502020204030204" pitchFamily="34" charset="0"/>
+              </a:defRPr>
+            </a:lvl8pPr>
+            <a:lvl9pPr marL="3886200" indent="-228600" eaLnBrk="0" fontAlgn="base" hangingPunct="0">
+              <a:spcBef>
+                <a:spcPct val="0"/>
+              </a:spcBef>
+              <a:spcAft>
+                <a:spcPct val="0"/>
+              </a:spcAft>
+              <a:defRPr>
+                <a:solidFill>
+                  <a:schemeClr val="tx1"/>
+                </a:solidFill>
+                <a:latin typeface="Calibri" panose="020F0502020204030204" pitchFamily="34" charset="0"/>
+              </a:defRPr>
+            </a:lvl9pPr>
+          </a:lstStyle>
+          <a:p>
+            <a:pPr algn="ctr" eaLnBrk="1" hangingPunct="1"/>
+            <a:r>
+              <a:rPr lang="en-US" altLang="en-US" sz="1200" dirty="0">
+                <a:solidFill>
+                  <a:srgbClr val="000000"/>
+                </a:solidFill>
+                <a:latin typeface="Arial" panose="020B0604020202020204" pitchFamily="34" charset="0"/>
+                <a:cs typeface="Arial" panose="020B0604020202020204" pitchFamily="34" charset="0"/>
+              </a:rPr>
+              <a:t>Administrators</a:t>
+            </a:r>
+          </a:p>
+        </p:txBody>
+      </p:sp>
+      <p:cxnSp>
+        <p:nvCxnSpPr>
+          <p:cNvPr id="121" name="Straight Arrow Connector 120">
+            <a:extLst>
+              <a:ext uri="{FF2B5EF4-FFF2-40B4-BE49-F238E27FC236}">
+                <a16:creationId xmlns:a16="http://schemas.microsoft.com/office/drawing/2014/main" id="{B4C2E7C0-512C-45CB-9280-9EBCB4F1F189}"/>
+              </a:ext>
+            </a:extLst>
+          </p:cNvPr>
+          <p:cNvCxnSpPr>
+            <a:cxnSpLocks/>
+            <a:stCxn id="96" idx="1"/>
+            <a:endCxn id="86" idx="1"/>
+          </p:cNvCxnSpPr>
+          <p:nvPr/>
+        </p:nvCxnSpPr>
+        <p:spPr>
+          <a:xfrm>
+            <a:off x="2187160" y="4866615"/>
+            <a:ext cx="629865" cy="2863"/>
+          </a:xfrm>
+          <a:prstGeom prst="straightConnector1">
+            <a:avLst/>
+          </a:prstGeom>
+          <a:ln w="12700">
+            <a:solidFill>
+              <a:srgbClr val="545B64"/>
+            </a:solidFill>
+            <a:headEnd type="none" w="med" len="sm"/>
+            <a:tailEnd type="arrow" w="med" len="sm"/>
+          </a:ln>
+        </p:spPr>
+        <p:style>
+          <a:lnRef idx="1">
+            <a:schemeClr val="accent1"/>
+          </a:lnRef>
+          <a:fillRef idx="0">
+            <a:schemeClr val="accent1"/>
+          </a:fillRef>
+          <a:effectRef idx="0">
+            <a:schemeClr val="accent1"/>
+          </a:effectRef>
+          <a:fontRef idx="minor">
+            <a:schemeClr val="tx1"/>
+          </a:fontRef>
+        </p:style>
+      </p:cxnSp>
+      <p:pic>
+        <p:nvPicPr>
+          <p:cNvPr id="122" name="Graphic 6">
+            <a:extLst>
+              <a:ext uri="{FF2B5EF4-FFF2-40B4-BE49-F238E27FC236}">
+                <a16:creationId xmlns:a16="http://schemas.microsoft.com/office/drawing/2014/main" id="{0750B22B-CEE0-43B9-B11D-4E6ED41FEA3E}"/>
+              </a:ext>
+            </a:extLst>
+          </p:cNvPr>
+          <p:cNvPicPr>
+            <a:picLocks noChangeAspect="1" noChangeArrowheads="1"/>
+          </p:cNvPicPr>
+          <p:nvPr/>
+        </p:nvPicPr>
+        <p:blipFill>
+          <a:blip r:embed="rId12">
+            <a:extLst>
+              <a:ext uri="{28A0092B-C50C-407E-A947-70E740481C1C}">
+                <a14:useLocalDpi xmlns:a14="http://schemas.microsoft.com/office/drawing/2010/main" val="0"/>
+              </a:ext>
+            </a:extLst>
+          </a:blip>
+          <a:srcRect/>
+          <a:stretch>
+            <a:fillRect/>
+          </a:stretch>
+        </p:blipFill>
+        <p:spPr bwMode="auto">
+          <a:xfrm>
+            <a:off x="6496412" y="3186413"/>
+            <a:ext cx="457200" cy="457200"/>
+          </a:xfrm>
+          <a:prstGeom prst="rect">
+            <a:avLst/>
+          </a:prstGeom>
+          <a:noFill/>
+          <a:ln>
+            <a:noFill/>
+          </a:ln>
+          <a:extLst>
+            <a:ext uri="{909E8E84-426E-40DD-AFC4-6F175D3DCCD1}">
+              <a14:hiddenFill xmlns:a14="http://schemas.microsoft.com/office/drawing/2010/main">
+                <a:solidFill>
+                  <a:srgbClr val="FFFFFF"/>
+                </a:solidFill>
+              </a14:hiddenFill>
+            </a:ext>
+            <a:ext uri="{91240B29-F687-4F45-9708-019B960494DF}">
+              <a14:hiddenLine xmlns:a14="http://schemas.microsoft.com/office/drawing/2010/main" w="9525">
+                <a:solidFill>
+                  <a:srgbClr val="000000"/>
+                </a:solidFill>
+                <a:miter lim="800000"/>
+                <a:headEnd/>
+                <a:tailEnd/>
+              </a14:hiddenLine>
+            </a:ext>
+          </a:extLst>
+        </p:spPr>
+      </p:pic>
+      <p:cxnSp>
+        <p:nvCxnSpPr>
+          <p:cNvPr id="126" name="Straight Arrow Connector 125">
+            <a:extLst>
+              <a:ext uri="{FF2B5EF4-FFF2-40B4-BE49-F238E27FC236}">
+                <a16:creationId xmlns:a16="http://schemas.microsoft.com/office/drawing/2014/main" id="{44148E96-D67B-4EB5-8587-6DAFD9195161}"/>
+              </a:ext>
+            </a:extLst>
+          </p:cNvPr>
+          <p:cNvCxnSpPr>
+            <a:cxnSpLocks/>
+            <a:stCxn id="73" idx="3"/>
+            <a:endCxn id="97" idx="1"/>
+          </p:cNvCxnSpPr>
+          <p:nvPr/>
+        </p:nvCxnSpPr>
+        <p:spPr>
+          <a:xfrm>
+            <a:off x="3579025" y="3536499"/>
+            <a:ext cx="1705476" cy="1"/>
+          </a:xfrm>
+          <a:prstGeom prst="straightConnector1">
+            <a:avLst/>
+          </a:prstGeom>
+          <a:ln w="12700">
+            <a:solidFill>
+              <a:srgbClr val="545B64"/>
+            </a:solidFill>
+            <a:headEnd type="none" w="med" len="sm"/>
+            <a:tailEnd type="arrow" w="med" len="sm"/>
+          </a:ln>
+        </p:spPr>
+        <p:style>
+          <a:lnRef idx="1">
+            <a:schemeClr val="accent1"/>
+          </a:lnRef>
+          <a:fillRef idx="0">
+            <a:schemeClr val="accent1"/>
+          </a:fillRef>
+          <a:effectRef idx="0">
+            <a:schemeClr val="accent1"/>
+          </a:effectRef>
+          <a:fontRef idx="minor">
+            <a:schemeClr val="tx1"/>
+          </a:fontRef>
+        </p:style>
+      </p:cxnSp>
+      <p:pic>
+        <p:nvPicPr>
+          <p:cNvPr id="132" name="Graphic 131">
+            <a:extLst>
+              <a:ext uri="{FF2B5EF4-FFF2-40B4-BE49-F238E27FC236}">
+                <a16:creationId xmlns:a16="http://schemas.microsoft.com/office/drawing/2014/main" id="{3BA777E0-F28E-4441-954C-8BD251042C97}"/>
+              </a:ext>
+            </a:extLst>
+          </p:cNvPr>
+          <p:cNvPicPr>
+            <a:picLocks noChangeAspect="1"/>
+          </p:cNvPicPr>
+          <p:nvPr/>
+        </p:nvPicPr>
+        <p:blipFill>
+          <a:blip r:embed="rId19">
+            <a:extLst>
+              <a:ext uri="{96DAC541-7B7A-43D3-8B79-37D633B846F1}">
+                <asvg:svgBlip xmlns:asvg="http://schemas.microsoft.com/office/drawing/2016/SVG/main" r:embed="rId20"/>
+              </a:ext>
+            </a:extLst>
+          </a:blip>
+          <a:stretch>
+            <a:fillRect/>
+          </a:stretch>
+        </p:blipFill>
+        <p:spPr>
+          <a:xfrm>
+            <a:off x="5504175" y="7443216"/>
+            <a:ext cx="381000" cy="381000"/>
+          </a:xfrm>
+          <a:prstGeom prst="rect">
+            <a:avLst/>
+          </a:prstGeom>
+        </p:spPr>
+      </p:pic>
+      <p:pic>
+        <p:nvPicPr>
+          <p:cNvPr id="133" name="Graphic 132">
+            <a:extLst>
+              <a:ext uri="{FF2B5EF4-FFF2-40B4-BE49-F238E27FC236}">
+                <a16:creationId xmlns:a16="http://schemas.microsoft.com/office/drawing/2014/main" id="{26CB6691-B96C-48FB-B73C-6D1AE1F2F1E2}"/>
+              </a:ext>
+            </a:extLst>
+          </p:cNvPr>
+          <p:cNvPicPr>
+            <a:picLocks noChangeAspect="1"/>
+          </p:cNvPicPr>
+          <p:nvPr/>
+        </p:nvPicPr>
+        <p:blipFill>
+          <a:blip r:embed="rId19">
+            <a:extLst>
+              <a:ext uri="{96DAC541-7B7A-43D3-8B79-37D633B846F1}">
+                <asvg:svgBlip xmlns:asvg="http://schemas.microsoft.com/office/drawing/2016/SVG/main" r:embed="rId20"/>
+              </a:ext>
+            </a:extLst>
+          </a:blip>
+          <a:stretch>
+            <a:fillRect/>
+          </a:stretch>
+        </p:blipFill>
+        <p:spPr>
+          <a:xfrm>
+            <a:off x="9464824" y="7443216"/>
+            <a:ext cx="381000" cy="381000"/>
+          </a:xfrm>
+          <a:prstGeom prst="rect">
+            <a:avLst/>
+          </a:prstGeom>
+        </p:spPr>
+      </p:pic>
+      <p:sp>
+        <p:nvSpPr>
+          <p:cNvPr id="81" name="TextBox 80">
+            <a:extLst>
+              <a:ext uri="{FF2B5EF4-FFF2-40B4-BE49-F238E27FC236}">
+                <a16:creationId xmlns:a16="http://schemas.microsoft.com/office/drawing/2014/main" id="{60D2FE92-7EAB-459B-AA4C-2B9CC6E6697F}"/>
+              </a:ext>
+            </a:extLst>
+          </p:cNvPr>
+          <p:cNvSpPr txBox="1">
+            <a:spLocks noChangeArrowheads="1"/>
+          </p:cNvSpPr>
+          <p:nvPr/>
+        </p:nvSpPr>
+        <p:spPr bwMode="auto">
+          <a:xfrm>
+            <a:off x="3811110" y="6646003"/>
+            <a:ext cx="1506538" cy="276999"/>
+          </a:xfrm>
+          <a:prstGeom prst="rect">
+            <a:avLst/>
+          </a:prstGeom>
+          <a:noFill/>
+          <a:ln>
+            <a:noFill/>
+          </a:ln>
+          <a:extLst>
+            <a:ext uri="{909E8E84-426E-40DD-AFC4-6F175D3DCCD1}">
+              <a14:hiddenFill xmlns:a14="http://schemas.microsoft.com/office/drawing/2010/main">
+                <a:solidFill>
+                  <a:srgbClr val="FFFFFF"/>
+                </a:solidFill>
+              </a14:hiddenFill>
+            </a:ext>
+            <a:ext uri="{91240B29-F687-4F45-9708-019B960494DF}">
+              <a14:hiddenLine xmlns:a14="http://schemas.microsoft.com/office/drawing/2010/main" w="9525">
+                <a:solidFill>
+                  <a:srgbClr val="000000"/>
+                </a:solidFill>
+                <a:miter lim="800000"/>
+                <a:headEnd/>
+                <a:tailEnd/>
+              </a14:hiddenLine>
+            </a:ext>
+          </a:extLst>
+        </p:spPr>
+        <p:txBody>
+          <a:bodyPr>
+            <a:spAutoFit/>
+          </a:bodyPr>
+          <a:lstStyle>
+            <a:lvl1pPr>
+              <a:defRPr>
+                <a:solidFill>
+                  <a:schemeClr val="tx1"/>
+                </a:solidFill>
+                <a:latin typeface="Calibri" panose="020F0502020204030204" pitchFamily="34" charset="0"/>
+              </a:defRPr>
+            </a:lvl1pPr>
+            <a:lvl2pPr marL="742950" indent="-285750">
+              <a:defRPr>
+                <a:solidFill>
+                  <a:schemeClr val="tx1"/>
+                </a:solidFill>
+                <a:latin typeface="Calibri" panose="020F0502020204030204" pitchFamily="34" charset="0"/>
+              </a:defRPr>
+            </a:lvl2pPr>
+            <a:lvl3pPr marL="1143000" indent="-228600">
+              <a:defRPr>
+                <a:solidFill>
+                  <a:schemeClr val="tx1"/>
+                </a:solidFill>
+                <a:latin typeface="Calibri" panose="020F0502020204030204" pitchFamily="34" charset="0"/>
+              </a:defRPr>
+            </a:lvl3pPr>
+            <a:lvl4pPr marL="1600200" indent="-228600">
+              <a:defRPr>
+                <a:solidFill>
+                  <a:schemeClr val="tx1"/>
+                </a:solidFill>
+                <a:latin typeface="Calibri" panose="020F0502020204030204" pitchFamily="34" charset="0"/>
+              </a:defRPr>
+            </a:lvl4pPr>
+            <a:lvl5pPr marL="2057400" indent="-228600">
+              <a:defRPr>
+                <a:solidFill>
+                  <a:schemeClr val="tx1"/>
+                </a:solidFill>
+                <a:latin typeface="Calibri" panose="020F0502020204030204" pitchFamily="34" charset="0"/>
+              </a:defRPr>
+            </a:lvl5pPr>
+            <a:lvl6pPr marL="2514600" indent="-228600" eaLnBrk="0" fontAlgn="base" hangingPunct="0">
+              <a:spcBef>
+                <a:spcPct val="0"/>
+              </a:spcBef>
+              <a:spcAft>
+                <a:spcPct val="0"/>
+              </a:spcAft>
+              <a:defRPr>
+                <a:solidFill>
+                  <a:schemeClr val="tx1"/>
+                </a:solidFill>
+                <a:latin typeface="Calibri" panose="020F0502020204030204" pitchFamily="34" charset="0"/>
+              </a:defRPr>
+            </a:lvl6pPr>
+            <a:lvl7pPr marL="2971800" indent="-228600" eaLnBrk="0" fontAlgn="base" hangingPunct="0">
+              <a:spcBef>
+                <a:spcPct val="0"/>
+              </a:spcBef>
+              <a:spcAft>
+                <a:spcPct val="0"/>
+              </a:spcAft>
+              <a:defRPr>
+                <a:solidFill>
+                  <a:schemeClr val="tx1"/>
+                </a:solidFill>
+                <a:latin typeface="Calibri" panose="020F0502020204030204" pitchFamily="34" charset="0"/>
+              </a:defRPr>
+            </a:lvl7pPr>
+            <a:lvl8pPr marL="3429000" indent="-228600" eaLnBrk="0" fontAlgn="base" hangingPunct="0">
+              <a:spcBef>
+                <a:spcPct val="0"/>
+              </a:spcBef>
+              <a:spcAft>
+                <a:spcPct val="0"/>
+              </a:spcAft>
+              <a:defRPr>
+                <a:solidFill>
+                  <a:schemeClr val="tx1"/>
+                </a:solidFill>
+                <a:latin typeface="Calibri" panose="020F0502020204030204" pitchFamily="34" charset="0"/>
+              </a:defRPr>
+            </a:lvl8pPr>
+            <a:lvl9pPr marL="3886200" indent="-228600" eaLnBrk="0" fontAlgn="base" hangingPunct="0">
+              <a:spcBef>
+                <a:spcPct val="0"/>
+              </a:spcBef>
+              <a:spcAft>
+                <a:spcPct val="0"/>
+              </a:spcAft>
+              <a:defRPr>
+                <a:solidFill>
+                  <a:schemeClr val="tx1"/>
+                </a:solidFill>
+                <a:latin typeface="Calibri" panose="020F0502020204030204" pitchFamily="34" charset="0"/>
+              </a:defRPr>
+            </a:lvl9pPr>
+          </a:lstStyle>
+          <a:p>
+            <a:pPr algn="ctr" eaLnBrk="1" hangingPunct="1"/>
+            <a:r>
+              <a:rPr lang="en-US" altLang="en-US" sz="1200" dirty="0">
+                <a:latin typeface="Arial" panose="020B0604020202020204" pitchFamily="34" charset="0"/>
+                <a:cs typeface="Arial" panose="020B0604020202020204" pitchFamily="34" charset="0"/>
+              </a:rPr>
+              <a:t>Enforcement Point</a:t>
+            </a:r>
+          </a:p>
+        </p:txBody>
+      </p:sp>
+      <p:pic>
+        <p:nvPicPr>
+          <p:cNvPr id="87" name="Graphic 6">
+            <a:extLst>
+              <a:ext uri="{FF2B5EF4-FFF2-40B4-BE49-F238E27FC236}">
+                <a16:creationId xmlns:a16="http://schemas.microsoft.com/office/drawing/2014/main" id="{8D95BB91-F1E4-4AF2-B7FC-F27365B49F57}"/>
+              </a:ext>
+            </a:extLst>
+          </p:cNvPr>
+          <p:cNvPicPr>
+            <a:picLocks noChangeAspect="1" noChangeArrowheads="1"/>
+          </p:cNvPicPr>
+          <p:nvPr/>
+        </p:nvPicPr>
+        <p:blipFill>
+          <a:blip r:embed="rId12">
+            <a:extLst>
+              <a:ext uri="{28A0092B-C50C-407E-A947-70E740481C1C}">
+                <a14:useLocalDpi xmlns:a14="http://schemas.microsoft.com/office/drawing/2010/main" val="0"/>
+              </a:ext>
+            </a:extLst>
+          </a:blip>
+          <a:srcRect/>
+          <a:stretch>
+            <a:fillRect/>
+          </a:stretch>
+        </p:blipFill>
+        <p:spPr bwMode="auto">
+          <a:xfrm>
+            <a:off x="4335779" y="6035535"/>
+            <a:ext cx="457200" cy="457200"/>
+          </a:xfrm>
+          <a:prstGeom prst="rect">
+            <a:avLst/>
+          </a:prstGeom>
+          <a:noFill/>
+          <a:ln>
+            <a:noFill/>
+          </a:ln>
+          <a:extLst>
+            <a:ext uri="{909E8E84-426E-40DD-AFC4-6F175D3DCCD1}">
+              <a14:hiddenFill xmlns:a14="http://schemas.microsoft.com/office/drawing/2010/main">
+                <a:solidFill>
+                  <a:srgbClr val="FFFFFF"/>
+                </a:solidFill>
+              </a14:hiddenFill>
+            </a:ext>
+            <a:ext uri="{91240B29-F687-4F45-9708-019B960494DF}">
+              <a14:hiddenLine xmlns:a14="http://schemas.microsoft.com/office/drawing/2010/main" w="9525">
+                <a:solidFill>
+                  <a:srgbClr val="000000"/>
+                </a:solidFill>
+                <a:miter lim="800000"/>
+                <a:headEnd/>
+                <a:tailEnd/>
+              </a14:hiddenLine>
+            </a:ext>
+          </a:extLst>
+        </p:spPr>
+      </p:pic>
+      <p:cxnSp>
+        <p:nvCxnSpPr>
+          <p:cNvPr id="88" name="Straight Arrow Connector 87">
+            <a:extLst>
+              <a:ext uri="{FF2B5EF4-FFF2-40B4-BE49-F238E27FC236}">
+                <a16:creationId xmlns:a16="http://schemas.microsoft.com/office/drawing/2014/main" id="{3A739E6B-5B6F-4A6D-8E12-3B0232D5C9E3}"/>
+              </a:ext>
+            </a:extLst>
+          </p:cNvPr>
+          <p:cNvCxnSpPr>
+            <a:cxnSpLocks/>
+            <a:stCxn id="87" idx="3"/>
+          </p:cNvCxnSpPr>
+          <p:nvPr/>
+        </p:nvCxnSpPr>
+        <p:spPr>
+          <a:xfrm>
+            <a:off x="4792979" y="6264135"/>
+            <a:ext cx="492800" cy="0"/>
+          </a:xfrm>
+          <a:prstGeom prst="straightConnector1">
+            <a:avLst/>
+          </a:prstGeom>
+          <a:ln w="12700">
+            <a:solidFill>
+              <a:srgbClr val="545B64"/>
+            </a:solidFill>
+            <a:headEnd type="none" w="med" len="sm"/>
+            <a:tailEnd type="arrow" w="med" len="sm"/>
+          </a:ln>
+        </p:spPr>
+        <p:style>
+          <a:lnRef idx="1">
+            <a:schemeClr val="accent1"/>
+          </a:lnRef>
+          <a:fillRef idx="0">
+            <a:schemeClr val="accent1"/>
+          </a:fillRef>
+          <a:effectRef idx="0">
+            <a:schemeClr val="accent1"/>
+          </a:effectRef>
+          <a:fontRef idx="minor">
+            <a:schemeClr val="tx1"/>
+          </a:fontRef>
+        </p:style>
+      </p:cxnSp>
+      <p:sp>
+        <p:nvSpPr>
+          <p:cNvPr id="89" name="TextBox 88">
+            <a:extLst>
+              <a:ext uri="{FF2B5EF4-FFF2-40B4-BE49-F238E27FC236}">
+                <a16:creationId xmlns:a16="http://schemas.microsoft.com/office/drawing/2014/main" id="{3B90E04A-68E4-47EE-A2FF-5D96910B7EE7}"/>
+              </a:ext>
+            </a:extLst>
+          </p:cNvPr>
+          <p:cNvSpPr txBox="1">
+            <a:spLocks noChangeArrowheads="1"/>
+          </p:cNvSpPr>
+          <p:nvPr/>
+        </p:nvSpPr>
+        <p:spPr bwMode="auto">
+          <a:xfrm>
+            <a:off x="9925161" y="3692570"/>
+            <a:ext cx="1506538" cy="276999"/>
+          </a:xfrm>
+          <a:prstGeom prst="rect">
+            <a:avLst/>
+          </a:prstGeom>
+          <a:noFill/>
+          <a:ln>
+            <a:noFill/>
+          </a:ln>
+          <a:extLst>
+            <a:ext uri="{909E8E84-426E-40DD-AFC4-6F175D3DCCD1}">
+              <a14:hiddenFill xmlns:a14="http://schemas.microsoft.com/office/drawing/2010/main">
+                <a:solidFill>
+                  <a:srgbClr val="FFFFFF"/>
+                </a:solidFill>
+              </a14:hiddenFill>
+            </a:ext>
+            <a:ext uri="{91240B29-F687-4F45-9708-019B960494DF}">
+              <a14:hiddenLine xmlns:a14="http://schemas.microsoft.com/office/drawing/2010/main" w="9525">
+                <a:solidFill>
+                  <a:srgbClr val="000000"/>
+                </a:solidFill>
+                <a:miter lim="800000"/>
+                <a:headEnd/>
+                <a:tailEnd/>
+              </a14:hiddenLine>
+            </a:ext>
+          </a:extLst>
+        </p:spPr>
+        <p:txBody>
+          <a:bodyPr>
+            <a:spAutoFit/>
+          </a:bodyPr>
+          <a:lstStyle>
+            <a:lvl1pPr>
+              <a:defRPr>
+                <a:solidFill>
+                  <a:schemeClr val="tx1"/>
+                </a:solidFill>
+                <a:latin typeface="Calibri" panose="020F0502020204030204" pitchFamily="34" charset="0"/>
+              </a:defRPr>
+            </a:lvl1pPr>
+            <a:lvl2pPr marL="742950" indent="-285750">
+              <a:defRPr>
+                <a:solidFill>
+                  <a:schemeClr val="tx1"/>
+                </a:solidFill>
+                <a:latin typeface="Calibri" panose="020F0502020204030204" pitchFamily="34" charset="0"/>
+              </a:defRPr>
+            </a:lvl2pPr>
+            <a:lvl3pPr marL="1143000" indent="-228600">
+              <a:defRPr>
+                <a:solidFill>
+                  <a:schemeClr val="tx1"/>
+                </a:solidFill>
+                <a:latin typeface="Calibri" panose="020F0502020204030204" pitchFamily="34" charset="0"/>
+              </a:defRPr>
+            </a:lvl3pPr>
+            <a:lvl4pPr marL="1600200" indent="-228600">
+              <a:defRPr>
+                <a:solidFill>
+                  <a:schemeClr val="tx1"/>
+                </a:solidFill>
+                <a:latin typeface="Calibri" panose="020F0502020204030204" pitchFamily="34" charset="0"/>
+              </a:defRPr>
+            </a:lvl4pPr>
+            <a:lvl5pPr marL="2057400" indent="-228600">
+              <a:defRPr>
+                <a:solidFill>
+                  <a:schemeClr val="tx1"/>
+                </a:solidFill>
+                <a:latin typeface="Calibri" panose="020F0502020204030204" pitchFamily="34" charset="0"/>
+              </a:defRPr>
+            </a:lvl5pPr>
+            <a:lvl6pPr marL="2514600" indent="-228600" eaLnBrk="0" fontAlgn="base" hangingPunct="0">
+              <a:spcBef>
+                <a:spcPct val="0"/>
+              </a:spcBef>
+              <a:spcAft>
+                <a:spcPct val="0"/>
+              </a:spcAft>
+              <a:defRPr>
+                <a:solidFill>
+                  <a:schemeClr val="tx1"/>
+                </a:solidFill>
+                <a:latin typeface="Calibri" panose="020F0502020204030204" pitchFamily="34" charset="0"/>
+              </a:defRPr>
+            </a:lvl6pPr>
+            <a:lvl7pPr marL="2971800" indent="-228600" eaLnBrk="0" fontAlgn="base" hangingPunct="0">
+              <a:spcBef>
+                <a:spcPct val="0"/>
+              </a:spcBef>
+              <a:spcAft>
+                <a:spcPct val="0"/>
+              </a:spcAft>
+              <a:defRPr>
+                <a:solidFill>
+                  <a:schemeClr val="tx1"/>
+                </a:solidFill>
+                <a:latin typeface="Calibri" panose="020F0502020204030204" pitchFamily="34" charset="0"/>
+              </a:defRPr>
+            </a:lvl7pPr>
+            <a:lvl8pPr marL="3429000" indent="-228600" eaLnBrk="0" fontAlgn="base" hangingPunct="0">
+              <a:spcBef>
+                <a:spcPct val="0"/>
+              </a:spcBef>
+              <a:spcAft>
+                <a:spcPct val="0"/>
+              </a:spcAft>
+              <a:defRPr>
+                <a:solidFill>
+                  <a:schemeClr val="tx1"/>
+                </a:solidFill>
+                <a:latin typeface="Calibri" panose="020F0502020204030204" pitchFamily="34" charset="0"/>
+              </a:defRPr>
+            </a:lvl8pPr>
+            <a:lvl9pPr marL="3886200" indent="-228600" eaLnBrk="0" fontAlgn="base" hangingPunct="0">
+              <a:spcBef>
+                <a:spcPct val="0"/>
+              </a:spcBef>
+              <a:spcAft>
+                <a:spcPct val="0"/>
+              </a:spcAft>
+              <a:defRPr>
+                <a:solidFill>
+                  <a:schemeClr val="tx1"/>
+                </a:solidFill>
+                <a:latin typeface="Calibri" panose="020F0502020204030204" pitchFamily="34" charset="0"/>
+              </a:defRPr>
+            </a:lvl9pPr>
+          </a:lstStyle>
+          <a:p>
+            <a:pPr algn="ctr" eaLnBrk="1" hangingPunct="1"/>
+            <a:r>
+              <a:rPr lang="en-US" altLang="en-US" sz="1200" dirty="0">
+                <a:latin typeface="Arial" panose="020B0604020202020204" pitchFamily="34" charset="0"/>
+                <a:cs typeface="Arial" panose="020B0604020202020204" pitchFamily="34" charset="0"/>
+              </a:rPr>
+              <a:t>Control Point </a:t>
+            </a:r>
+          </a:p>
+        </p:txBody>
+      </p:sp>
+      <p:pic>
+        <p:nvPicPr>
+          <p:cNvPr id="90" name="Graphic 6">
+            <a:extLst>
+              <a:ext uri="{FF2B5EF4-FFF2-40B4-BE49-F238E27FC236}">
+                <a16:creationId xmlns:a16="http://schemas.microsoft.com/office/drawing/2014/main" id="{317CF642-5331-4514-93C8-D51B168FE9E8}"/>
+              </a:ext>
+            </a:extLst>
+          </p:cNvPr>
+          <p:cNvPicPr>
+            <a:picLocks noChangeAspect="1" noChangeArrowheads="1"/>
+          </p:cNvPicPr>
+          <p:nvPr/>
+        </p:nvPicPr>
+        <p:blipFill>
+          <a:blip r:embed="rId12">
+            <a:extLst>
+              <a:ext uri="{28A0092B-C50C-407E-A947-70E740481C1C}">
+                <a14:useLocalDpi xmlns:a14="http://schemas.microsoft.com/office/drawing/2010/main" val="0"/>
+              </a:ext>
+            </a:extLst>
+          </a:blip>
+          <a:srcRect/>
+          <a:stretch>
+            <a:fillRect/>
+          </a:stretch>
+        </p:blipFill>
+        <p:spPr bwMode="auto">
+          <a:xfrm>
+            <a:off x="10451592" y="3194667"/>
+            <a:ext cx="457200" cy="457200"/>
+          </a:xfrm>
+          <a:prstGeom prst="rect">
+            <a:avLst/>
+          </a:prstGeom>
+          <a:noFill/>
+          <a:ln>
+            <a:noFill/>
+          </a:ln>
+          <a:extLst>
+            <a:ext uri="{909E8E84-426E-40DD-AFC4-6F175D3DCCD1}">
+              <a14:hiddenFill xmlns:a14="http://schemas.microsoft.com/office/drawing/2010/main">
+                <a:solidFill>
+                  <a:srgbClr val="FFFFFF"/>
+                </a:solidFill>
+              </a14:hiddenFill>
+            </a:ext>
+            <a:ext uri="{91240B29-F687-4F45-9708-019B960494DF}">
+              <a14:hiddenLine xmlns:a14="http://schemas.microsoft.com/office/drawing/2010/main" w="9525">
+                <a:solidFill>
+                  <a:srgbClr val="000000"/>
+                </a:solidFill>
+                <a:miter lim="800000"/>
+                <a:headEnd/>
+                <a:tailEnd/>
+              </a14:hiddenLine>
+            </a:ext>
+          </a:extLst>
+        </p:spPr>
+      </p:pic>
+    </p:spTree>
+    <p:extLst>
+      <p:ext uri="{BB962C8B-B14F-4D97-AF65-F5344CB8AC3E}">
+        <p14:creationId xmlns:p14="http://schemas.microsoft.com/office/powerpoint/2010/main" val="2485860950"/>
       </p:ext>
     </p:extLst>
   </p:cSld>
